--- a/_devops/Presentations/FunkyCode Articles.pptx
+++ b/_devops/Presentations/FunkyCode Articles.pptx
@@ -6,6 +6,7 @@
   </p:sldMasterIdLst>
   <p:sldIdLst>
     <p:sldId id="256" r:id="rId2"/>
+    <p:sldId id="257" r:id="rId3"/>
   </p:sldIdLst>
   <p:sldSz cx="12192000" cy="6858000"/>
   <p:notesSz cx="6858000" cy="9144000"/>
@@ -104,6 +105,11 @@
       </a:defRPr>
     </a:lvl9pPr>
   </p:defaultTextStyle>
+  <p:extLst>
+    <p:ext uri="{EFAFB233-063F-42B5-8137-9DF3F51BA10A}">
+      <p15:sldGuideLst xmlns:p15="http://schemas.microsoft.com/office/powerpoint/2012/main"/>
+    </p:ext>
+  </p:extLst>
 </p:presentation>
 </file>
 
@@ -254,7 +260,7 @@
           <a:p>
             <a:fld id="{BBDD0A7E-F4FE-45A5-BBB4-0E5516FE760F}" type="datetimeFigureOut">
               <a:rPr lang="en-US" smtClean="0"/>
-              <a:t>7/23/2020</a:t>
+              <a:t>7/27/2020</a:t>
             </a:fld>
             <a:endParaRPr lang="en-US"/>
           </a:p>
@@ -452,7 +458,7 @@
           <a:p>
             <a:fld id="{BBDD0A7E-F4FE-45A5-BBB4-0E5516FE760F}" type="datetimeFigureOut">
               <a:rPr lang="en-US" smtClean="0"/>
-              <a:t>7/23/2020</a:t>
+              <a:t>7/27/2020</a:t>
             </a:fld>
             <a:endParaRPr lang="en-US"/>
           </a:p>
@@ -660,7 +666,7 @@
           <a:p>
             <a:fld id="{BBDD0A7E-F4FE-45A5-BBB4-0E5516FE760F}" type="datetimeFigureOut">
               <a:rPr lang="en-US" smtClean="0"/>
-              <a:t>7/23/2020</a:t>
+              <a:t>7/27/2020</a:t>
             </a:fld>
             <a:endParaRPr lang="en-US"/>
           </a:p>
@@ -858,7 +864,7 @@
           <a:p>
             <a:fld id="{BBDD0A7E-F4FE-45A5-BBB4-0E5516FE760F}" type="datetimeFigureOut">
               <a:rPr lang="en-US" smtClean="0"/>
-              <a:t>7/23/2020</a:t>
+              <a:t>7/27/2020</a:t>
             </a:fld>
             <a:endParaRPr lang="en-US"/>
           </a:p>
@@ -1133,7 +1139,7 @@
           <a:p>
             <a:fld id="{BBDD0A7E-F4FE-45A5-BBB4-0E5516FE760F}" type="datetimeFigureOut">
               <a:rPr lang="en-US" smtClean="0"/>
-              <a:t>7/23/2020</a:t>
+              <a:t>7/27/2020</a:t>
             </a:fld>
             <a:endParaRPr lang="en-US"/>
           </a:p>
@@ -1398,7 +1404,7 @@
           <a:p>
             <a:fld id="{BBDD0A7E-F4FE-45A5-BBB4-0E5516FE760F}" type="datetimeFigureOut">
               <a:rPr lang="en-US" smtClean="0"/>
-              <a:t>7/23/2020</a:t>
+              <a:t>7/27/2020</a:t>
             </a:fld>
             <a:endParaRPr lang="en-US"/>
           </a:p>
@@ -1810,7 +1816,7 @@
           <a:p>
             <a:fld id="{BBDD0A7E-F4FE-45A5-BBB4-0E5516FE760F}" type="datetimeFigureOut">
               <a:rPr lang="en-US" smtClean="0"/>
-              <a:t>7/23/2020</a:t>
+              <a:t>7/27/2020</a:t>
             </a:fld>
             <a:endParaRPr lang="en-US"/>
           </a:p>
@@ -1951,7 +1957,7 @@
           <a:p>
             <a:fld id="{BBDD0A7E-F4FE-45A5-BBB4-0E5516FE760F}" type="datetimeFigureOut">
               <a:rPr lang="en-US" smtClean="0"/>
-              <a:t>7/23/2020</a:t>
+              <a:t>7/27/2020</a:t>
             </a:fld>
             <a:endParaRPr lang="en-US"/>
           </a:p>
@@ -2064,7 +2070,7 @@
           <a:p>
             <a:fld id="{BBDD0A7E-F4FE-45A5-BBB4-0E5516FE760F}" type="datetimeFigureOut">
               <a:rPr lang="en-US" smtClean="0"/>
-              <a:t>7/23/2020</a:t>
+              <a:t>7/27/2020</a:t>
             </a:fld>
             <a:endParaRPr lang="en-US"/>
           </a:p>
@@ -2375,7 +2381,7 @@
           <a:p>
             <a:fld id="{BBDD0A7E-F4FE-45A5-BBB4-0E5516FE760F}" type="datetimeFigureOut">
               <a:rPr lang="en-US" smtClean="0"/>
-              <a:t>7/23/2020</a:t>
+              <a:t>7/27/2020</a:t>
             </a:fld>
             <a:endParaRPr lang="en-US"/>
           </a:p>
@@ -2663,7 +2669,7 @@
           <a:p>
             <a:fld id="{BBDD0A7E-F4FE-45A5-BBB4-0E5516FE760F}" type="datetimeFigureOut">
               <a:rPr lang="en-US" smtClean="0"/>
-              <a:t>7/23/2020</a:t>
+              <a:t>7/27/2020</a:t>
             </a:fld>
             <a:endParaRPr lang="en-US"/>
           </a:p>
@@ -2904,7 +2910,7 @@
           <a:p>
             <a:fld id="{BBDD0A7E-F4FE-45A5-BBB4-0E5516FE760F}" type="datetimeFigureOut">
               <a:rPr lang="en-US" smtClean="0"/>
-              <a:t>7/23/2020</a:t>
+              <a:t>7/27/2020</a:t>
             </a:fld>
             <a:endParaRPr lang="en-US"/>
           </a:p>
@@ -3695,6 +3701,773 @@
 </p:sld>
 </file>
 
+<file path=ppt/slides/slide2.xml><?xml version="1.0" encoding="utf-8"?>
+<p:sld xmlns:a="http://schemas.openxmlformats.org/drawingml/2006/main" xmlns:r="http://schemas.openxmlformats.org/officeDocument/2006/relationships" xmlns:p="http://schemas.openxmlformats.org/presentationml/2006/main">
+  <p:cSld>
+    <p:spTree>
+      <p:nvGrpSpPr>
+        <p:cNvPr id="1" name=""/>
+        <p:cNvGrpSpPr/>
+        <p:nvPr/>
+      </p:nvGrpSpPr>
+      <p:grpSpPr>
+        <a:xfrm>
+          <a:off x="0" y="0"/>
+          <a:ext cx="0" cy="0"/>
+          <a:chOff x="0" y="0"/>
+          <a:chExt cx="0" cy="0"/>
+        </a:xfrm>
+      </p:grpSpPr>
+      <p:sp>
+        <p:nvSpPr>
+          <p:cNvPr id="4" name="TextBox 3">
+            <a:extLst>
+              <a:ext uri="{FF2B5EF4-FFF2-40B4-BE49-F238E27FC236}">
+                <a16:creationId xmlns:a16="http://schemas.microsoft.com/office/drawing/2014/main" id="{F722EEDA-1F35-4DEA-9497-D1F41A650142}"/>
+              </a:ext>
+            </a:extLst>
+          </p:cNvPr>
+          <p:cNvSpPr txBox="1"/>
+          <p:nvPr/>
+        </p:nvSpPr>
+        <p:spPr>
+          <a:xfrm>
+            <a:off x="2075932" y="2667097"/>
+            <a:ext cx="1488361" cy="646331"/>
+          </a:xfrm>
+          <a:prstGeom prst="rect">
+            <a:avLst/>
+          </a:prstGeom>
+          <a:solidFill>
+            <a:schemeClr val="accent1"/>
+          </a:solidFill>
+        </p:spPr>
+        <p:txBody>
+          <a:bodyPr wrap="square" rtlCol="0" anchor="ctr">
+            <a:noAutofit/>
+          </a:bodyPr>
+          <a:lstStyle/>
+          <a:p>
+            <a:pPr algn="ctr"/>
+            <a:r>
+              <a:rPr lang="pl-PL" dirty="0">
+                <a:solidFill>
+                  <a:schemeClr val="bg1"/>
+                </a:solidFill>
+              </a:rPr>
+              <a:t>Dirty reads</a:t>
+            </a:r>
+            <a:endParaRPr lang="en-US" dirty="0">
+              <a:solidFill>
+                <a:schemeClr val="bg1"/>
+              </a:solidFill>
+            </a:endParaRPr>
+          </a:p>
+        </p:txBody>
+      </p:sp>
+      <p:sp>
+        <p:nvSpPr>
+          <p:cNvPr id="5" name="TextBox 4">
+            <a:extLst>
+              <a:ext uri="{FF2B5EF4-FFF2-40B4-BE49-F238E27FC236}">
+                <a16:creationId xmlns:a16="http://schemas.microsoft.com/office/drawing/2014/main" id="{B261CFD0-06F5-4D77-A9B8-01E1A02F0604}"/>
+              </a:ext>
+            </a:extLst>
+          </p:cNvPr>
+          <p:cNvSpPr txBox="1"/>
+          <p:nvPr/>
+        </p:nvSpPr>
+        <p:spPr>
+          <a:xfrm>
+            <a:off x="2075932" y="3492517"/>
+            <a:ext cx="1488361" cy="646331"/>
+          </a:xfrm>
+          <a:prstGeom prst="rect">
+            <a:avLst/>
+          </a:prstGeom>
+          <a:solidFill>
+            <a:schemeClr val="accent6">
+              <a:lumMod val="75000"/>
+            </a:schemeClr>
+          </a:solidFill>
+        </p:spPr>
+        <p:txBody>
+          <a:bodyPr wrap="square" rtlCol="0" anchor="ctr">
+            <a:noAutofit/>
+          </a:bodyPr>
+          <a:lstStyle/>
+          <a:p>
+            <a:pPr algn="ctr"/>
+            <a:r>
+              <a:rPr lang="pl-PL" dirty="0">
+                <a:solidFill>
+                  <a:schemeClr val="bg1"/>
+                </a:solidFill>
+              </a:rPr>
+              <a:t>Repeatable reads</a:t>
+            </a:r>
+            <a:endParaRPr lang="en-US" dirty="0">
+              <a:solidFill>
+                <a:schemeClr val="bg1"/>
+              </a:solidFill>
+            </a:endParaRPr>
+          </a:p>
+        </p:txBody>
+      </p:sp>
+      <p:sp>
+        <p:nvSpPr>
+          <p:cNvPr id="6" name="TextBox 5">
+            <a:extLst>
+              <a:ext uri="{FF2B5EF4-FFF2-40B4-BE49-F238E27FC236}">
+                <a16:creationId xmlns:a16="http://schemas.microsoft.com/office/drawing/2014/main" id="{E15BA702-BEB3-48B9-AB10-9F5C3E6D6169}"/>
+              </a:ext>
+            </a:extLst>
+          </p:cNvPr>
+          <p:cNvSpPr txBox="1"/>
+          <p:nvPr/>
+        </p:nvSpPr>
+        <p:spPr>
+          <a:xfrm>
+            <a:off x="6750568" y="875981"/>
+            <a:ext cx="1488361" cy="646331"/>
+          </a:xfrm>
+          <a:prstGeom prst="rect">
+            <a:avLst/>
+          </a:prstGeom>
+          <a:solidFill>
+            <a:srgbClr val="7030A0"/>
+          </a:solidFill>
+        </p:spPr>
+        <p:txBody>
+          <a:bodyPr wrap="square" rtlCol="0" anchor="ctr">
+            <a:noAutofit/>
+          </a:bodyPr>
+          <a:lstStyle/>
+          <a:p>
+            <a:pPr algn="ctr"/>
+            <a:r>
+              <a:rPr lang="pl-PL" dirty="0">
+                <a:solidFill>
+                  <a:schemeClr val="bg1"/>
+                </a:solidFill>
+              </a:rPr>
+              <a:t>Phantoms</a:t>
+            </a:r>
+            <a:endParaRPr lang="en-US" dirty="0">
+              <a:solidFill>
+                <a:schemeClr val="bg1"/>
+              </a:solidFill>
+            </a:endParaRPr>
+          </a:p>
+        </p:txBody>
+      </p:sp>
+      <p:cxnSp>
+        <p:nvCxnSpPr>
+          <p:cNvPr id="9" name="Straight Connector 8">
+            <a:extLst>
+              <a:ext uri="{FF2B5EF4-FFF2-40B4-BE49-F238E27FC236}">
+                <a16:creationId xmlns:a16="http://schemas.microsoft.com/office/drawing/2014/main" id="{C91C1742-FFF7-4386-9A05-45DB22882633}"/>
+              </a:ext>
+            </a:extLst>
+          </p:cNvPr>
+          <p:cNvCxnSpPr>
+            <a:cxnSpLocks/>
+          </p:cNvCxnSpPr>
+          <p:nvPr/>
+        </p:nvCxnSpPr>
+        <p:spPr>
+          <a:xfrm flipH="1">
+            <a:off x="1662512" y="5159829"/>
+            <a:ext cx="9300957" cy="0"/>
+          </a:xfrm>
+          <a:prstGeom prst="line">
+            <a:avLst/>
+          </a:prstGeom>
+          <a:ln w="25400">
+            <a:headEnd type="triangle"/>
+          </a:ln>
+        </p:spPr>
+        <p:style>
+          <a:lnRef idx="1">
+            <a:schemeClr val="accent1"/>
+          </a:lnRef>
+          <a:fillRef idx="0">
+            <a:schemeClr val="accent1"/>
+          </a:fillRef>
+          <a:effectRef idx="0">
+            <a:schemeClr val="accent1"/>
+          </a:effectRef>
+          <a:fontRef idx="minor">
+            <a:schemeClr val="tx1"/>
+          </a:fontRef>
+        </p:style>
+      </p:cxnSp>
+      <p:sp>
+        <p:nvSpPr>
+          <p:cNvPr id="11" name="TextBox 10">
+            <a:extLst>
+              <a:ext uri="{FF2B5EF4-FFF2-40B4-BE49-F238E27FC236}">
+                <a16:creationId xmlns:a16="http://schemas.microsoft.com/office/drawing/2014/main" id="{C73FF1F7-540B-4442-8B3F-A5B6A83593E5}"/>
+              </a:ext>
+            </a:extLst>
+          </p:cNvPr>
+          <p:cNvSpPr txBox="1"/>
+          <p:nvPr/>
+        </p:nvSpPr>
+        <p:spPr>
+          <a:xfrm>
+            <a:off x="2075932" y="4322055"/>
+            <a:ext cx="1488361" cy="646331"/>
+          </a:xfrm>
+          <a:prstGeom prst="rect">
+            <a:avLst/>
+          </a:prstGeom>
+          <a:solidFill>
+            <a:srgbClr val="7030A0"/>
+          </a:solidFill>
+        </p:spPr>
+        <p:txBody>
+          <a:bodyPr wrap="square" rtlCol="0" anchor="ctr">
+            <a:noAutofit/>
+          </a:bodyPr>
+          <a:lstStyle/>
+          <a:p>
+            <a:pPr algn="ctr"/>
+            <a:r>
+              <a:rPr lang="pl-PL" dirty="0">
+                <a:solidFill>
+                  <a:schemeClr val="bg1"/>
+                </a:solidFill>
+              </a:rPr>
+              <a:t>Phantoms</a:t>
+            </a:r>
+            <a:endParaRPr lang="en-US" dirty="0">
+              <a:solidFill>
+                <a:schemeClr val="bg1"/>
+              </a:solidFill>
+            </a:endParaRPr>
+          </a:p>
+        </p:txBody>
+      </p:sp>
+      <p:sp>
+        <p:nvSpPr>
+          <p:cNvPr id="13" name="TextBox 12">
+            <a:extLst>
+              <a:ext uri="{FF2B5EF4-FFF2-40B4-BE49-F238E27FC236}">
+                <a16:creationId xmlns:a16="http://schemas.microsoft.com/office/drawing/2014/main" id="{70D07974-E635-4C70-AE1F-AB68619F39B0}"/>
+              </a:ext>
+            </a:extLst>
+          </p:cNvPr>
+          <p:cNvSpPr txBox="1"/>
+          <p:nvPr/>
+        </p:nvSpPr>
+        <p:spPr>
+          <a:xfrm>
+            <a:off x="4875116" y="875982"/>
+            <a:ext cx="1488361" cy="646331"/>
+          </a:xfrm>
+          <a:prstGeom prst="rect">
+            <a:avLst/>
+          </a:prstGeom>
+          <a:solidFill>
+            <a:schemeClr val="accent6">
+              <a:lumMod val="75000"/>
+            </a:schemeClr>
+          </a:solidFill>
+        </p:spPr>
+        <p:txBody>
+          <a:bodyPr wrap="square" rtlCol="0" anchor="ctr">
+            <a:noAutofit/>
+          </a:bodyPr>
+          <a:lstStyle/>
+          <a:p>
+            <a:pPr algn="ctr"/>
+            <a:r>
+              <a:rPr lang="pl-PL" dirty="0">
+                <a:solidFill>
+                  <a:schemeClr val="bg1"/>
+                </a:solidFill>
+              </a:rPr>
+              <a:t>Repeatable reads</a:t>
+            </a:r>
+            <a:endParaRPr lang="en-US" dirty="0">
+              <a:solidFill>
+                <a:schemeClr val="bg1"/>
+              </a:solidFill>
+            </a:endParaRPr>
+          </a:p>
+        </p:txBody>
+      </p:sp>
+      <p:sp>
+        <p:nvSpPr>
+          <p:cNvPr id="14" name="TextBox 13">
+            <a:extLst>
+              <a:ext uri="{FF2B5EF4-FFF2-40B4-BE49-F238E27FC236}">
+                <a16:creationId xmlns:a16="http://schemas.microsoft.com/office/drawing/2014/main" id="{7364AED5-AEDD-41FD-9F81-DBBD285ECA3C}"/>
+              </a:ext>
+            </a:extLst>
+          </p:cNvPr>
+          <p:cNvSpPr txBox="1"/>
+          <p:nvPr/>
+        </p:nvSpPr>
+        <p:spPr>
+          <a:xfrm>
+            <a:off x="4506688" y="4316816"/>
+            <a:ext cx="1488361" cy="646331"/>
+          </a:xfrm>
+          <a:prstGeom prst="rect">
+            <a:avLst/>
+          </a:prstGeom>
+          <a:solidFill>
+            <a:srgbClr val="7030A0"/>
+          </a:solidFill>
+        </p:spPr>
+        <p:txBody>
+          <a:bodyPr wrap="square" rtlCol="0" anchor="ctr">
+            <a:noAutofit/>
+          </a:bodyPr>
+          <a:lstStyle/>
+          <a:p>
+            <a:pPr algn="ctr"/>
+            <a:r>
+              <a:rPr lang="pl-PL" dirty="0">
+                <a:solidFill>
+                  <a:schemeClr val="bg1"/>
+                </a:solidFill>
+              </a:rPr>
+              <a:t>Phantoms</a:t>
+            </a:r>
+            <a:endParaRPr lang="en-US" dirty="0">
+              <a:solidFill>
+                <a:schemeClr val="bg1"/>
+              </a:solidFill>
+            </a:endParaRPr>
+          </a:p>
+        </p:txBody>
+      </p:sp>
+      <p:sp>
+        <p:nvSpPr>
+          <p:cNvPr id="16" name="TextBox 15">
+            <a:extLst>
+              <a:ext uri="{FF2B5EF4-FFF2-40B4-BE49-F238E27FC236}">
+                <a16:creationId xmlns:a16="http://schemas.microsoft.com/office/drawing/2014/main" id="{1F9C04FC-7F72-418F-AE42-6F53146D71C3}"/>
+              </a:ext>
+            </a:extLst>
+          </p:cNvPr>
+          <p:cNvSpPr txBox="1"/>
+          <p:nvPr/>
+        </p:nvSpPr>
+        <p:spPr>
+          <a:xfrm>
+            <a:off x="7002496" y="4258538"/>
+            <a:ext cx="1488361" cy="646331"/>
+          </a:xfrm>
+          <a:prstGeom prst="rect">
+            <a:avLst/>
+          </a:prstGeom>
+          <a:solidFill>
+            <a:srgbClr val="7030A0"/>
+          </a:solidFill>
+        </p:spPr>
+        <p:txBody>
+          <a:bodyPr wrap="square" rtlCol="0" anchor="ctr">
+            <a:noAutofit/>
+          </a:bodyPr>
+          <a:lstStyle/>
+          <a:p>
+            <a:pPr algn="ctr"/>
+            <a:r>
+              <a:rPr lang="pl-PL" dirty="0">
+                <a:solidFill>
+                  <a:schemeClr val="bg1"/>
+                </a:solidFill>
+              </a:rPr>
+              <a:t>Phantoms</a:t>
+            </a:r>
+            <a:endParaRPr lang="en-US" dirty="0">
+              <a:solidFill>
+                <a:schemeClr val="bg1"/>
+              </a:solidFill>
+            </a:endParaRPr>
+          </a:p>
+        </p:txBody>
+      </p:sp>
+      <p:cxnSp>
+        <p:nvCxnSpPr>
+          <p:cNvPr id="18" name="Straight Connector 17">
+            <a:extLst>
+              <a:ext uri="{FF2B5EF4-FFF2-40B4-BE49-F238E27FC236}">
+                <a16:creationId xmlns:a16="http://schemas.microsoft.com/office/drawing/2014/main" id="{CFDA6155-2FA1-4740-8442-B2DF1C03A3C1}"/>
+              </a:ext>
+            </a:extLst>
+          </p:cNvPr>
+          <p:cNvCxnSpPr>
+            <a:cxnSpLocks/>
+          </p:cNvCxnSpPr>
+          <p:nvPr/>
+        </p:nvCxnSpPr>
+        <p:spPr>
+          <a:xfrm>
+            <a:off x="4035490" y="4813041"/>
+            <a:ext cx="0" cy="693576"/>
+          </a:xfrm>
+          <a:prstGeom prst="line">
+            <a:avLst/>
+          </a:prstGeom>
+          <a:ln w="25400">
+            <a:headEnd type="none"/>
+          </a:ln>
+        </p:spPr>
+        <p:style>
+          <a:lnRef idx="1">
+            <a:schemeClr val="accent1"/>
+          </a:lnRef>
+          <a:fillRef idx="0">
+            <a:schemeClr val="accent1"/>
+          </a:fillRef>
+          <a:effectRef idx="0">
+            <a:schemeClr val="accent1"/>
+          </a:effectRef>
+          <a:fontRef idx="minor">
+            <a:schemeClr val="tx1"/>
+          </a:fontRef>
+        </p:style>
+      </p:cxnSp>
+      <p:cxnSp>
+        <p:nvCxnSpPr>
+          <p:cNvPr id="20" name="Straight Connector 19">
+            <a:extLst>
+              <a:ext uri="{FF2B5EF4-FFF2-40B4-BE49-F238E27FC236}">
+                <a16:creationId xmlns:a16="http://schemas.microsoft.com/office/drawing/2014/main" id="{E8EF4CC8-CFD2-4EBA-A300-7449BACB08C5}"/>
+              </a:ext>
+            </a:extLst>
+          </p:cNvPr>
+          <p:cNvCxnSpPr>
+            <a:cxnSpLocks/>
+          </p:cNvCxnSpPr>
+          <p:nvPr/>
+        </p:nvCxnSpPr>
+        <p:spPr>
+          <a:xfrm>
+            <a:off x="6567196" y="4813041"/>
+            <a:ext cx="0" cy="693576"/>
+          </a:xfrm>
+          <a:prstGeom prst="line">
+            <a:avLst/>
+          </a:prstGeom>
+          <a:ln w="25400">
+            <a:headEnd type="none"/>
+          </a:ln>
+        </p:spPr>
+        <p:style>
+          <a:lnRef idx="1">
+            <a:schemeClr val="accent1"/>
+          </a:lnRef>
+          <a:fillRef idx="0">
+            <a:schemeClr val="accent1"/>
+          </a:fillRef>
+          <a:effectRef idx="0">
+            <a:schemeClr val="accent1"/>
+          </a:effectRef>
+          <a:fontRef idx="minor">
+            <a:schemeClr val="tx1"/>
+          </a:fontRef>
+        </p:style>
+      </p:cxnSp>
+      <p:cxnSp>
+        <p:nvCxnSpPr>
+          <p:cNvPr id="21" name="Straight Connector 20">
+            <a:extLst>
+              <a:ext uri="{FF2B5EF4-FFF2-40B4-BE49-F238E27FC236}">
+                <a16:creationId xmlns:a16="http://schemas.microsoft.com/office/drawing/2014/main" id="{A2842D40-507A-4E47-B394-CB3E76680D42}"/>
+              </a:ext>
+            </a:extLst>
+          </p:cNvPr>
+          <p:cNvCxnSpPr>
+            <a:cxnSpLocks/>
+          </p:cNvCxnSpPr>
+          <p:nvPr/>
+        </p:nvCxnSpPr>
+        <p:spPr>
+          <a:xfrm>
+            <a:off x="8893629" y="4766465"/>
+            <a:ext cx="0" cy="693576"/>
+          </a:xfrm>
+          <a:prstGeom prst="line">
+            <a:avLst/>
+          </a:prstGeom>
+          <a:ln w="25400">
+            <a:headEnd type="none"/>
+          </a:ln>
+        </p:spPr>
+        <p:style>
+          <a:lnRef idx="1">
+            <a:schemeClr val="accent1"/>
+          </a:lnRef>
+          <a:fillRef idx="0">
+            <a:schemeClr val="accent1"/>
+          </a:fillRef>
+          <a:effectRef idx="0">
+            <a:schemeClr val="accent1"/>
+          </a:effectRef>
+          <a:fontRef idx="minor">
+            <a:schemeClr val="tx1"/>
+          </a:fontRef>
+        </p:style>
+      </p:cxnSp>
+      <p:sp>
+        <p:nvSpPr>
+          <p:cNvPr id="23" name="TextBox 22">
+            <a:extLst>
+              <a:ext uri="{FF2B5EF4-FFF2-40B4-BE49-F238E27FC236}">
+                <a16:creationId xmlns:a16="http://schemas.microsoft.com/office/drawing/2014/main" id="{6EF44476-A098-45FF-B19D-7787DB9E62D1}"/>
+              </a:ext>
+            </a:extLst>
+          </p:cNvPr>
+          <p:cNvSpPr txBox="1"/>
+          <p:nvPr/>
+        </p:nvSpPr>
+        <p:spPr>
+          <a:xfrm>
+            <a:off x="2981002" y="875983"/>
+            <a:ext cx="1488361" cy="646331"/>
+          </a:xfrm>
+          <a:prstGeom prst="rect">
+            <a:avLst/>
+          </a:prstGeom>
+          <a:solidFill>
+            <a:schemeClr val="accent1"/>
+          </a:solidFill>
+        </p:spPr>
+        <p:txBody>
+          <a:bodyPr wrap="square" rtlCol="0" anchor="ctr">
+            <a:noAutofit/>
+          </a:bodyPr>
+          <a:lstStyle/>
+          <a:p>
+            <a:pPr algn="ctr"/>
+            <a:r>
+              <a:rPr lang="pl-PL" dirty="0">
+                <a:solidFill>
+                  <a:schemeClr val="bg1"/>
+                </a:solidFill>
+              </a:rPr>
+              <a:t>Dirty reads</a:t>
+            </a:r>
+            <a:endParaRPr lang="en-US" dirty="0">
+              <a:solidFill>
+                <a:schemeClr val="bg1"/>
+              </a:solidFill>
+            </a:endParaRPr>
+          </a:p>
+        </p:txBody>
+      </p:sp>
+      <p:sp>
+        <p:nvSpPr>
+          <p:cNvPr id="24" name="TextBox 23">
+            <a:extLst>
+              <a:ext uri="{FF2B5EF4-FFF2-40B4-BE49-F238E27FC236}">
+                <a16:creationId xmlns:a16="http://schemas.microsoft.com/office/drawing/2014/main" id="{B49DA763-11CB-45F2-8862-872BE87C152B}"/>
+              </a:ext>
+            </a:extLst>
+          </p:cNvPr>
+          <p:cNvSpPr txBox="1"/>
+          <p:nvPr/>
+        </p:nvSpPr>
+        <p:spPr>
+          <a:xfrm>
+            <a:off x="1662512" y="5321951"/>
+            <a:ext cx="2137380" cy="369332"/>
+          </a:xfrm>
+          <a:prstGeom prst="rect">
+            <a:avLst/>
+          </a:prstGeom>
+          <a:noFill/>
+        </p:spPr>
+        <p:txBody>
+          <a:bodyPr wrap="none" rtlCol="0">
+            <a:spAutoFit/>
+          </a:bodyPr>
+          <a:lstStyle/>
+          <a:p>
+            <a:r>
+              <a:rPr lang="pl-PL" dirty="0"/>
+              <a:t>READ UNCOMMITED</a:t>
+            </a:r>
+            <a:endParaRPr lang="en-US" dirty="0"/>
+          </a:p>
+        </p:txBody>
+      </p:sp>
+      <p:sp>
+        <p:nvSpPr>
+          <p:cNvPr id="25" name="TextBox 24">
+            <a:extLst>
+              <a:ext uri="{FF2B5EF4-FFF2-40B4-BE49-F238E27FC236}">
+                <a16:creationId xmlns:a16="http://schemas.microsoft.com/office/drawing/2014/main" id="{A1BDCEE1-9E61-4B5B-BDEE-7B4378B5BF08}"/>
+              </a:ext>
+            </a:extLst>
+          </p:cNvPr>
+          <p:cNvSpPr txBox="1"/>
+          <p:nvPr/>
+        </p:nvSpPr>
+        <p:spPr>
+          <a:xfrm>
+            <a:off x="4335733" y="5298146"/>
+            <a:ext cx="1840825" cy="369332"/>
+          </a:xfrm>
+          <a:prstGeom prst="rect">
+            <a:avLst/>
+          </a:prstGeom>
+          <a:noFill/>
+        </p:spPr>
+        <p:txBody>
+          <a:bodyPr wrap="none" rtlCol="0">
+            <a:spAutoFit/>
+          </a:bodyPr>
+          <a:lstStyle/>
+          <a:p>
+            <a:r>
+              <a:rPr lang="pl-PL" dirty="0"/>
+              <a:t>READ COMMITED</a:t>
+            </a:r>
+            <a:endParaRPr lang="en-US" dirty="0"/>
+          </a:p>
+        </p:txBody>
+      </p:sp>
+      <p:sp>
+        <p:nvSpPr>
+          <p:cNvPr id="26" name="TextBox 25">
+            <a:extLst>
+              <a:ext uri="{FF2B5EF4-FFF2-40B4-BE49-F238E27FC236}">
+                <a16:creationId xmlns:a16="http://schemas.microsoft.com/office/drawing/2014/main" id="{7C4A4776-5B65-4B2C-A7FE-4325ED66C6D5}"/>
+              </a:ext>
+            </a:extLst>
+          </p:cNvPr>
+          <p:cNvSpPr txBox="1"/>
+          <p:nvPr/>
+        </p:nvSpPr>
+        <p:spPr>
+          <a:xfrm>
+            <a:off x="6810000" y="5298146"/>
+            <a:ext cx="1996700" cy="369332"/>
+          </a:xfrm>
+          <a:prstGeom prst="rect">
+            <a:avLst/>
+          </a:prstGeom>
+          <a:noFill/>
+        </p:spPr>
+        <p:txBody>
+          <a:bodyPr wrap="none" rtlCol="0">
+            <a:spAutoFit/>
+          </a:bodyPr>
+          <a:lstStyle/>
+          <a:p>
+            <a:r>
+              <a:rPr lang="pl-PL" dirty="0"/>
+              <a:t>REPEATABLE READS</a:t>
+            </a:r>
+            <a:endParaRPr lang="en-US" dirty="0"/>
+          </a:p>
+        </p:txBody>
+      </p:sp>
+      <p:sp>
+        <p:nvSpPr>
+          <p:cNvPr id="28" name="TextBox 27">
+            <a:extLst>
+              <a:ext uri="{FF2B5EF4-FFF2-40B4-BE49-F238E27FC236}">
+                <a16:creationId xmlns:a16="http://schemas.microsoft.com/office/drawing/2014/main" id="{184E2DB2-30F8-430B-9D4D-376D23EF63F6}"/>
+              </a:ext>
+            </a:extLst>
+          </p:cNvPr>
+          <p:cNvSpPr txBox="1"/>
+          <p:nvPr/>
+        </p:nvSpPr>
+        <p:spPr>
+          <a:xfrm>
+            <a:off x="4506688" y="3492516"/>
+            <a:ext cx="1488361" cy="646331"/>
+          </a:xfrm>
+          <a:prstGeom prst="rect">
+            <a:avLst/>
+          </a:prstGeom>
+          <a:solidFill>
+            <a:schemeClr val="accent6">
+              <a:lumMod val="75000"/>
+            </a:schemeClr>
+          </a:solidFill>
+        </p:spPr>
+        <p:txBody>
+          <a:bodyPr wrap="square" rtlCol="0" anchor="ctr">
+            <a:noAutofit/>
+          </a:bodyPr>
+          <a:lstStyle/>
+          <a:p>
+            <a:pPr algn="ctr"/>
+            <a:r>
+              <a:rPr lang="pl-PL" dirty="0">
+                <a:solidFill>
+                  <a:schemeClr val="bg1"/>
+                </a:solidFill>
+              </a:rPr>
+              <a:t>Repeatable reads</a:t>
+            </a:r>
+            <a:endParaRPr lang="en-US" dirty="0">
+              <a:solidFill>
+                <a:schemeClr val="bg1"/>
+              </a:solidFill>
+            </a:endParaRPr>
+          </a:p>
+        </p:txBody>
+      </p:sp>
+      <p:sp>
+        <p:nvSpPr>
+          <p:cNvPr id="29" name="TextBox 28">
+            <a:extLst>
+              <a:ext uri="{FF2B5EF4-FFF2-40B4-BE49-F238E27FC236}">
+                <a16:creationId xmlns:a16="http://schemas.microsoft.com/office/drawing/2014/main" id="{A0D9699F-3BD6-4E47-8122-754B849E7153}"/>
+              </a:ext>
+            </a:extLst>
+          </p:cNvPr>
+          <p:cNvSpPr txBox="1"/>
+          <p:nvPr/>
+        </p:nvSpPr>
+        <p:spPr>
+          <a:xfrm>
+            <a:off x="9296402" y="5298146"/>
+            <a:ext cx="1448217" cy="369332"/>
+          </a:xfrm>
+          <a:prstGeom prst="rect">
+            <a:avLst/>
+          </a:prstGeom>
+          <a:noFill/>
+        </p:spPr>
+        <p:txBody>
+          <a:bodyPr wrap="none" rtlCol="0">
+            <a:spAutoFit/>
+          </a:bodyPr>
+          <a:lstStyle/>
+          <a:p>
+            <a:r>
+              <a:rPr lang="pl-PL" dirty="0"/>
+              <a:t>SERIALIZABLE</a:t>
+            </a:r>
+            <a:endParaRPr lang="en-US" dirty="0"/>
+          </a:p>
+        </p:txBody>
+      </p:sp>
+    </p:spTree>
+    <p:extLst>
+      <p:ext uri="{BB962C8B-B14F-4D97-AF65-F5344CB8AC3E}">
+        <p14:creationId xmlns:p14="http://schemas.microsoft.com/office/powerpoint/2010/main" val="2188302669"/>
+      </p:ext>
+    </p:extLst>
+  </p:cSld>
+  <p:clrMapOvr>
+    <a:masterClrMapping/>
+  </p:clrMapOvr>
+</p:sld>
+</file>
+
 <file path=ppt/theme/theme1.xml><?xml version="1.0" encoding="utf-8"?>
 <a:theme xmlns:a="http://schemas.openxmlformats.org/drawingml/2006/main" name="Office Theme">
   <a:themeElements>

--- a/_devops/Presentations/FunkyCode Articles.pptx
+++ b/_devops/Presentations/FunkyCode Articles.pptx
@@ -6,7 +6,9 @@
   </p:sldMasterIdLst>
   <p:sldIdLst>
     <p:sldId id="256" r:id="rId2"/>
-    <p:sldId id="257" r:id="rId3"/>
+    <p:sldId id="258" r:id="rId3"/>
+    <p:sldId id="257" r:id="rId4"/>
+    <p:sldId id="259" r:id="rId5"/>
   </p:sldIdLst>
   <p:sldSz cx="12192000" cy="6858000"/>
   <p:notesSz cx="6858000" cy="9144000"/>
@@ -113,6 +115,18 @@
 </p:presentation>
 </file>
 
+<file path=ppt/commentAuthors.xml><?xml version="1.0" encoding="utf-8"?>
+<p:cmAuthorLst xmlns:a="http://schemas.openxmlformats.org/drawingml/2006/main" xmlns:r="http://schemas.openxmlformats.org/officeDocument/2006/relationships" xmlns:p="http://schemas.openxmlformats.org/presentationml/2006/main">
+  <p:cmAuthor id="1" name="Maciej Szczudlo" initials="MS" lastIdx="1" clrIdx="0">
+    <p:extLst>
+      <p:ext uri="{19B8F6BF-5375-455C-9EA6-DF929625EA0E}">
+        <p15:presenceInfo xmlns:p15="http://schemas.microsoft.com/office/powerpoint/2012/main" userId="S::maciej.szczudlo@ericsson.com::124a31a6-2b79-4398-93c2-0be5af179265" providerId="AD"/>
+      </p:ext>
+    </p:extLst>
+  </p:cmAuthor>
+</p:cmAuthorLst>
+</file>
+
 <file path=ppt/slideLayouts/slideLayout1.xml><?xml version="1.0" encoding="utf-8"?>
 <p:sldLayout xmlns:a="http://schemas.openxmlformats.org/drawingml/2006/main" xmlns:r="http://schemas.openxmlformats.org/officeDocument/2006/relationships" xmlns:p="http://schemas.openxmlformats.org/presentationml/2006/main" type="title" preserve="1">
   <p:cSld name="Title Slide">
@@ -260,7 +274,7 @@
           <a:p>
             <a:fld id="{BBDD0A7E-F4FE-45A5-BBB4-0E5516FE760F}" type="datetimeFigureOut">
               <a:rPr lang="en-US" smtClean="0"/>
-              <a:t>7/27/2020</a:t>
+              <a:t>7/29/2020</a:t>
             </a:fld>
             <a:endParaRPr lang="en-US"/>
           </a:p>
@@ -458,7 +472,7 @@
           <a:p>
             <a:fld id="{BBDD0A7E-F4FE-45A5-BBB4-0E5516FE760F}" type="datetimeFigureOut">
               <a:rPr lang="en-US" smtClean="0"/>
-              <a:t>7/27/2020</a:t>
+              <a:t>7/29/2020</a:t>
             </a:fld>
             <a:endParaRPr lang="en-US"/>
           </a:p>
@@ -666,7 +680,7 @@
           <a:p>
             <a:fld id="{BBDD0A7E-F4FE-45A5-BBB4-0E5516FE760F}" type="datetimeFigureOut">
               <a:rPr lang="en-US" smtClean="0"/>
-              <a:t>7/27/2020</a:t>
+              <a:t>7/29/2020</a:t>
             </a:fld>
             <a:endParaRPr lang="en-US"/>
           </a:p>
@@ -864,7 +878,7 @@
           <a:p>
             <a:fld id="{BBDD0A7E-F4FE-45A5-BBB4-0E5516FE760F}" type="datetimeFigureOut">
               <a:rPr lang="en-US" smtClean="0"/>
-              <a:t>7/27/2020</a:t>
+              <a:t>7/29/2020</a:t>
             </a:fld>
             <a:endParaRPr lang="en-US"/>
           </a:p>
@@ -1139,7 +1153,7 @@
           <a:p>
             <a:fld id="{BBDD0A7E-F4FE-45A5-BBB4-0E5516FE760F}" type="datetimeFigureOut">
               <a:rPr lang="en-US" smtClean="0"/>
-              <a:t>7/27/2020</a:t>
+              <a:t>7/29/2020</a:t>
             </a:fld>
             <a:endParaRPr lang="en-US"/>
           </a:p>
@@ -1404,7 +1418,7 @@
           <a:p>
             <a:fld id="{BBDD0A7E-F4FE-45A5-BBB4-0E5516FE760F}" type="datetimeFigureOut">
               <a:rPr lang="en-US" smtClean="0"/>
-              <a:t>7/27/2020</a:t>
+              <a:t>7/29/2020</a:t>
             </a:fld>
             <a:endParaRPr lang="en-US"/>
           </a:p>
@@ -1816,7 +1830,7 @@
           <a:p>
             <a:fld id="{BBDD0A7E-F4FE-45A5-BBB4-0E5516FE760F}" type="datetimeFigureOut">
               <a:rPr lang="en-US" smtClean="0"/>
-              <a:t>7/27/2020</a:t>
+              <a:t>7/29/2020</a:t>
             </a:fld>
             <a:endParaRPr lang="en-US"/>
           </a:p>
@@ -1957,7 +1971,7 @@
           <a:p>
             <a:fld id="{BBDD0A7E-F4FE-45A5-BBB4-0E5516FE760F}" type="datetimeFigureOut">
               <a:rPr lang="en-US" smtClean="0"/>
-              <a:t>7/27/2020</a:t>
+              <a:t>7/29/2020</a:t>
             </a:fld>
             <a:endParaRPr lang="en-US"/>
           </a:p>
@@ -2070,7 +2084,7 @@
           <a:p>
             <a:fld id="{BBDD0A7E-F4FE-45A5-BBB4-0E5516FE760F}" type="datetimeFigureOut">
               <a:rPr lang="en-US" smtClean="0"/>
-              <a:t>7/27/2020</a:t>
+              <a:t>7/29/2020</a:t>
             </a:fld>
             <a:endParaRPr lang="en-US"/>
           </a:p>
@@ -2381,7 +2395,7 @@
           <a:p>
             <a:fld id="{BBDD0A7E-F4FE-45A5-BBB4-0E5516FE760F}" type="datetimeFigureOut">
               <a:rPr lang="en-US" smtClean="0"/>
-              <a:t>7/27/2020</a:t>
+              <a:t>7/29/2020</a:t>
             </a:fld>
             <a:endParaRPr lang="en-US"/>
           </a:p>
@@ -2669,7 +2683,7 @@
           <a:p>
             <a:fld id="{BBDD0A7E-F4FE-45A5-BBB4-0E5516FE760F}" type="datetimeFigureOut">
               <a:rPr lang="en-US" smtClean="0"/>
-              <a:t>7/27/2020</a:t>
+              <a:t>7/29/2020</a:t>
             </a:fld>
             <a:endParaRPr lang="en-US"/>
           </a:p>
@@ -2910,7 +2924,7 @@
           <a:p>
             <a:fld id="{BBDD0A7E-F4FE-45A5-BBB4-0E5516FE760F}" type="datetimeFigureOut">
               <a:rPr lang="en-US" smtClean="0"/>
-              <a:t>7/27/2020</a:t>
+              <a:t>7/29/2020</a:t>
             </a:fld>
             <a:endParaRPr lang="en-US"/>
           </a:p>
@@ -3720,100 +3734,170 @@
       </p:grpSpPr>
       <p:sp>
         <p:nvSpPr>
-          <p:cNvPr id="4" name="TextBox 3">
-            <a:extLst>
-              <a:ext uri="{FF2B5EF4-FFF2-40B4-BE49-F238E27FC236}">
-                <a16:creationId xmlns:a16="http://schemas.microsoft.com/office/drawing/2014/main" id="{F722EEDA-1F35-4DEA-9497-D1F41A650142}"/>
-              </a:ext>
-            </a:extLst>
-          </p:cNvPr>
-          <p:cNvSpPr txBox="1"/>
+          <p:cNvPr id="4" name="Rectangle 3">
+            <a:extLst>
+              <a:ext uri="{FF2B5EF4-FFF2-40B4-BE49-F238E27FC236}">
+                <a16:creationId xmlns:a16="http://schemas.microsoft.com/office/drawing/2014/main" id="{5879B2B6-8D84-412A-9D8C-ABB99AD06E6B}"/>
+              </a:ext>
+            </a:extLst>
+          </p:cNvPr>
+          <p:cNvSpPr/>
           <p:nvPr/>
         </p:nvSpPr>
         <p:spPr>
           <a:xfrm>
-            <a:off x="2075932" y="2667097"/>
-            <a:ext cx="1488361" cy="646331"/>
+            <a:off x="638763" y="406197"/>
+            <a:ext cx="7968342" cy="4652363"/>
           </a:xfrm>
           <a:prstGeom prst="rect">
             <a:avLst/>
           </a:prstGeom>
-          <a:solidFill>
+        </p:spPr>
+        <p:style>
+          <a:lnRef idx="2">
+            <a:schemeClr val="accent1">
+              <a:shade val="50000"/>
+            </a:schemeClr>
+          </a:lnRef>
+          <a:fillRef idx="1">
             <a:schemeClr val="accent1"/>
-          </a:solidFill>
-        </p:spPr>
-        <p:txBody>
-          <a:bodyPr wrap="square" rtlCol="0" anchor="ctr">
-            <a:noAutofit/>
-          </a:bodyPr>
+          </a:fillRef>
+          <a:effectRef idx="0">
+            <a:schemeClr val="accent1"/>
+          </a:effectRef>
+          <a:fontRef idx="minor">
+            <a:schemeClr val="lt1"/>
+          </a:fontRef>
+        </p:style>
+        <p:txBody>
+          <a:bodyPr rtlCol="0" anchor="ctr"/>
           <a:lstStyle/>
           <a:p>
             <a:pPr algn="ctr"/>
-            <a:r>
-              <a:rPr lang="pl-PL" dirty="0">
-                <a:solidFill>
-                  <a:schemeClr val="bg1"/>
-                </a:solidFill>
-              </a:rPr>
-              <a:t>Dirty reads</a:t>
-            </a:r>
-            <a:endParaRPr lang="en-US" dirty="0">
-              <a:solidFill>
-                <a:schemeClr val="bg1"/>
-              </a:solidFill>
-            </a:endParaRPr>
-          </a:p>
-        </p:txBody>
-      </p:sp>
-      <p:sp>
-        <p:nvSpPr>
-          <p:cNvPr id="5" name="TextBox 4">
-            <a:extLst>
-              <a:ext uri="{FF2B5EF4-FFF2-40B4-BE49-F238E27FC236}">
-                <a16:creationId xmlns:a16="http://schemas.microsoft.com/office/drawing/2014/main" id="{B261CFD0-06F5-4D77-A9B8-01E1A02F0604}"/>
-              </a:ext>
-            </a:extLst>
-          </p:cNvPr>
-          <p:cNvSpPr txBox="1"/>
+            <a:endParaRPr lang="en-US"/>
+          </a:p>
+        </p:txBody>
+      </p:sp>
+      <p:pic>
+        <p:nvPicPr>
+          <p:cNvPr id="5" name="Picture 4">
+            <a:extLst>
+              <a:ext uri="{FF2B5EF4-FFF2-40B4-BE49-F238E27FC236}">
+                <a16:creationId xmlns:a16="http://schemas.microsoft.com/office/drawing/2014/main" id="{B62E8EA7-210C-46F9-88C7-3B69AA5D119F}"/>
+              </a:ext>
+            </a:extLst>
+          </p:cNvPr>
+          <p:cNvPicPr>
+            <a:picLocks noChangeAspect="1"/>
+          </p:cNvPicPr>
           <p:nvPr/>
-        </p:nvSpPr>
-        <p:spPr>
-          <a:xfrm>
-            <a:off x="2075932" y="3492517"/>
-            <a:ext cx="1488361" cy="646331"/>
+        </p:nvPicPr>
+        <p:blipFill>
+          <a:blip r:embed="rId2"/>
+          <a:stretch>
+            <a:fillRect/>
+          </a:stretch>
+        </p:blipFill>
+        <p:spPr>
+          <a:xfrm>
+            <a:off x="1049112" y="554364"/>
+            <a:ext cx="1771897" cy="1991003"/>
           </a:xfrm>
           <a:prstGeom prst="rect">
             <a:avLst/>
           </a:prstGeom>
-          <a:solidFill>
-            <a:schemeClr val="accent6">
-              <a:lumMod val="75000"/>
-            </a:schemeClr>
-          </a:solidFill>
-        </p:spPr>
-        <p:txBody>
-          <a:bodyPr wrap="square" rtlCol="0" anchor="ctr">
-            <a:noAutofit/>
-          </a:bodyPr>
-          <a:lstStyle/>
-          <a:p>
-            <a:pPr algn="ctr"/>
-            <a:r>
-              <a:rPr lang="pl-PL" dirty="0">
-                <a:solidFill>
-                  <a:schemeClr val="bg1"/>
-                </a:solidFill>
-              </a:rPr>
-              <a:t>Repeatable reads</a:t>
-            </a:r>
-            <a:endParaRPr lang="en-US" dirty="0">
-              <a:solidFill>
-                <a:schemeClr val="bg1"/>
-              </a:solidFill>
-            </a:endParaRPr>
-          </a:p>
-        </p:txBody>
-      </p:sp>
+        </p:spPr>
+      </p:pic>
+      <p:pic>
+        <p:nvPicPr>
+          <p:cNvPr id="6" name="Picture 5">
+            <a:extLst>
+              <a:ext uri="{FF2B5EF4-FFF2-40B4-BE49-F238E27FC236}">
+                <a16:creationId xmlns:a16="http://schemas.microsoft.com/office/drawing/2014/main" id="{0ED16B30-CBFC-485E-A6A2-AA8D31D1F58D}"/>
+              </a:ext>
+            </a:extLst>
+          </p:cNvPr>
+          <p:cNvPicPr>
+            <a:picLocks noChangeAspect="1"/>
+          </p:cNvPicPr>
+          <p:nvPr/>
+        </p:nvPicPr>
+        <p:blipFill>
+          <a:blip r:embed="rId3"/>
+          <a:stretch>
+            <a:fillRect/>
+          </a:stretch>
+        </p:blipFill>
+        <p:spPr>
+          <a:xfrm>
+            <a:off x="2831984" y="849680"/>
+            <a:ext cx="1790950" cy="1695687"/>
+          </a:xfrm>
+          <a:prstGeom prst="rect">
+            <a:avLst/>
+          </a:prstGeom>
+        </p:spPr>
+      </p:pic>
+      <p:pic>
+        <p:nvPicPr>
+          <p:cNvPr id="7" name="Picture 6">
+            <a:extLst>
+              <a:ext uri="{FF2B5EF4-FFF2-40B4-BE49-F238E27FC236}">
+                <a16:creationId xmlns:a16="http://schemas.microsoft.com/office/drawing/2014/main" id="{A4EC088B-8935-4675-8359-46B3AE0F2F10}"/>
+              </a:ext>
+            </a:extLst>
+          </p:cNvPr>
+          <p:cNvPicPr>
+            <a:picLocks noChangeAspect="1"/>
+          </p:cNvPicPr>
+          <p:nvPr/>
+        </p:nvPicPr>
+        <p:blipFill>
+          <a:blip r:embed="rId4"/>
+          <a:stretch>
+            <a:fillRect/>
+          </a:stretch>
+        </p:blipFill>
+        <p:spPr>
+          <a:xfrm>
+            <a:off x="4633909" y="849680"/>
+            <a:ext cx="1543265" cy="1257475"/>
+          </a:xfrm>
+          <a:prstGeom prst="rect">
+            <a:avLst/>
+          </a:prstGeom>
+        </p:spPr>
+      </p:pic>
+    </p:spTree>
+    <p:extLst>
+      <p:ext uri="{BB962C8B-B14F-4D97-AF65-F5344CB8AC3E}">
+        <p14:creationId xmlns:p14="http://schemas.microsoft.com/office/powerpoint/2010/main" val="3725466230"/>
+      </p:ext>
+    </p:extLst>
+  </p:cSld>
+  <p:clrMapOvr>
+    <a:masterClrMapping/>
+  </p:clrMapOvr>
+</p:sld>
+</file>
+
+<file path=ppt/slides/slide3.xml><?xml version="1.0" encoding="utf-8"?>
+<p:sld xmlns:a="http://schemas.openxmlformats.org/drawingml/2006/main" xmlns:r="http://schemas.openxmlformats.org/officeDocument/2006/relationships" xmlns:p="http://schemas.openxmlformats.org/presentationml/2006/main">
+  <p:cSld>
+    <p:spTree>
+      <p:nvGrpSpPr>
+        <p:cNvPr id="1" name=""/>
+        <p:cNvGrpSpPr/>
+        <p:nvPr/>
+      </p:nvGrpSpPr>
+      <p:grpSpPr>
+        <a:xfrm>
+          <a:off x="0" y="0"/>
+          <a:ext cx="0" cy="0"/>
+          <a:chOff x="0" y="0"/>
+          <a:chExt cx="0" cy="0"/>
+        </a:xfrm>
+      </p:grpSpPr>
       <p:sp>
         <p:nvSpPr>
           <p:cNvPr id="6" name="TextBox 5">
@@ -3828,8 +3912,8 @@
         </p:nvSpPr>
         <p:spPr>
           <a:xfrm>
-            <a:off x="6750568" y="875981"/>
-            <a:ext cx="1488361" cy="646331"/>
+            <a:off x="10463581" y="207937"/>
+            <a:ext cx="1488361" cy="1355472"/>
           </a:xfrm>
           <a:prstGeom prst="rect">
             <a:avLst/>
@@ -3839,7 +3923,7 @@
           </a:solidFill>
         </p:spPr>
         <p:txBody>
-          <a:bodyPr wrap="square" rtlCol="0" anchor="ctr">
+          <a:bodyPr wrap="square" rtlCol="0" anchor="b">
             <a:noAutofit/>
           </a:bodyPr>
           <a:lstStyle/>
@@ -3851,7 +3935,7 @@
                   <a:schemeClr val="bg1"/>
                 </a:solidFill>
               </a:rPr>
-              <a:t>Phantoms</a:t>
+              <a:t>Phantom</a:t>
             </a:r>
             <a:endParaRPr lang="en-US" dirty="0">
               <a:solidFill>
@@ -3877,7 +3961,7 @@
         </p:nvCxnSpPr>
         <p:spPr>
           <a:xfrm flipH="1">
-            <a:off x="1662512" y="5159829"/>
+            <a:off x="951259" y="3610855"/>
             <a:ext cx="9300957" cy="0"/>
           </a:xfrm>
           <a:prstGeom prst="line">
@@ -3904,10 +3988,10 @@
       </p:cxnSp>
       <p:sp>
         <p:nvSpPr>
-          <p:cNvPr id="11" name="TextBox 10">
-            <a:extLst>
-              <a:ext uri="{FF2B5EF4-FFF2-40B4-BE49-F238E27FC236}">
-                <a16:creationId xmlns:a16="http://schemas.microsoft.com/office/drawing/2014/main" id="{C73FF1F7-540B-4442-8B3F-A5B6A83593E5}"/>
+          <p:cNvPr id="13" name="TextBox 12">
+            <a:extLst>
+              <a:ext uri="{FF2B5EF4-FFF2-40B4-BE49-F238E27FC236}">
+                <a16:creationId xmlns:a16="http://schemas.microsoft.com/office/drawing/2014/main" id="{70D07974-E635-4C70-AE1F-AB68619F39B0}"/>
               </a:ext>
             </a:extLst>
           </p:cNvPr>
@@ -3916,55 +4000,8 @@
         </p:nvSpPr>
         <p:spPr>
           <a:xfrm>
-            <a:off x="2075932" y="4322055"/>
-            <a:ext cx="1488361" cy="646331"/>
-          </a:xfrm>
-          <a:prstGeom prst="rect">
-            <a:avLst/>
-          </a:prstGeom>
-          <a:solidFill>
-            <a:srgbClr val="7030A0"/>
-          </a:solidFill>
-        </p:spPr>
-        <p:txBody>
-          <a:bodyPr wrap="square" rtlCol="0" anchor="ctr">
-            <a:noAutofit/>
-          </a:bodyPr>
-          <a:lstStyle/>
-          <a:p>
-            <a:pPr algn="ctr"/>
-            <a:r>
-              <a:rPr lang="pl-PL" dirty="0">
-                <a:solidFill>
-                  <a:schemeClr val="bg1"/>
-                </a:solidFill>
-              </a:rPr>
-              <a:t>Phantoms</a:t>
-            </a:r>
-            <a:endParaRPr lang="en-US" dirty="0">
-              <a:solidFill>
-                <a:schemeClr val="bg1"/>
-              </a:solidFill>
-            </a:endParaRPr>
-          </a:p>
-        </p:txBody>
-      </p:sp>
-      <p:sp>
-        <p:nvSpPr>
-          <p:cNvPr id="13" name="TextBox 12">
-            <a:extLst>
-              <a:ext uri="{FF2B5EF4-FFF2-40B4-BE49-F238E27FC236}">
-                <a16:creationId xmlns:a16="http://schemas.microsoft.com/office/drawing/2014/main" id="{70D07974-E635-4C70-AE1F-AB68619F39B0}"/>
-              </a:ext>
-            </a:extLst>
-          </p:cNvPr>
-          <p:cNvSpPr txBox="1"/>
-          <p:nvPr/>
-        </p:nvSpPr>
-        <p:spPr>
-          <a:xfrm>
-            <a:off x="4875116" y="875982"/>
-            <a:ext cx="1488361" cy="646331"/>
+            <a:off x="8588129" y="207938"/>
+            <a:ext cx="1488361" cy="1355479"/>
           </a:xfrm>
           <a:prstGeom prst="rect">
             <a:avLst/>
@@ -3976,115 +4013,21 @@
           </a:solidFill>
         </p:spPr>
         <p:txBody>
-          <a:bodyPr wrap="square" rtlCol="0" anchor="ctr">
+          <a:bodyPr wrap="square" rtlCol="0" anchor="b">
             <a:noAutofit/>
           </a:bodyPr>
           <a:lstStyle/>
           <a:p>
             <a:pPr algn="ctr"/>
             <a:r>
-              <a:rPr lang="pl-PL" dirty="0">
+              <a:rPr lang="pl-PL" sz="1400" dirty="0">
                 <a:solidFill>
                   <a:schemeClr val="bg1"/>
                 </a:solidFill>
               </a:rPr>
-              <a:t>Repeatable reads</a:t>
-            </a:r>
-            <a:endParaRPr lang="en-US" dirty="0">
-              <a:solidFill>
-                <a:schemeClr val="bg1"/>
-              </a:solidFill>
-            </a:endParaRPr>
-          </a:p>
-        </p:txBody>
-      </p:sp>
-      <p:sp>
-        <p:nvSpPr>
-          <p:cNvPr id="14" name="TextBox 13">
-            <a:extLst>
-              <a:ext uri="{FF2B5EF4-FFF2-40B4-BE49-F238E27FC236}">
-                <a16:creationId xmlns:a16="http://schemas.microsoft.com/office/drawing/2014/main" id="{7364AED5-AEDD-41FD-9F81-DBBD285ECA3C}"/>
-              </a:ext>
-            </a:extLst>
-          </p:cNvPr>
-          <p:cNvSpPr txBox="1"/>
-          <p:nvPr/>
-        </p:nvSpPr>
-        <p:spPr>
-          <a:xfrm>
-            <a:off x="4506688" y="4316816"/>
-            <a:ext cx="1488361" cy="646331"/>
-          </a:xfrm>
-          <a:prstGeom prst="rect">
-            <a:avLst/>
-          </a:prstGeom>
-          <a:solidFill>
-            <a:srgbClr val="7030A0"/>
-          </a:solidFill>
-        </p:spPr>
-        <p:txBody>
-          <a:bodyPr wrap="square" rtlCol="0" anchor="ctr">
-            <a:noAutofit/>
-          </a:bodyPr>
-          <a:lstStyle/>
-          <a:p>
-            <a:pPr algn="ctr"/>
-            <a:r>
-              <a:rPr lang="pl-PL" dirty="0">
-                <a:solidFill>
-                  <a:schemeClr val="bg1"/>
-                </a:solidFill>
-              </a:rPr>
-              <a:t>Phantoms</a:t>
-            </a:r>
-            <a:endParaRPr lang="en-US" dirty="0">
-              <a:solidFill>
-                <a:schemeClr val="bg1"/>
-              </a:solidFill>
-            </a:endParaRPr>
-          </a:p>
-        </p:txBody>
-      </p:sp>
-      <p:sp>
-        <p:nvSpPr>
-          <p:cNvPr id="16" name="TextBox 15">
-            <a:extLst>
-              <a:ext uri="{FF2B5EF4-FFF2-40B4-BE49-F238E27FC236}">
-                <a16:creationId xmlns:a16="http://schemas.microsoft.com/office/drawing/2014/main" id="{1F9C04FC-7F72-418F-AE42-6F53146D71C3}"/>
-              </a:ext>
-            </a:extLst>
-          </p:cNvPr>
-          <p:cNvSpPr txBox="1"/>
-          <p:nvPr/>
-        </p:nvSpPr>
-        <p:spPr>
-          <a:xfrm>
-            <a:off x="7002496" y="4258538"/>
-            <a:ext cx="1488361" cy="646331"/>
-          </a:xfrm>
-          <a:prstGeom prst="rect">
-            <a:avLst/>
-          </a:prstGeom>
-          <a:solidFill>
-            <a:srgbClr val="7030A0"/>
-          </a:solidFill>
-        </p:spPr>
-        <p:txBody>
-          <a:bodyPr wrap="square" rtlCol="0" anchor="ctr">
-            <a:noAutofit/>
-          </a:bodyPr>
-          <a:lstStyle/>
-          <a:p>
-            <a:pPr algn="ctr"/>
-            <a:r>
-              <a:rPr lang="pl-PL" dirty="0">
-                <a:solidFill>
-                  <a:schemeClr val="bg1"/>
-                </a:solidFill>
-              </a:rPr>
-              <a:t>Phantoms</a:t>
-            </a:r>
-            <a:endParaRPr lang="en-US" dirty="0">
+              <a:t>Repeatable read</a:t>
+            </a:r>
+            <a:endParaRPr lang="en-US" sz="1400" dirty="0">
               <a:solidFill>
                 <a:schemeClr val="bg1"/>
               </a:solidFill>
@@ -4108,7 +4051,7 @@
         </p:nvCxnSpPr>
         <p:spPr>
           <a:xfrm>
-            <a:off x="4035490" y="4813041"/>
+            <a:off x="3324237" y="3264067"/>
             <a:ext cx="0" cy="693576"/>
           </a:xfrm>
           <a:prstGeom prst="line">
@@ -4149,7 +4092,7 @@
         </p:nvCxnSpPr>
         <p:spPr>
           <a:xfrm>
-            <a:off x="6567196" y="4813041"/>
+            <a:off x="5855943" y="3264067"/>
             <a:ext cx="0" cy="693576"/>
           </a:xfrm>
           <a:prstGeom prst="line">
@@ -4190,7 +4133,7 @@
         </p:nvCxnSpPr>
         <p:spPr>
           <a:xfrm>
-            <a:off x="8893629" y="4766465"/>
+            <a:off x="8182376" y="3217491"/>
             <a:ext cx="0" cy="693576"/>
           </a:xfrm>
           <a:prstGeom prst="line">
@@ -4229,8 +4172,8 @@
         </p:nvSpPr>
         <p:spPr>
           <a:xfrm>
-            <a:off x="2981002" y="875983"/>
-            <a:ext cx="1488361" cy="646331"/>
+            <a:off x="6694015" y="207939"/>
+            <a:ext cx="1488361" cy="1355483"/>
           </a:xfrm>
           <a:prstGeom prst="rect">
             <a:avLst/>
@@ -4240,7 +4183,7 @@
           </a:solidFill>
         </p:spPr>
         <p:txBody>
-          <a:bodyPr wrap="square" rtlCol="0" anchor="ctr">
+          <a:bodyPr wrap="square" rtlCol="0" anchor="b">
             <a:noAutofit/>
           </a:bodyPr>
           <a:lstStyle/>
@@ -4252,7 +4195,7 @@
                   <a:schemeClr val="bg1"/>
                 </a:solidFill>
               </a:rPr>
-              <a:t>Dirty reads</a:t>
+              <a:t>Dirty read</a:t>
             </a:r>
             <a:endParaRPr lang="en-US" dirty="0">
               <a:solidFill>
@@ -4276,7 +4219,7 @@
         </p:nvSpPr>
         <p:spPr>
           <a:xfrm>
-            <a:off x="1662512" y="5321951"/>
+            <a:off x="951259" y="3772977"/>
             <a:ext cx="2137380" cy="369332"/>
           </a:xfrm>
           <a:prstGeom prst="rect">
@@ -4312,7 +4255,7 @@
         </p:nvSpPr>
         <p:spPr>
           <a:xfrm>
-            <a:off x="4335733" y="5298146"/>
+            <a:off x="3624480" y="3749172"/>
             <a:ext cx="1840825" cy="369332"/>
           </a:xfrm>
           <a:prstGeom prst="rect">
@@ -4348,7 +4291,7 @@
         </p:nvSpPr>
         <p:spPr>
           <a:xfrm>
-            <a:off x="6810000" y="5298146"/>
+            <a:off x="6098747" y="3749172"/>
             <a:ext cx="1996700" cy="369332"/>
           </a:xfrm>
           <a:prstGeom prst="rect">
@@ -4372,10 +4315,10 @@
       </p:sp>
       <p:sp>
         <p:nvSpPr>
-          <p:cNvPr id="28" name="TextBox 27">
-            <a:extLst>
-              <a:ext uri="{FF2B5EF4-FFF2-40B4-BE49-F238E27FC236}">
-                <a16:creationId xmlns:a16="http://schemas.microsoft.com/office/drawing/2014/main" id="{184E2DB2-30F8-430B-9D4D-376D23EF63F6}"/>
+          <p:cNvPr id="29" name="TextBox 28">
+            <a:extLst>
+              <a:ext uri="{FF2B5EF4-FFF2-40B4-BE49-F238E27FC236}">
+                <a16:creationId xmlns:a16="http://schemas.microsoft.com/office/drawing/2014/main" id="{A0D9699F-3BD6-4E47-8122-754B849E7153}"/>
               </a:ext>
             </a:extLst>
           </p:cNvPr>
@@ -4384,34 +4327,1092 @@
         </p:nvSpPr>
         <p:spPr>
           <a:xfrm>
-            <a:off x="4506688" y="3492516"/>
-            <a:ext cx="1488361" cy="646331"/>
+            <a:off x="8585149" y="3749172"/>
+            <a:ext cx="1448217" cy="369332"/>
           </a:xfrm>
           <a:prstGeom prst="rect">
             <a:avLst/>
           </a:prstGeom>
-          <a:solidFill>
-            <a:schemeClr val="accent6">
-              <a:lumMod val="75000"/>
-            </a:schemeClr>
-          </a:solidFill>
-        </p:spPr>
-        <p:txBody>
-          <a:bodyPr wrap="square" rtlCol="0" anchor="ctr">
-            <a:noAutofit/>
+          <a:noFill/>
+        </p:spPr>
+        <p:txBody>
+          <a:bodyPr wrap="none" rtlCol="0">
+            <a:spAutoFit/>
           </a:bodyPr>
           <a:lstStyle/>
           <a:p>
+            <a:r>
+              <a:rPr lang="pl-PL" dirty="0"/>
+              <a:t>SERIALIZABLE</a:t>
+            </a:r>
+            <a:endParaRPr lang="en-US" dirty="0"/>
+          </a:p>
+        </p:txBody>
+      </p:sp>
+      <p:pic>
+        <p:nvPicPr>
+          <p:cNvPr id="22" name="Picture 21">
+            <a:extLst>
+              <a:ext uri="{FF2B5EF4-FFF2-40B4-BE49-F238E27FC236}">
+                <a16:creationId xmlns:a16="http://schemas.microsoft.com/office/drawing/2014/main" id="{19CF0993-2C8A-4C02-ABED-2008D05CBF01}"/>
+              </a:ext>
+            </a:extLst>
+          </p:cNvPr>
+          <p:cNvPicPr>
+            <a:picLocks noChangeAspect="1"/>
+          </p:cNvPicPr>
+          <p:nvPr/>
+        </p:nvPicPr>
+        <p:blipFill>
+          <a:blip r:embed="rId2"/>
+          <a:stretch>
+            <a:fillRect/>
+          </a:stretch>
+        </p:blipFill>
+        <p:spPr>
+          <a:xfrm>
+            <a:off x="10715509" y="380580"/>
+            <a:ext cx="1010376" cy="823269"/>
+          </a:xfrm>
+          <a:prstGeom prst="rect">
+            <a:avLst/>
+          </a:prstGeom>
+        </p:spPr>
+      </p:pic>
+      <p:pic>
+        <p:nvPicPr>
+          <p:cNvPr id="27" name="Picture 26">
+            <a:extLst>
+              <a:ext uri="{FF2B5EF4-FFF2-40B4-BE49-F238E27FC236}">
+                <a16:creationId xmlns:a16="http://schemas.microsoft.com/office/drawing/2014/main" id="{C0FB195D-7865-4EBA-A1FA-25E0E4EA3695}"/>
+              </a:ext>
+            </a:extLst>
+          </p:cNvPr>
+          <p:cNvPicPr>
+            <a:picLocks noChangeAspect="1"/>
+          </p:cNvPicPr>
+          <p:nvPr/>
+        </p:nvPicPr>
+        <p:blipFill>
+          <a:blip r:embed="rId3"/>
+          <a:stretch>
+            <a:fillRect/>
+          </a:stretch>
+        </p:blipFill>
+        <p:spPr>
+          <a:xfrm>
+            <a:off x="8865502" y="207937"/>
+            <a:ext cx="1024069" cy="1150701"/>
+          </a:xfrm>
+          <a:prstGeom prst="rect">
+            <a:avLst/>
+          </a:prstGeom>
+        </p:spPr>
+      </p:pic>
+      <p:pic>
+        <p:nvPicPr>
+          <p:cNvPr id="30" name="Picture 29">
+            <a:extLst>
+              <a:ext uri="{FF2B5EF4-FFF2-40B4-BE49-F238E27FC236}">
+                <a16:creationId xmlns:a16="http://schemas.microsoft.com/office/drawing/2014/main" id="{AE5D6032-C635-4529-A4D9-682BE5E97253}"/>
+              </a:ext>
+            </a:extLst>
+          </p:cNvPr>
+          <p:cNvPicPr>
+            <a:picLocks noChangeAspect="1"/>
+          </p:cNvPicPr>
+          <p:nvPr/>
+        </p:nvPicPr>
+        <p:blipFill>
+          <a:blip r:embed="rId4"/>
+          <a:stretch>
+            <a:fillRect/>
+          </a:stretch>
+        </p:blipFill>
+        <p:spPr>
+          <a:xfrm>
+            <a:off x="7017247" y="380580"/>
+            <a:ext cx="953899" cy="903160"/>
+          </a:xfrm>
+          <a:prstGeom prst="rect">
+            <a:avLst/>
+          </a:prstGeom>
+        </p:spPr>
+      </p:pic>
+      <p:pic>
+        <p:nvPicPr>
+          <p:cNvPr id="10" name="Picture 9">
+            <a:extLst>
+              <a:ext uri="{FF2B5EF4-FFF2-40B4-BE49-F238E27FC236}">
+                <a16:creationId xmlns:a16="http://schemas.microsoft.com/office/drawing/2014/main" id="{FE4225C2-18F4-4F06-A53D-6287A9C6F7B6}"/>
+              </a:ext>
+            </a:extLst>
+          </p:cNvPr>
+          <p:cNvPicPr>
+            <a:picLocks noChangeAspect="1"/>
+          </p:cNvPicPr>
+          <p:nvPr/>
+        </p:nvPicPr>
+        <p:blipFill rotWithShape="1">
+          <a:blip r:embed="rId5"/>
+          <a:srcRect r="69093"/>
+          <a:stretch/>
+        </p:blipFill>
+        <p:spPr>
+          <a:xfrm>
+            <a:off x="1603053" y="1088528"/>
+            <a:ext cx="910661" cy="809725"/>
+          </a:xfrm>
+          <a:prstGeom prst="rect">
+            <a:avLst/>
+          </a:prstGeom>
+        </p:spPr>
+      </p:pic>
+      <p:pic>
+        <p:nvPicPr>
+          <p:cNvPr id="32" name="Picture 31">
+            <a:extLst>
+              <a:ext uri="{FF2B5EF4-FFF2-40B4-BE49-F238E27FC236}">
+                <a16:creationId xmlns:a16="http://schemas.microsoft.com/office/drawing/2014/main" id="{046DC843-D86D-4B48-A598-5703F28E6F43}"/>
+              </a:ext>
+            </a:extLst>
+          </p:cNvPr>
+          <p:cNvPicPr>
+            <a:picLocks noChangeAspect="1"/>
+          </p:cNvPicPr>
+          <p:nvPr/>
+        </p:nvPicPr>
+        <p:blipFill rotWithShape="1">
+          <a:blip r:embed="rId5"/>
+          <a:srcRect l="35119" r="33975"/>
+          <a:stretch/>
+        </p:blipFill>
+        <p:spPr>
+          <a:xfrm>
+            <a:off x="1607418" y="1921541"/>
+            <a:ext cx="910661" cy="809725"/>
+          </a:xfrm>
+          <a:prstGeom prst="rect">
+            <a:avLst/>
+          </a:prstGeom>
+        </p:spPr>
+      </p:pic>
+      <p:pic>
+        <p:nvPicPr>
+          <p:cNvPr id="33" name="Picture 32">
+            <a:extLst>
+              <a:ext uri="{FF2B5EF4-FFF2-40B4-BE49-F238E27FC236}">
+                <a16:creationId xmlns:a16="http://schemas.microsoft.com/office/drawing/2014/main" id="{F67863C2-F74E-4019-B0E4-2661853DA184}"/>
+              </a:ext>
+            </a:extLst>
+          </p:cNvPr>
+          <p:cNvPicPr>
+            <a:picLocks noChangeAspect="1"/>
+          </p:cNvPicPr>
+          <p:nvPr/>
+        </p:nvPicPr>
+        <p:blipFill rotWithShape="1">
+          <a:blip r:embed="rId5"/>
+          <a:srcRect l="69093"/>
+          <a:stretch/>
+        </p:blipFill>
+        <p:spPr>
+          <a:xfrm>
+            <a:off x="1603054" y="2754554"/>
+            <a:ext cx="910661" cy="809725"/>
+          </a:xfrm>
+          <a:prstGeom prst="rect">
+            <a:avLst/>
+          </a:prstGeom>
+        </p:spPr>
+      </p:pic>
+      <p:pic>
+        <p:nvPicPr>
+          <p:cNvPr id="35" name="Picture 34">
+            <a:extLst>
+              <a:ext uri="{FF2B5EF4-FFF2-40B4-BE49-F238E27FC236}">
+                <a16:creationId xmlns:a16="http://schemas.microsoft.com/office/drawing/2014/main" id="{1059F08D-9371-4830-879C-7EF6CA33EBC6}"/>
+              </a:ext>
+            </a:extLst>
+          </p:cNvPr>
+          <p:cNvPicPr>
+            <a:picLocks noChangeAspect="1"/>
+          </p:cNvPicPr>
+          <p:nvPr/>
+        </p:nvPicPr>
+        <p:blipFill rotWithShape="1">
+          <a:blip r:embed="rId5"/>
+          <a:srcRect l="35119" r="33975"/>
+          <a:stretch/>
+        </p:blipFill>
+        <p:spPr>
+          <a:xfrm>
+            <a:off x="4175853" y="1909838"/>
+            <a:ext cx="910661" cy="809725"/>
+          </a:xfrm>
+          <a:prstGeom prst="rect">
+            <a:avLst/>
+          </a:prstGeom>
+        </p:spPr>
+      </p:pic>
+      <p:pic>
+        <p:nvPicPr>
+          <p:cNvPr id="36" name="Picture 35">
+            <a:extLst>
+              <a:ext uri="{FF2B5EF4-FFF2-40B4-BE49-F238E27FC236}">
+                <a16:creationId xmlns:a16="http://schemas.microsoft.com/office/drawing/2014/main" id="{1ED411F6-2E75-43B9-830A-218E39FC0D6D}"/>
+              </a:ext>
+            </a:extLst>
+          </p:cNvPr>
+          <p:cNvPicPr>
+            <a:picLocks noChangeAspect="1"/>
+          </p:cNvPicPr>
+          <p:nvPr/>
+        </p:nvPicPr>
+        <p:blipFill rotWithShape="1">
+          <a:blip r:embed="rId5"/>
+          <a:srcRect l="69093"/>
+          <a:stretch/>
+        </p:blipFill>
+        <p:spPr>
+          <a:xfrm>
+            <a:off x="4171489" y="2742851"/>
+            <a:ext cx="910661" cy="809725"/>
+          </a:xfrm>
+          <a:prstGeom prst="rect">
+            <a:avLst/>
+          </a:prstGeom>
+        </p:spPr>
+      </p:pic>
+      <p:pic>
+        <p:nvPicPr>
+          <p:cNvPr id="38" name="Picture 37">
+            <a:extLst>
+              <a:ext uri="{FF2B5EF4-FFF2-40B4-BE49-F238E27FC236}">
+                <a16:creationId xmlns:a16="http://schemas.microsoft.com/office/drawing/2014/main" id="{E0640A6E-2B3C-4FB1-B18A-7BC642D4BEF8}"/>
+              </a:ext>
+            </a:extLst>
+          </p:cNvPr>
+          <p:cNvPicPr>
+            <a:picLocks noChangeAspect="1"/>
+          </p:cNvPicPr>
+          <p:nvPr/>
+        </p:nvPicPr>
+        <p:blipFill rotWithShape="1">
+          <a:blip r:embed="rId5"/>
+          <a:srcRect l="69093"/>
+          <a:stretch/>
+        </p:blipFill>
+        <p:spPr>
+          <a:xfrm>
+            <a:off x="6702481" y="2754963"/>
+            <a:ext cx="910661" cy="809725"/>
+          </a:xfrm>
+          <a:prstGeom prst="rect">
+            <a:avLst/>
+          </a:prstGeom>
+        </p:spPr>
+      </p:pic>
+    </p:spTree>
+    <p:extLst>
+      <p:ext uri="{BB962C8B-B14F-4D97-AF65-F5344CB8AC3E}">
+        <p14:creationId xmlns:p14="http://schemas.microsoft.com/office/powerpoint/2010/main" val="2188302669"/>
+      </p:ext>
+    </p:extLst>
+  </p:cSld>
+  <p:clrMapOvr>
+    <a:masterClrMapping/>
+  </p:clrMapOvr>
+</p:sld>
+</file>
+
+<file path=ppt/slides/slide4.xml><?xml version="1.0" encoding="utf-8"?>
+<p:sld xmlns:a="http://schemas.openxmlformats.org/drawingml/2006/main" xmlns:r="http://schemas.openxmlformats.org/officeDocument/2006/relationships" xmlns:p="http://schemas.openxmlformats.org/presentationml/2006/main">
+  <p:cSld>
+    <p:spTree>
+      <p:nvGrpSpPr>
+        <p:cNvPr id="1" name=""/>
+        <p:cNvGrpSpPr/>
+        <p:nvPr/>
+      </p:nvGrpSpPr>
+      <p:grpSpPr>
+        <a:xfrm>
+          <a:off x="0" y="0"/>
+          <a:ext cx="0" cy="0"/>
+          <a:chOff x="0" y="0"/>
+          <a:chExt cx="0" cy="0"/>
+        </a:xfrm>
+      </p:grpSpPr>
+      <p:pic>
+        <p:nvPicPr>
+          <p:cNvPr id="24" name="Graphic 23" descr="User">
+            <a:extLst>
+              <a:ext uri="{FF2B5EF4-FFF2-40B4-BE49-F238E27FC236}">
+                <a16:creationId xmlns:a16="http://schemas.microsoft.com/office/drawing/2014/main" id="{60F97826-771C-4A55-8409-F0EE3C90DC56}"/>
+              </a:ext>
+            </a:extLst>
+          </p:cNvPr>
+          <p:cNvPicPr>
+            <a:picLocks noChangeAspect="1"/>
+          </p:cNvPicPr>
+          <p:nvPr/>
+        </p:nvPicPr>
+        <p:blipFill>
+          <a:blip r:embed="rId2">
+            <a:extLst>
+              <a:ext uri="{28A0092B-C50C-407E-A947-70E740481C1C}">
+                <a14:useLocalDpi xmlns:a14="http://schemas.microsoft.com/office/drawing/2010/main" val="0"/>
+              </a:ext>
+              <a:ext uri="{96DAC541-7B7A-43D3-8B79-37D633B846F1}">
+                <asvg:svgBlip xmlns:asvg="http://schemas.microsoft.com/office/drawing/2016/SVG/main" r:embed="rId3"/>
+              </a:ext>
+            </a:extLst>
+          </a:blip>
+          <a:stretch>
+            <a:fillRect/>
+          </a:stretch>
+        </p:blipFill>
+        <p:spPr>
+          <a:xfrm>
+            <a:off x="794437" y="210953"/>
+            <a:ext cx="622300" cy="622300"/>
+          </a:xfrm>
+          <a:prstGeom prst="rect">
+            <a:avLst/>
+          </a:prstGeom>
+        </p:spPr>
+      </p:pic>
+      <p:pic>
+        <p:nvPicPr>
+          <p:cNvPr id="25" name="Graphic 24" descr="User">
+            <a:extLst>
+              <a:ext uri="{FF2B5EF4-FFF2-40B4-BE49-F238E27FC236}">
+                <a16:creationId xmlns:a16="http://schemas.microsoft.com/office/drawing/2014/main" id="{043818BC-5656-46C0-A4B9-FC76D38A0C25}"/>
+              </a:ext>
+            </a:extLst>
+          </p:cNvPr>
+          <p:cNvPicPr>
+            <a:picLocks noChangeAspect="1"/>
+          </p:cNvPicPr>
+          <p:nvPr/>
+        </p:nvPicPr>
+        <p:blipFill>
+          <a:blip r:embed="rId2">
+            <a:extLst>
+              <a:ext uri="{28A0092B-C50C-407E-A947-70E740481C1C}">
+                <a14:useLocalDpi xmlns:a14="http://schemas.microsoft.com/office/drawing/2010/main" val="0"/>
+              </a:ext>
+              <a:ext uri="{96DAC541-7B7A-43D3-8B79-37D633B846F1}">
+                <asvg:svgBlip xmlns:asvg="http://schemas.microsoft.com/office/drawing/2016/SVG/main" r:embed="rId3"/>
+              </a:ext>
+            </a:extLst>
+          </a:blip>
+          <a:stretch>
+            <a:fillRect/>
+          </a:stretch>
+        </p:blipFill>
+        <p:spPr>
+          <a:xfrm>
+            <a:off x="771437" y="1384574"/>
+            <a:ext cx="622300" cy="622300"/>
+          </a:xfrm>
+          <a:prstGeom prst="rect">
+            <a:avLst/>
+          </a:prstGeom>
+        </p:spPr>
+      </p:pic>
+      <p:pic>
+        <p:nvPicPr>
+          <p:cNvPr id="29" name="Graphic 28" descr="Database">
+            <a:extLst>
+              <a:ext uri="{FF2B5EF4-FFF2-40B4-BE49-F238E27FC236}">
+                <a16:creationId xmlns:a16="http://schemas.microsoft.com/office/drawing/2014/main" id="{CE557A28-1856-48CA-95AE-506B4F9403B5}"/>
+              </a:ext>
+            </a:extLst>
+          </p:cNvPr>
+          <p:cNvPicPr>
+            <a:picLocks noChangeAspect="1"/>
+          </p:cNvPicPr>
+          <p:nvPr/>
+        </p:nvPicPr>
+        <p:blipFill>
+          <a:blip r:embed="rId4">
+            <a:extLst>
+              <a:ext uri="{28A0092B-C50C-407E-A947-70E740481C1C}">
+                <a14:useLocalDpi xmlns:a14="http://schemas.microsoft.com/office/drawing/2010/main" val="0"/>
+              </a:ext>
+              <a:ext uri="{96DAC541-7B7A-43D3-8B79-37D633B846F1}">
+                <asvg:svgBlip xmlns:asvg="http://schemas.microsoft.com/office/drawing/2016/SVG/main" r:embed="rId5"/>
+              </a:ext>
+            </a:extLst>
+          </a:blip>
+          <a:stretch>
+            <a:fillRect/>
+          </a:stretch>
+        </p:blipFill>
+        <p:spPr>
+          <a:xfrm>
+            <a:off x="1932429" y="737086"/>
+            <a:ext cx="704850" cy="704850"/>
+          </a:xfrm>
+          <a:prstGeom prst="rect">
+            <a:avLst/>
+          </a:prstGeom>
+        </p:spPr>
+      </p:pic>
+      <p:graphicFrame>
+        <p:nvGraphicFramePr>
+          <p:cNvPr id="30" name="Table 30">
+            <a:extLst>
+              <a:ext uri="{FF2B5EF4-FFF2-40B4-BE49-F238E27FC236}">
+                <a16:creationId xmlns:a16="http://schemas.microsoft.com/office/drawing/2014/main" id="{EF2C5AFF-70B2-4703-9CEB-EEFC1B82D7B8}"/>
+              </a:ext>
+            </a:extLst>
+          </p:cNvPr>
+          <p:cNvGraphicFramePr>
+            <a:graphicFrameLocks noGrp="1"/>
+          </p:cNvGraphicFramePr>
+          <p:nvPr>
+            <p:extLst>
+              <p:ext uri="{D42A27DB-BD31-4B8C-83A1-F6EECF244321}">
+                <p14:modId xmlns:p14="http://schemas.microsoft.com/office/powerpoint/2010/main" val="551586519"/>
+              </p:ext>
+            </p:extLst>
+          </p:nvPr>
+        </p:nvGraphicFramePr>
+        <p:xfrm>
+          <a:off x="2581471" y="876151"/>
+          <a:ext cx="1293131" cy="426720"/>
+        </p:xfrm>
+        <a:graphic>
+          <a:graphicData uri="http://schemas.openxmlformats.org/drawingml/2006/table">
+            <a:tbl>
+              <a:tblPr firstRow="1" bandRow="1">
+                <a:tableStyleId>{5C22544A-7EE6-4342-B048-85BDC9FD1C3A}</a:tableStyleId>
+              </a:tblPr>
+              <a:tblGrid>
+                <a:gridCol w="531131">
+                  <a:extLst>
+                    <a:ext uri="{9D8B030D-6E8A-4147-A177-3AD203B41FA5}">
+                      <a16:colId xmlns:a16="http://schemas.microsoft.com/office/drawing/2014/main" val="2779707369"/>
+                    </a:ext>
+                  </a:extLst>
+                </a:gridCol>
+                <a:gridCol w="762000">
+                  <a:extLst>
+                    <a:ext uri="{9D8B030D-6E8A-4147-A177-3AD203B41FA5}">
+                      <a16:colId xmlns:a16="http://schemas.microsoft.com/office/drawing/2014/main" val="2463701266"/>
+                    </a:ext>
+                  </a:extLst>
+                </a:gridCol>
+              </a:tblGrid>
+              <a:tr h="171590">
+                <a:tc>
+                  <a:txBody>
+                    <a:bodyPr/>
+                    <a:lstStyle/>
+                    <a:p>
+                      <a:pPr algn="ctr"/>
+                      <a:r>
+                        <a:rPr lang="pl-PL" sz="800" dirty="0"/>
+                        <a:t>Balance</a:t>
+                      </a:r>
+                      <a:endParaRPr lang="en-US" sz="800" dirty="0"/>
+                    </a:p>
+                  </a:txBody>
+                  <a:tcPr/>
+                </a:tc>
+                <a:tc>
+                  <a:txBody>
+                    <a:bodyPr/>
+                    <a:lstStyle/>
+                    <a:p>
+                      <a:pPr algn="ctr"/>
+                      <a:r>
+                        <a:rPr lang="pl-PL" sz="800" dirty="0"/>
+                        <a:t>Rowversion</a:t>
+                      </a:r>
+                      <a:endParaRPr lang="en-US" sz="800" dirty="0"/>
+                    </a:p>
+                  </a:txBody>
+                  <a:tcPr/>
+                </a:tc>
+                <a:extLst>
+                  <a:ext uri="{0D108BD9-81ED-4DB2-BD59-A6C34878D82A}">
+                    <a16:rowId xmlns:a16="http://schemas.microsoft.com/office/drawing/2014/main" val="1376702336"/>
+                  </a:ext>
+                </a:extLst>
+              </a:tr>
+              <a:tr h="171590">
+                <a:tc>
+                  <a:txBody>
+                    <a:bodyPr/>
+                    <a:lstStyle/>
+                    <a:p>
+                      <a:pPr algn="ctr"/>
+                      <a:r>
+                        <a:rPr lang="pl-PL" sz="800" dirty="0"/>
+                        <a:t>100</a:t>
+                      </a:r>
+                      <a:endParaRPr lang="en-US" sz="800" dirty="0"/>
+                    </a:p>
+                  </a:txBody>
+                  <a:tcPr/>
+                </a:tc>
+                <a:tc>
+                  <a:txBody>
+                    <a:bodyPr/>
+                    <a:lstStyle/>
+                    <a:p>
+                      <a:pPr algn="ctr"/>
+                      <a:r>
+                        <a:rPr lang="pl-PL" sz="800" dirty="0"/>
+                        <a:t>1</a:t>
+                      </a:r>
+                      <a:endParaRPr lang="en-US" sz="800" dirty="0"/>
+                    </a:p>
+                  </a:txBody>
+                  <a:tcPr/>
+                </a:tc>
+                <a:extLst>
+                  <a:ext uri="{0D108BD9-81ED-4DB2-BD59-A6C34878D82A}">
+                    <a16:rowId xmlns:a16="http://schemas.microsoft.com/office/drawing/2014/main" val="222607145"/>
+                  </a:ext>
+                </a:extLst>
+              </a:tr>
+            </a:tbl>
+          </a:graphicData>
+        </a:graphic>
+      </p:graphicFrame>
+      <p:sp>
+        <p:nvSpPr>
+          <p:cNvPr id="32" name="Arrow: Bent 31">
+            <a:extLst>
+              <a:ext uri="{FF2B5EF4-FFF2-40B4-BE49-F238E27FC236}">
+                <a16:creationId xmlns:a16="http://schemas.microsoft.com/office/drawing/2014/main" id="{77D29F23-EBE0-47C8-B440-8E8F9547327D}"/>
+              </a:ext>
+            </a:extLst>
+          </p:cNvPr>
+          <p:cNvSpPr/>
+          <p:nvPr/>
+        </p:nvSpPr>
+        <p:spPr>
+          <a:xfrm flipH="1">
+            <a:off x="1449622" y="424878"/>
+            <a:ext cx="914815" cy="289700"/>
+          </a:xfrm>
+          <a:prstGeom prst="bentArrow">
+            <a:avLst>
+              <a:gd name="adj1" fmla="val 25000"/>
+              <a:gd name="adj2" fmla="val 24057"/>
+              <a:gd name="adj3" fmla="val 25000"/>
+              <a:gd name="adj4" fmla="val 43750"/>
+            </a:avLst>
+          </a:prstGeom>
+        </p:spPr>
+        <p:style>
+          <a:lnRef idx="2">
+            <a:schemeClr val="accent1">
+              <a:shade val="50000"/>
+            </a:schemeClr>
+          </a:lnRef>
+          <a:fillRef idx="1">
+            <a:schemeClr val="accent1"/>
+          </a:fillRef>
+          <a:effectRef idx="0">
+            <a:schemeClr val="accent1"/>
+          </a:effectRef>
+          <a:fontRef idx="minor">
+            <a:schemeClr val="lt1"/>
+          </a:fontRef>
+        </p:style>
+        <p:txBody>
+          <a:bodyPr rtlCol="0" anchor="ctr"/>
+          <a:lstStyle/>
+          <a:p>
             <a:pPr algn="ctr"/>
-            <a:r>
-              <a:rPr lang="pl-PL" dirty="0">
+            <a:endParaRPr lang="en-US">
+              <a:solidFill>
+                <a:schemeClr val="tx1"/>
+              </a:solidFill>
+            </a:endParaRPr>
+          </a:p>
+        </p:txBody>
+      </p:sp>
+      <p:sp>
+        <p:nvSpPr>
+          <p:cNvPr id="33" name="Arrow: Bent 32">
+            <a:extLst>
+              <a:ext uri="{FF2B5EF4-FFF2-40B4-BE49-F238E27FC236}">
+                <a16:creationId xmlns:a16="http://schemas.microsoft.com/office/drawing/2014/main" id="{2BA877EA-B50A-4EB2-AD94-F58B036DE735}"/>
+              </a:ext>
+            </a:extLst>
+          </p:cNvPr>
+          <p:cNvSpPr/>
+          <p:nvPr/>
+        </p:nvSpPr>
+        <p:spPr>
+          <a:xfrm flipH="1" flipV="1">
+            <a:off x="1416737" y="1464444"/>
+            <a:ext cx="914815" cy="289700"/>
+          </a:xfrm>
+          <a:prstGeom prst="bentArrow">
+            <a:avLst>
+              <a:gd name="adj1" fmla="val 25000"/>
+              <a:gd name="adj2" fmla="val 24057"/>
+              <a:gd name="adj3" fmla="val 25000"/>
+              <a:gd name="adj4" fmla="val 43750"/>
+            </a:avLst>
+          </a:prstGeom>
+        </p:spPr>
+        <p:style>
+          <a:lnRef idx="2">
+            <a:schemeClr val="accent1">
+              <a:shade val="50000"/>
+            </a:schemeClr>
+          </a:lnRef>
+          <a:fillRef idx="1">
+            <a:schemeClr val="accent1"/>
+          </a:fillRef>
+          <a:effectRef idx="0">
+            <a:schemeClr val="accent1"/>
+          </a:effectRef>
+          <a:fontRef idx="minor">
+            <a:schemeClr val="lt1"/>
+          </a:fontRef>
+        </p:style>
+        <p:txBody>
+          <a:bodyPr rtlCol="0" anchor="ctr"/>
+          <a:lstStyle/>
+          <a:p>
+            <a:pPr algn="ctr"/>
+            <a:endParaRPr lang="en-US">
+              <a:solidFill>
+                <a:schemeClr val="tx1"/>
+              </a:solidFill>
+            </a:endParaRPr>
+          </a:p>
+        </p:txBody>
+      </p:sp>
+      <p:graphicFrame>
+        <p:nvGraphicFramePr>
+          <p:cNvPr id="36" name="Table 30">
+            <a:extLst>
+              <a:ext uri="{FF2B5EF4-FFF2-40B4-BE49-F238E27FC236}">
+                <a16:creationId xmlns:a16="http://schemas.microsoft.com/office/drawing/2014/main" id="{363B9134-6FF5-4C32-A443-DA1F6D3F9D4C}"/>
+              </a:ext>
+            </a:extLst>
+          </p:cNvPr>
+          <p:cNvGraphicFramePr>
+            <a:graphicFrameLocks noGrp="1"/>
+          </p:cNvGraphicFramePr>
+          <p:nvPr>
+            <p:extLst>
+              <p:ext uri="{D42A27DB-BD31-4B8C-83A1-F6EECF244321}">
+                <p14:modId xmlns:p14="http://schemas.microsoft.com/office/powerpoint/2010/main" val="2650374462"/>
+              </p:ext>
+            </p:extLst>
+          </p:nvPr>
+        </p:nvGraphicFramePr>
+        <p:xfrm>
+          <a:off x="459020" y="818888"/>
+          <a:ext cx="1293131" cy="426720"/>
+        </p:xfrm>
+        <a:graphic>
+          <a:graphicData uri="http://schemas.openxmlformats.org/drawingml/2006/table">
+            <a:tbl>
+              <a:tblPr firstRow="1" bandRow="1">
+                <a:tableStyleId>{5C22544A-7EE6-4342-B048-85BDC9FD1C3A}</a:tableStyleId>
+              </a:tblPr>
+              <a:tblGrid>
+                <a:gridCol w="531131">
+                  <a:extLst>
+                    <a:ext uri="{9D8B030D-6E8A-4147-A177-3AD203B41FA5}">
+                      <a16:colId xmlns:a16="http://schemas.microsoft.com/office/drawing/2014/main" val="2779707369"/>
+                    </a:ext>
+                  </a:extLst>
+                </a:gridCol>
+                <a:gridCol w="762000">
+                  <a:extLst>
+                    <a:ext uri="{9D8B030D-6E8A-4147-A177-3AD203B41FA5}">
+                      <a16:colId xmlns:a16="http://schemas.microsoft.com/office/drawing/2014/main" val="2463701266"/>
+                    </a:ext>
+                  </a:extLst>
+                </a:gridCol>
+              </a:tblGrid>
+              <a:tr h="171590">
+                <a:tc>
+                  <a:txBody>
+                    <a:bodyPr/>
+                    <a:lstStyle/>
+                    <a:p>
+                      <a:pPr algn="ctr"/>
+                      <a:r>
+                        <a:rPr lang="pl-PL" sz="800" dirty="0"/>
+                        <a:t>Balance</a:t>
+                      </a:r>
+                      <a:endParaRPr lang="en-US" sz="800" dirty="0"/>
+                    </a:p>
+                  </a:txBody>
+                  <a:tcPr/>
+                </a:tc>
+                <a:tc>
+                  <a:txBody>
+                    <a:bodyPr/>
+                    <a:lstStyle/>
+                    <a:p>
+                      <a:pPr algn="ctr"/>
+                      <a:r>
+                        <a:rPr lang="pl-PL" sz="800" dirty="0"/>
+                        <a:t>Rowversion</a:t>
+                      </a:r>
+                      <a:endParaRPr lang="en-US" sz="800" dirty="0"/>
+                    </a:p>
+                  </a:txBody>
+                  <a:tcPr/>
+                </a:tc>
+                <a:extLst>
+                  <a:ext uri="{0D108BD9-81ED-4DB2-BD59-A6C34878D82A}">
+                    <a16:rowId xmlns:a16="http://schemas.microsoft.com/office/drawing/2014/main" val="1376702336"/>
+                  </a:ext>
+                </a:extLst>
+              </a:tr>
+              <a:tr h="171590">
+                <a:tc>
+                  <a:txBody>
+                    <a:bodyPr/>
+                    <a:lstStyle/>
+                    <a:p>
+                      <a:pPr algn="ctr"/>
+                      <a:r>
+                        <a:rPr lang="pl-PL" sz="800" dirty="0"/>
+                        <a:t>100</a:t>
+                      </a:r>
+                      <a:endParaRPr lang="en-US" sz="800" dirty="0"/>
+                    </a:p>
+                  </a:txBody>
+                  <a:tcPr/>
+                </a:tc>
+                <a:tc>
+                  <a:txBody>
+                    <a:bodyPr/>
+                    <a:lstStyle/>
+                    <a:p>
+                      <a:pPr algn="ctr"/>
+                      <a:r>
+                        <a:rPr lang="pl-PL" sz="800" dirty="0"/>
+                        <a:t>1</a:t>
+                      </a:r>
+                      <a:endParaRPr lang="en-US" sz="800" dirty="0"/>
+                    </a:p>
+                  </a:txBody>
+                  <a:tcPr/>
+                </a:tc>
+                <a:extLst>
+                  <a:ext uri="{0D108BD9-81ED-4DB2-BD59-A6C34878D82A}">
+                    <a16:rowId xmlns:a16="http://schemas.microsoft.com/office/drawing/2014/main" val="222607145"/>
+                  </a:ext>
+                </a:extLst>
+              </a:tr>
+            </a:tbl>
+          </a:graphicData>
+        </a:graphic>
+      </p:graphicFrame>
+      <p:graphicFrame>
+        <p:nvGraphicFramePr>
+          <p:cNvPr id="37" name="Table 30">
+            <a:extLst>
+              <a:ext uri="{FF2B5EF4-FFF2-40B4-BE49-F238E27FC236}">
+                <a16:creationId xmlns:a16="http://schemas.microsoft.com/office/drawing/2014/main" id="{7F360404-910B-42B3-A549-E91D67D76ABA}"/>
+              </a:ext>
+            </a:extLst>
+          </p:cNvPr>
+          <p:cNvGraphicFramePr>
+            <a:graphicFrameLocks noGrp="1"/>
+          </p:cNvGraphicFramePr>
+          <p:nvPr>
+            <p:extLst>
+              <p:ext uri="{D42A27DB-BD31-4B8C-83A1-F6EECF244321}">
+                <p14:modId xmlns:p14="http://schemas.microsoft.com/office/powerpoint/2010/main" val="817897877"/>
+              </p:ext>
+            </p:extLst>
+          </p:nvPr>
+        </p:nvGraphicFramePr>
+        <p:xfrm>
+          <a:off x="436021" y="2006874"/>
+          <a:ext cx="1293131" cy="426720"/>
+        </p:xfrm>
+        <a:graphic>
+          <a:graphicData uri="http://schemas.openxmlformats.org/drawingml/2006/table">
+            <a:tbl>
+              <a:tblPr firstRow="1" bandRow="1">
+                <a:tableStyleId>{5C22544A-7EE6-4342-B048-85BDC9FD1C3A}</a:tableStyleId>
+              </a:tblPr>
+              <a:tblGrid>
+                <a:gridCol w="531131">
+                  <a:extLst>
+                    <a:ext uri="{9D8B030D-6E8A-4147-A177-3AD203B41FA5}">
+                      <a16:colId xmlns:a16="http://schemas.microsoft.com/office/drawing/2014/main" val="2779707369"/>
+                    </a:ext>
+                  </a:extLst>
+                </a:gridCol>
+                <a:gridCol w="762000">
+                  <a:extLst>
+                    <a:ext uri="{9D8B030D-6E8A-4147-A177-3AD203B41FA5}">
+                      <a16:colId xmlns:a16="http://schemas.microsoft.com/office/drawing/2014/main" val="2463701266"/>
+                    </a:ext>
+                  </a:extLst>
+                </a:gridCol>
+              </a:tblGrid>
+              <a:tr h="171590">
+                <a:tc>
+                  <a:txBody>
+                    <a:bodyPr/>
+                    <a:lstStyle/>
+                    <a:p>
+                      <a:pPr algn="ctr"/>
+                      <a:r>
+                        <a:rPr lang="pl-PL" sz="800" dirty="0"/>
+                        <a:t>Balance</a:t>
+                      </a:r>
+                      <a:endParaRPr lang="en-US" sz="800" dirty="0"/>
+                    </a:p>
+                  </a:txBody>
+                  <a:tcPr/>
+                </a:tc>
+                <a:tc>
+                  <a:txBody>
+                    <a:bodyPr/>
+                    <a:lstStyle/>
+                    <a:p>
+                      <a:pPr algn="ctr"/>
+                      <a:r>
+                        <a:rPr lang="pl-PL" sz="800" dirty="0"/>
+                        <a:t>Rowversion</a:t>
+                      </a:r>
+                      <a:endParaRPr lang="en-US" sz="800" dirty="0"/>
+                    </a:p>
+                  </a:txBody>
+                  <a:tcPr/>
+                </a:tc>
+                <a:extLst>
+                  <a:ext uri="{0D108BD9-81ED-4DB2-BD59-A6C34878D82A}">
+                    <a16:rowId xmlns:a16="http://schemas.microsoft.com/office/drawing/2014/main" val="1376702336"/>
+                  </a:ext>
+                </a:extLst>
+              </a:tr>
+              <a:tr h="171590">
+                <a:tc>
+                  <a:txBody>
+                    <a:bodyPr/>
+                    <a:lstStyle/>
+                    <a:p>
+                      <a:pPr algn="ctr"/>
+                      <a:r>
+                        <a:rPr lang="pl-PL" sz="800" dirty="0"/>
+                        <a:t>100</a:t>
+                      </a:r>
+                      <a:endParaRPr lang="en-US" sz="800" dirty="0"/>
+                    </a:p>
+                  </a:txBody>
+                  <a:tcPr/>
+                </a:tc>
+                <a:tc>
+                  <a:txBody>
+                    <a:bodyPr/>
+                    <a:lstStyle/>
+                    <a:p>
+                      <a:pPr algn="ctr"/>
+                      <a:r>
+                        <a:rPr lang="pl-PL" sz="800" dirty="0"/>
+                        <a:t>1</a:t>
+                      </a:r>
+                      <a:endParaRPr lang="en-US" sz="800" dirty="0"/>
+                    </a:p>
+                  </a:txBody>
+                  <a:tcPr/>
+                </a:tc>
+                <a:extLst>
+                  <a:ext uri="{0D108BD9-81ED-4DB2-BD59-A6C34878D82A}">
+                    <a16:rowId xmlns:a16="http://schemas.microsoft.com/office/drawing/2014/main" val="222607145"/>
+                  </a:ext>
+                </a:extLst>
+              </a:tr>
+            </a:tbl>
+          </a:graphicData>
+        </a:graphic>
+      </p:graphicFrame>
+      <p:pic>
+        <p:nvPicPr>
+          <p:cNvPr id="39" name="Graphic 38" descr="Checkmark">
+            <a:extLst>
+              <a:ext uri="{FF2B5EF4-FFF2-40B4-BE49-F238E27FC236}">
+                <a16:creationId xmlns:a16="http://schemas.microsoft.com/office/drawing/2014/main" id="{2B0710A1-CB8E-4B9C-84C2-0B0214A5680A}"/>
+              </a:ext>
+            </a:extLst>
+          </p:cNvPr>
+          <p:cNvPicPr>
+            <a:picLocks noChangeAspect="1"/>
+          </p:cNvPicPr>
+          <p:nvPr/>
+        </p:nvPicPr>
+        <p:blipFill>
+          <a:blip r:embed="rId6">
+            <a:extLst>
+              <a:ext uri="{28A0092B-C50C-407E-A947-70E740481C1C}">
+                <a14:useLocalDpi xmlns:a14="http://schemas.microsoft.com/office/drawing/2010/main" val="0"/>
+              </a:ext>
+              <a:ext uri="{96DAC541-7B7A-43D3-8B79-37D633B846F1}">
+                <asvg:svgBlip xmlns:asvg="http://schemas.microsoft.com/office/drawing/2016/SVG/main" r:embed="rId7"/>
+              </a:ext>
+            </a:extLst>
+          </a:blip>
+          <a:stretch>
+            <a:fillRect/>
+          </a:stretch>
+        </p:blipFill>
+        <p:spPr>
+          <a:xfrm>
+            <a:off x="3494026" y="2922552"/>
+            <a:ext cx="285750" cy="285750"/>
+          </a:xfrm>
+          <a:prstGeom prst="rect">
+            <a:avLst/>
+          </a:prstGeom>
+        </p:spPr>
+      </p:pic>
+      <p:pic>
+        <p:nvPicPr>
+          <p:cNvPr id="41" name="Graphic 40" descr="Close">
+            <a:extLst>
+              <a:ext uri="{FF2B5EF4-FFF2-40B4-BE49-F238E27FC236}">
+                <a16:creationId xmlns:a16="http://schemas.microsoft.com/office/drawing/2014/main" id="{77DA7E46-0AFB-4E33-98CF-120568B976A5}"/>
+              </a:ext>
+            </a:extLst>
+          </p:cNvPr>
+          <p:cNvPicPr>
+            <a:picLocks noChangeAspect="1"/>
+          </p:cNvPicPr>
+          <p:nvPr/>
+        </p:nvPicPr>
+        <p:blipFill>
+          <a:blip r:embed="rId8">
+            <a:extLst>
+              <a:ext uri="{28A0092B-C50C-407E-A947-70E740481C1C}">
+                <a14:useLocalDpi xmlns:a14="http://schemas.microsoft.com/office/drawing/2010/main" val="0"/>
+              </a:ext>
+              <a:ext uri="{96DAC541-7B7A-43D3-8B79-37D633B846F1}">
+                <asvg:svgBlip xmlns:asvg="http://schemas.microsoft.com/office/drawing/2016/SVG/main" r:embed="rId9"/>
+              </a:ext>
+            </a:extLst>
+          </a:blip>
+          <a:stretch>
+            <a:fillRect/>
+          </a:stretch>
+        </p:blipFill>
+        <p:spPr>
+          <a:xfrm>
+            <a:off x="7627692" y="1724260"/>
+            <a:ext cx="285750" cy="285750"/>
+          </a:xfrm>
+          <a:prstGeom prst="rect">
+            <a:avLst/>
+          </a:prstGeom>
+        </p:spPr>
+      </p:pic>
+      <p:sp>
+        <p:nvSpPr>
+          <p:cNvPr id="42" name="Arrow: Bent 41">
+            <a:extLst>
+              <a:ext uri="{FF2B5EF4-FFF2-40B4-BE49-F238E27FC236}">
+                <a16:creationId xmlns:a16="http://schemas.microsoft.com/office/drawing/2014/main" id="{D60ED871-CCB7-4679-B7CE-90B768064467}"/>
+              </a:ext>
+            </a:extLst>
+          </p:cNvPr>
+          <p:cNvSpPr/>
+          <p:nvPr/>
+        </p:nvSpPr>
+        <p:spPr>
+          <a:xfrm rot="16200000" flipH="1" flipV="1">
+            <a:off x="1761165" y="2643226"/>
+            <a:ext cx="342527" cy="914816"/>
+          </a:xfrm>
+          <a:prstGeom prst="bentArrow">
+            <a:avLst>
+              <a:gd name="adj1" fmla="val 21755"/>
+              <a:gd name="adj2" fmla="val 20866"/>
+              <a:gd name="adj3" fmla="val 20830"/>
+              <a:gd name="adj4" fmla="val 43750"/>
+            </a:avLst>
+          </a:prstGeom>
+        </p:spPr>
+        <p:style>
+          <a:lnRef idx="2">
+            <a:schemeClr val="accent1">
+              <a:shade val="50000"/>
+            </a:schemeClr>
+          </a:lnRef>
+          <a:fillRef idx="1">
+            <a:schemeClr val="accent1"/>
+          </a:fillRef>
+          <a:effectRef idx="0">
+            <a:schemeClr val="accent1"/>
+          </a:effectRef>
+          <a:fontRef idx="minor">
+            <a:schemeClr val="lt1"/>
+          </a:fontRef>
+        </p:style>
+        <p:txBody>
+          <a:bodyPr rtlCol="0" anchor="ctr"/>
+          <a:lstStyle/>
+          <a:p>
+            <a:pPr algn="ctr"/>
+            <a:endParaRPr lang="en-US">
+              <a:solidFill>
+                <a:schemeClr val="tx1"/>
+              </a:solidFill>
+            </a:endParaRPr>
+          </a:p>
+        </p:txBody>
+      </p:sp>
+      <p:sp>
+        <p:nvSpPr>
+          <p:cNvPr id="43" name="TextBox 42">
+            <a:extLst>
+              <a:ext uri="{FF2B5EF4-FFF2-40B4-BE49-F238E27FC236}">
+                <a16:creationId xmlns:a16="http://schemas.microsoft.com/office/drawing/2014/main" id="{588A8585-6CA3-493C-9D86-BCB68CA57965}"/>
+              </a:ext>
+            </a:extLst>
+          </p:cNvPr>
+          <p:cNvSpPr txBox="1"/>
+          <p:nvPr/>
+        </p:nvSpPr>
+        <p:spPr>
+          <a:xfrm>
+            <a:off x="958751" y="475035"/>
+            <a:ext cx="293670" cy="307777"/>
+          </a:xfrm>
+          <a:prstGeom prst="rect">
+            <a:avLst/>
+          </a:prstGeom>
+          <a:noFill/>
+        </p:spPr>
+        <p:txBody>
+          <a:bodyPr wrap="none" rtlCol="0">
+            <a:spAutoFit/>
+          </a:bodyPr>
+          <a:lstStyle/>
+          <a:p>
+            <a:pPr algn="ctr"/>
+            <a:r>
+              <a:rPr lang="pl-PL" sz="1400" b="1" dirty="0">
                 <a:solidFill>
                   <a:schemeClr val="bg1"/>
                 </a:solidFill>
               </a:rPr>
-              <a:t>Repeatable reads</a:t>
-            </a:r>
-            <a:endParaRPr lang="en-US" dirty="0">
+              <a:t>A</a:t>
+            </a:r>
+            <a:endParaRPr lang="en-US" sz="1400" b="1" dirty="0">
               <a:solidFill>
                 <a:schemeClr val="bg1"/>
               </a:solidFill>
@@ -4421,10 +5422,10 @@
       </p:sp>
       <p:sp>
         <p:nvSpPr>
-          <p:cNvPr id="29" name="TextBox 28">
-            <a:extLst>
-              <a:ext uri="{FF2B5EF4-FFF2-40B4-BE49-F238E27FC236}">
-                <a16:creationId xmlns:a16="http://schemas.microsoft.com/office/drawing/2014/main" id="{A0D9699F-3BD6-4E47-8122-754B849E7153}"/>
+          <p:cNvPr id="44" name="TextBox 43">
+            <a:extLst>
+              <a:ext uri="{FF2B5EF4-FFF2-40B4-BE49-F238E27FC236}">
+                <a16:creationId xmlns:a16="http://schemas.microsoft.com/office/drawing/2014/main" id="{523A9865-7C03-43C1-9100-530BBAF4371F}"/>
               </a:ext>
             </a:extLst>
           </p:cNvPr>
@@ -4433,8 +5434,8 @@
         </p:nvSpPr>
         <p:spPr>
           <a:xfrm>
-            <a:off x="9296402" y="5298146"/>
-            <a:ext cx="1448217" cy="369332"/>
+            <a:off x="940852" y="1654192"/>
+            <a:ext cx="285656" cy="307777"/>
           </a:xfrm>
           <a:prstGeom prst="rect">
             <a:avLst/>
@@ -4447,18 +5448,1370 @@
           </a:bodyPr>
           <a:lstStyle/>
           <a:p>
-            <a:r>
-              <a:rPr lang="pl-PL" dirty="0"/>
-              <a:t>SERIALIZABLE</a:t>
-            </a:r>
-            <a:endParaRPr lang="en-US" dirty="0"/>
-          </a:p>
-        </p:txBody>
-      </p:sp>
+            <a:pPr algn="ctr"/>
+            <a:r>
+              <a:rPr lang="pl-PL" sz="1400" b="1" dirty="0">
+                <a:solidFill>
+                  <a:schemeClr val="bg1"/>
+                </a:solidFill>
+              </a:rPr>
+              <a:t>B</a:t>
+            </a:r>
+            <a:endParaRPr lang="en-US" sz="1400" b="1" dirty="0">
+              <a:solidFill>
+                <a:schemeClr val="bg1"/>
+              </a:solidFill>
+            </a:endParaRPr>
+          </a:p>
+        </p:txBody>
+      </p:sp>
+      <p:pic>
+        <p:nvPicPr>
+          <p:cNvPr id="45" name="Graphic 44" descr="User">
+            <a:extLst>
+              <a:ext uri="{FF2B5EF4-FFF2-40B4-BE49-F238E27FC236}">
+                <a16:creationId xmlns:a16="http://schemas.microsoft.com/office/drawing/2014/main" id="{4762E52C-5331-4518-9EB5-07B5568B234B}"/>
+              </a:ext>
+            </a:extLst>
+          </p:cNvPr>
+          <p:cNvPicPr>
+            <a:picLocks noChangeAspect="1"/>
+          </p:cNvPicPr>
+          <p:nvPr/>
+        </p:nvPicPr>
+        <p:blipFill>
+          <a:blip r:embed="rId2">
+            <a:extLst>
+              <a:ext uri="{28A0092B-C50C-407E-A947-70E740481C1C}">
+                <a14:useLocalDpi xmlns:a14="http://schemas.microsoft.com/office/drawing/2010/main" val="0"/>
+              </a:ext>
+              <a:ext uri="{96DAC541-7B7A-43D3-8B79-37D633B846F1}">
+                <asvg:svgBlip xmlns:asvg="http://schemas.microsoft.com/office/drawing/2016/SVG/main" r:embed="rId3"/>
+              </a:ext>
+            </a:extLst>
+          </a:blip>
+          <a:stretch>
+            <a:fillRect/>
+          </a:stretch>
+        </p:blipFill>
+        <p:spPr>
+          <a:xfrm>
+            <a:off x="850245" y="2664742"/>
+            <a:ext cx="622300" cy="622300"/>
+          </a:xfrm>
+          <a:prstGeom prst="rect">
+            <a:avLst/>
+          </a:prstGeom>
+        </p:spPr>
+      </p:pic>
+      <p:pic>
+        <p:nvPicPr>
+          <p:cNvPr id="46" name="Graphic 45" descr="User">
+            <a:extLst>
+              <a:ext uri="{FF2B5EF4-FFF2-40B4-BE49-F238E27FC236}">
+                <a16:creationId xmlns:a16="http://schemas.microsoft.com/office/drawing/2014/main" id="{4BD5BFAE-7929-40A9-90B9-5CA9DD4346DE}"/>
+              </a:ext>
+            </a:extLst>
+          </p:cNvPr>
+          <p:cNvPicPr>
+            <a:picLocks noChangeAspect="1"/>
+          </p:cNvPicPr>
+          <p:nvPr/>
+        </p:nvPicPr>
+        <p:blipFill>
+          <a:blip r:embed="rId2">
+            <a:extLst>
+              <a:ext uri="{28A0092B-C50C-407E-A947-70E740481C1C}">
+                <a14:useLocalDpi xmlns:a14="http://schemas.microsoft.com/office/drawing/2010/main" val="0"/>
+              </a:ext>
+              <a:ext uri="{96DAC541-7B7A-43D3-8B79-37D633B846F1}">
+                <asvg:svgBlip xmlns:asvg="http://schemas.microsoft.com/office/drawing/2016/SVG/main" r:embed="rId3"/>
+              </a:ext>
+            </a:extLst>
+          </a:blip>
+          <a:stretch>
+            <a:fillRect/>
+          </a:stretch>
+        </p:blipFill>
+        <p:spPr>
+          <a:xfrm>
+            <a:off x="827245" y="3853603"/>
+            <a:ext cx="622300" cy="622300"/>
+          </a:xfrm>
+          <a:prstGeom prst="rect">
+            <a:avLst/>
+          </a:prstGeom>
+        </p:spPr>
+      </p:pic>
+      <p:pic>
+        <p:nvPicPr>
+          <p:cNvPr id="47" name="Graphic 46" descr="Database">
+            <a:extLst>
+              <a:ext uri="{FF2B5EF4-FFF2-40B4-BE49-F238E27FC236}">
+                <a16:creationId xmlns:a16="http://schemas.microsoft.com/office/drawing/2014/main" id="{6DCEA1F1-BA71-4319-88C2-177B590F3494}"/>
+              </a:ext>
+            </a:extLst>
+          </p:cNvPr>
+          <p:cNvPicPr>
+            <a:picLocks noChangeAspect="1"/>
+          </p:cNvPicPr>
+          <p:nvPr/>
+        </p:nvPicPr>
+        <p:blipFill>
+          <a:blip r:embed="rId4">
+            <a:extLst>
+              <a:ext uri="{28A0092B-C50C-407E-A947-70E740481C1C}">
+                <a14:useLocalDpi xmlns:a14="http://schemas.microsoft.com/office/drawing/2010/main" val="0"/>
+              </a:ext>
+              <a:ext uri="{96DAC541-7B7A-43D3-8B79-37D633B846F1}">
+                <asvg:svgBlip xmlns:asvg="http://schemas.microsoft.com/office/drawing/2016/SVG/main" r:embed="rId5"/>
+              </a:ext>
+            </a:extLst>
+          </a:blip>
+          <a:stretch>
+            <a:fillRect/>
+          </a:stretch>
+        </p:blipFill>
+        <p:spPr>
+          <a:xfrm>
+            <a:off x="1988237" y="3289935"/>
+            <a:ext cx="704850" cy="704850"/>
+          </a:xfrm>
+          <a:prstGeom prst="rect">
+            <a:avLst/>
+          </a:prstGeom>
+        </p:spPr>
+      </p:pic>
+      <p:graphicFrame>
+        <p:nvGraphicFramePr>
+          <p:cNvPr id="48" name="Table 30">
+            <a:extLst>
+              <a:ext uri="{FF2B5EF4-FFF2-40B4-BE49-F238E27FC236}">
+                <a16:creationId xmlns:a16="http://schemas.microsoft.com/office/drawing/2014/main" id="{E00CD279-5B84-4BBC-A577-A0D47AA92C2B}"/>
+              </a:ext>
+            </a:extLst>
+          </p:cNvPr>
+          <p:cNvGraphicFramePr>
+            <a:graphicFrameLocks noGrp="1"/>
+          </p:cNvGraphicFramePr>
+          <p:nvPr>
+            <p:extLst>
+              <p:ext uri="{D42A27DB-BD31-4B8C-83A1-F6EECF244321}">
+                <p14:modId xmlns:p14="http://schemas.microsoft.com/office/powerpoint/2010/main" val="551586519"/>
+              </p:ext>
+            </p:extLst>
+          </p:nvPr>
+        </p:nvGraphicFramePr>
+        <p:xfrm>
+          <a:off x="2637279" y="3429000"/>
+          <a:ext cx="1293131" cy="426720"/>
+        </p:xfrm>
+        <a:graphic>
+          <a:graphicData uri="http://schemas.openxmlformats.org/drawingml/2006/table">
+            <a:tbl>
+              <a:tblPr firstRow="1" bandRow="1">
+                <a:tableStyleId>{5C22544A-7EE6-4342-B048-85BDC9FD1C3A}</a:tableStyleId>
+              </a:tblPr>
+              <a:tblGrid>
+                <a:gridCol w="531131">
+                  <a:extLst>
+                    <a:ext uri="{9D8B030D-6E8A-4147-A177-3AD203B41FA5}">
+                      <a16:colId xmlns:a16="http://schemas.microsoft.com/office/drawing/2014/main" val="2779707369"/>
+                    </a:ext>
+                  </a:extLst>
+                </a:gridCol>
+                <a:gridCol w="762000">
+                  <a:extLst>
+                    <a:ext uri="{9D8B030D-6E8A-4147-A177-3AD203B41FA5}">
+                      <a16:colId xmlns:a16="http://schemas.microsoft.com/office/drawing/2014/main" val="2463701266"/>
+                    </a:ext>
+                  </a:extLst>
+                </a:gridCol>
+              </a:tblGrid>
+              <a:tr h="171590">
+                <a:tc>
+                  <a:txBody>
+                    <a:bodyPr/>
+                    <a:lstStyle/>
+                    <a:p>
+                      <a:pPr algn="ctr"/>
+                      <a:r>
+                        <a:rPr lang="pl-PL" sz="800" dirty="0"/>
+                        <a:t>Balance</a:t>
+                      </a:r>
+                      <a:endParaRPr lang="en-US" sz="800" dirty="0"/>
+                    </a:p>
+                  </a:txBody>
+                  <a:tcPr/>
+                </a:tc>
+                <a:tc>
+                  <a:txBody>
+                    <a:bodyPr/>
+                    <a:lstStyle/>
+                    <a:p>
+                      <a:pPr algn="ctr"/>
+                      <a:r>
+                        <a:rPr lang="pl-PL" sz="800" dirty="0"/>
+                        <a:t>Rowversion</a:t>
+                      </a:r>
+                      <a:endParaRPr lang="en-US" sz="800" dirty="0"/>
+                    </a:p>
+                  </a:txBody>
+                  <a:tcPr/>
+                </a:tc>
+                <a:extLst>
+                  <a:ext uri="{0D108BD9-81ED-4DB2-BD59-A6C34878D82A}">
+                    <a16:rowId xmlns:a16="http://schemas.microsoft.com/office/drawing/2014/main" val="1376702336"/>
+                  </a:ext>
+                </a:extLst>
+              </a:tr>
+              <a:tr h="171590">
+                <a:tc>
+                  <a:txBody>
+                    <a:bodyPr/>
+                    <a:lstStyle/>
+                    <a:p>
+                      <a:pPr algn="ctr"/>
+                      <a:r>
+                        <a:rPr lang="pl-PL" sz="800" dirty="0"/>
+                        <a:t>100</a:t>
+                      </a:r>
+                      <a:endParaRPr lang="en-US" sz="800" dirty="0"/>
+                    </a:p>
+                  </a:txBody>
+                  <a:tcPr/>
+                </a:tc>
+                <a:tc>
+                  <a:txBody>
+                    <a:bodyPr/>
+                    <a:lstStyle/>
+                    <a:p>
+                      <a:pPr algn="ctr"/>
+                      <a:r>
+                        <a:rPr lang="pl-PL" sz="800" dirty="0"/>
+                        <a:t>1</a:t>
+                      </a:r>
+                      <a:endParaRPr lang="en-US" sz="800" dirty="0"/>
+                    </a:p>
+                  </a:txBody>
+                  <a:tcPr/>
+                </a:tc>
+                <a:extLst>
+                  <a:ext uri="{0D108BD9-81ED-4DB2-BD59-A6C34878D82A}">
+                    <a16:rowId xmlns:a16="http://schemas.microsoft.com/office/drawing/2014/main" val="222607145"/>
+                  </a:ext>
+                </a:extLst>
+              </a:tr>
+            </a:tbl>
+          </a:graphicData>
+        </a:graphic>
+      </p:graphicFrame>
+      <p:graphicFrame>
+        <p:nvGraphicFramePr>
+          <p:cNvPr id="51" name="Table 30">
+            <a:extLst>
+              <a:ext uri="{FF2B5EF4-FFF2-40B4-BE49-F238E27FC236}">
+                <a16:creationId xmlns:a16="http://schemas.microsoft.com/office/drawing/2014/main" id="{F70BCF9B-0663-4DA9-9140-A68E1EAE1EFF}"/>
+              </a:ext>
+            </a:extLst>
+          </p:cNvPr>
+          <p:cNvGraphicFramePr>
+            <a:graphicFrameLocks noGrp="1"/>
+          </p:cNvGraphicFramePr>
+          <p:nvPr>
+            <p:extLst>
+              <p:ext uri="{D42A27DB-BD31-4B8C-83A1-F6EECF244321}">
+                <p14:modId xmlns:p14="http://schemas.microsoft.com/office/powerpoint/2010/main" val="2982124745"/>
+              </p:ext>
+            </p:extLst>
+          </p:nvPr>
+        </p:nvGraphicFramePr>
+        <p:xfrm>
+          <a:off x="514828" y="3272677"/>
+          <a:ext cx="1293131" cy="426720"/>
+        </p:xfrm>
+        <a:graphic>
+          <a:graphicData uri="http://schemas.openxmlformats.org/drawingml/2006/table">
+            <a:tbl>
+              <a:tblPr firstRow="1" bandRow="1">
+                <a:tableStyleId>{5C22544A-7EE6-4342-B048-85BDC9FD1C3A}</a:tableStyleId>
+              </a:tblPr>
+              <a:tblGrid>
+                <a:gridCol w="531131">
+                  <a:extLst>
+                    <a:ext uri="{9D8B030D-6E8A-4147-A177-3AD203B41FA5}">
+                      <a16:colId xmlns:a16="http://schemas.microsoft.com/office/drawing/2014/main" val="2779707369"/>
+                    </a:ext>
+                  </a:extLst>
+                </a:gridCol>
+                <a:gridCol w="762000">
+                  <a:extLst>
+                    <a:ext uri="{9D8B030D-6E8A-4147-A177-3AD203B41FA5}">
+                      <a16:colId xmlns:a16="http://schemas.microsoft.com/office/drawing/2014/main" val="2463701266"/>
+                    </a:ext>
+                  </a:extLst>
+                </a:gridCol>
+              </a:tblGrid>
+              <a:tr h="171590">
+                <a:tc>
+                  <a:txBody>
+                    <a:bodyPr/>
+                    <a:lstStyle/>
+                    <a:p>
+                      <a:pPr algn="ctr"/>
+                      <a:r>
+                        <a:rPr lang="pl-PL" sz="800" dirty="0"/>
+                        <a:t>Balance</a:t>
+                      </a:r>
+                      <a:endParaRPr lang="en-US" sz="800" dirty="0"/>
+                    </a:p>
+                  </a:txBody>
+                  <a:tcPr/>
+                </a:tc>
+                <a:tc>
+                  <a:txBody>
+                    <a:bodyPr/>
+                    <a:lstStyle/>
+                    <a:p>
+                      <a:pPr algn="ctr"/>
+                      <a:r>
+                        <a:rPr lang="pl-PL" sz="800" dirty="0"/>
+                        <a:t>Rowversion</a:t>
+                      </a:r>
+                      <a:endParaRPr lang="en-US" sz="800" dirty="0"/>
+                    </a:p>
+                  </a:txBody>
+                  <a:tcPr/>
+                </a:tc>
+                <a:extLst>
+                  <a:ext uri="{0D108BD9-81ED-4DB2-BD59-A6C34878D82A}">
+                    <a16:rowId xmlns:a16="http://schemas.microsoft.com/office/drawing/2014/main" val="1376702336"/>
+                  </a:ext>
+                </a:extLst>
+              </a:tr>
+              <a:tr h="171590">
+                <a:tc>
+                  <a:txBody>
+                    <a:bodyPr/>
+                    <a:lstStyle/>
+                    <a:p>
+                      <a:pPr algn="ctr"/>
+                      <a:r>
+                        <a:rPr lang="pl-PL" sz="800" dirty="0"/>
+                        <a:t>120</a:t>
+                      </a:r>
+                      <a:endParaRPr lang="en-US" sz="800" dirty="0"/>
+                    </a:p>
+                  </a:txBody>
+                  <a:tcPr/>
+                </a:tc>
+                <a:tc>
+                  <a:txBody>
+                    <a:bodyPr/>
+                    <a:lstStyle/>
+                    <a:p>
+                      <a:pPr algn="ctr"/>
+                      <a:r>
+                        <a:rPr lang="pl-PL" sz="800" dirty="0"/>
+                        <a:t>1</a:t>
+                      </a:r>
+                      <a:endParaRPr lang="en-US" sz="800" dirty="0"/>
+                    </a:p>
+                  </a:txBody>
+                  <a:tcPr/>
+                </a:tc>
+                <a:extLst>
+                  <a:ext uri="{0D108BD9-81ED-4DB2-BD59-A6C34878D82A}">
+                    <a16:rowId xmlns:a16="http://schemas.microsoft.com/office/drawing/2014/main" val="222607145"/>
+                  </a:ext>
+                </a:extLst>
+              </a:tr>
+            </a:tbl>
+          </a:graphicData>
+        </a:graphic>
+      </p:graphicFrame>
+      <p:graphicFrame>
+        <p:nvGraphicFramePr>
+          <p:cNvPr id="52" name="Table 30">
+            <a:extLst>
+              <a:ext uri="{FF2B5EF4-FFF2-40B4-BE49-F238E27FC236}">
+                <a16:creationId xmlns:a16="http://schemas.microsoft.com/office/drawing/2014/main" id="{15E155B7-81D6-4F33-BF4E-C4D90C840F66}"/>
+              </a:ext>
+            </a:extLst>
+          </p:cNvPr>
+          <p:cNvGraphicFramePr>
+            <a:graphicFrameLocks noGrp="1"/>
+          </p:cNvGraphicFramePr>
+          <p:nvPr>
+            <p:extLst>
+              <p:ext uri="{D42A27DB-BD31-4B8C-83A1-F6EECF244321}">
+                <p14:modId xmlns:p14="http://schemas.microsoft.com/office/powerpoint/2010/main" val="1527310636"/>
+              </p:ext>
+            </p:extLst>
+          </p:nvPr>
+        </p:nvGraphicFramePr>
+        <p:xfrm>
+          <a:off x="491829" y="4475903"/>
+          <a:ext cx="1293131" cy="426720"/>
+        </p:xfrm>
+        <a:graphic>
+          <a:graphicData uri="http://schemas.openxmlformats.org/drawingml/2006/table">
+            <a:tbl>
+              <a:tblPr firstRow="1" bandRow="1">
+                <a:tableStyleId>{5C22544A-7EE6-4342-B048-85BDC9FD1C3A}</a:tableStyleId>
+              </a:tblPr>
+              <a:tblGrid>
+                <a:gridCol w="531131">
+                  <a:extLst>
+                    <a:ext uri="{9D8B030D-6E8A-4147-A177-3AD203B41FA5}">
+                      <a16:colId xmlns:a16="http://schemas.microsoft.com/office/drawing/2014/main" val="2779707369"/>
+                    </a:ext>
+                  </a:extLst>
+                </a:gridCol>
+                <a:gridCol w="762000">
+                  <a:extLst>
+                    <a:ext uri="{9D8B030D-6E8A-4147-A177-3AD203B41FA5}">
+                      <a16:colId xmlns:a16="http://schemas.microsoft.com/office/drawing/2014/main" val="2463701266"/>
+                    </a:ext>
+                  </a:extLst>
+                </a:gridCol>
+              </a:tblGrid>
+              <a:tr h="171590">
+                <a:tc>
+                  <a:txBody>
+                    <a:bodyPr/>
+                    <a:lstStyle/>
+                    <a:p>
+                      <a:pPr algn="ctr"/>
+                      <a:r>
+                        <a:rPr lang="pl-PL" sz="800" dirty="0"/>
+                        <a:t>Balance</a:t>
+                      </a:r>
+                      <a:endParaRPr lang="en-US" sz="800" dirty="0"/>
+                    </a:p>
+                  </a:txBody>
+                  <a:tcPr/>
+                </a:tc>
+                <a:tc>
+                  <a:txBody>
+                    <a:bodyPr/>
+                    <a:lstStyle/>
+                    <a:p>
+                      <a:pPr algn="ctr"/>
+                      <a:r>
+                        <a:rPr lang="pl-PL" sz="800" dirty="0"/>
+                        <a:t>Rowversion</a:t>
+                      </a:r>
+                      <a:endParaRPr lang="en-US" sz="800" dirty="0"/>
+                    </a:p>
+                  </a:txBody>
+                  <a:tcPr/>
+                </a:tc>
+                <a:extLst>
+                  <a:ext uri="{0D108BD9-81ED-4DB2-BD59-A6C34878D82A}">
+                    <a16:rowId xmlns:a16="http://schemas.microsoft.com/office/drawing/2014/main" val="1376702336"/>
+                  </a:ext>
+                </a:extLst>
+              </a:tr>
+              <a:tr h="171590">
+                <a:tc>
+                  <a:txBody>
+                    <a:bodyPr/>
+                    <a:lstStyle/>
+                    <a:p>
+                      <a:pPr algn="ctr"/>
+                      <a:r>
+                        <a:rPr lang="pl-PL" sz="800" dirty="0"/>
+                        <a:t>80</a:t>
+                      </a:r>
+                      <a:endParaRPr lang="en-US" sz="800" dirty="0"/>
+                    </a:p>
+                  </a:txBody>
+                  <a:tcPr/>
+                </a:tc>
+                <a:tc>
+                  <a:txBody>
+                    <a:bodyPr/>
+                    <a:lstStyle/>
+                    <a:p>
+                      <a:pPr algn="ctr"/>
+                      <a:r>
+                        <a:rPr lang="pl-PL" sz="800" dirty="0"/>
+                        <a:t>1</a:t>
+                      </a:r>
+                      <a:endParaRPr lang="en-US" sz="800" dirty="0"/>
+                    </a:p>
+                  </a:txBody>
+                  <a:tcPr/>
+                </a:tc>
+                <a:extLst>
+                  <a:ext uri="{0D108BD9-81ED-4DB2-BD59-A6C34878D82A}">
+                    <a16:rowId xmlns:a16="http://schemas.microsoft.com/office/drawing/2014/main" val="222607145"/>
+                  </a:ext>
+                </a:extLst>
+              </a:tr>
+            </a:tbl>
+          </a:graphicData>
+        </a:graphic>
+      </p:graphicFrame>
+      <p:sp>
+        <p:nvSpPr>
+          <p:cNvPr id="53" name="TextBox 52">
+            <a:extLst>
+              <a:ext uri="{FF2B5EF4-FFF2-40B4-BE49-F238E27FC236}">
+                <a16:creationId xmlns:a16="http://schemas.microsoft.com/office/drawing/2014/main" id="{278251A4-7193-4CA6-870A-6BAB1FF2AEF9}"/>
+              </a:ext>
+            </a:extLst>
+          </p:cNvPr>
+          <p:cNvSpPr txBox="1"/>
+          <p:nvPr/>
+        </p:nvSpPr>
+        <p:spPr>
+          <a:xfrm>
+            <a:off x="1014559" y="2928824"/>
+            <a:ext cx="293670" cy="307777"/>
+          </a:xfrm>
+          <a:prstGeom prst="rect">
+            <a:avLst/>
+          </a:prstGeom>
+          <a:noFill/>
+        </p:spPr>
+        <p:txBody>
+          <a:bodyPr wrap="none" rtlCol="0">
+            <a:spAutoFit/>
+          </a:bodyPr>
+          <a:lstStyle/>
+          <a:p>
+            <a:pPr algn="ctr"/>
+            <a:r>
+              <a:rPr lang="pl-PL" sz="1400" b="1" dirty="0">
+                <a:solidFill>
+                  <a:schemeClr val="bg1"/>
+                </a:solidFill>
+              </a:rPr>
+              <a:t>A</a:t>
+            </a:r>
+            <a:endParaRPr lang="en-US" sz="1400" b="1" dirty="0">
+              <a:solidFill>
+                <a:schemeClr val="bg1"/>
+              </a:solidFill>
+            </a:endParaRPr>
+          </a:p>
+        </p:txBody>
+      </p:sp>
+      <p:sp>
+        <p:nvSpPr>
+          <p:cNvPr id="54" name="TextBox 53">
+            <a:extLst>
+              <a:ext uri="{FF2B5EF4-FFF2-40B4-BE49-F238E27FC236}">
+                <a16:creationId xmlns:a16="http://schemas.microsoft.com/office/drawing/2014/main" id="{78A81839-050A-4646-923D-183BB50B3913}"/>
+              </a:ext>
+            </a:extLst>
+          </p:cNvPr>
+          <p:cNvSpPr txBox="1"/>
+          <p:nvPr/>
+        </p:nvSpPr>
+        <p:spPr>
+          <a:xfrm>
+            <a:off x="996660" y="4123221"/>
+            <a:ext cx="285656" cy="307777"/>
+          </a:xfrm>
+          <a:prstGeom prst="rect">
+            <a:avLst/>
+          </a:prstGeom>
+          <a:noFill/>
+        </p:spPr>
+        <p:txBody>
+          <a:bodyPr wrap="none" rtlCol="0">
+            <a:spAutoFit/>
+          </a:bodyPr>
+          <a:lstStyle/>
+          <a:p>
+            <a:pPr algn="ctr"/>
+            <a:r>
+              <a:rPr lang="pl-PL" sz="1400" b="1" dirty="0">
+                <a:solidFill>
+                  <a:schemeClr val="bg1"/>
+                </a:solidFill>
+              </a:rPr>
+              <a:t>B</a:t>
+            </a:r>
+            <a:endParaRPr lang="en-US" sz="1400" b="1" dirty="0">
+              <a:solidFill>
+                <a:schemeClr val="bg1"/>
+              </a:solidFill>
+            </a:endParaRPr>
+          </a:p>
+        </p:txBody>
+      </p:sp>
+      <p:sp>
+        <p:nvSpPr>
+          <p:cNvPr id="65" name="Arrow: Bent 64">
+            <a:extLst>
+              <a:ext uri="{FF2B5EF4-FFF2-40B4-BE49-F238E27FC236}">
+                <a16:creationId xmlns:a16="http://schemas.microsoft.com/office/drawing/2014/main" id="{9996951D-397B-4D8D-A3F0-2525D42F7AA7}"/>
+              </a:ext>
+            </a:extLst>
+          </p:cNvPr>
+          <p:cNvSpPr/>
+          <p:nvPr/>
+        </p:nvSpPr>
+        <p:spPr>
+          <a:xfrm rot="16200000" flipV="1">
+            <a:off x="5953126" y="1171366"/>
+            <a:ext cx="285748" cy="914816"/>
+          </a:xfrm>
+          <a:prstGeom prst="bentArrow">
+            <a:avLst>
+              <a:gd name="adj1" fmla="val 21755"/>
+              <a:gd name="adj2" fmla="val 20866"/>
+              <a:gd name="adj3" fmla="val 20830"/>
+              <a:gd name="adj4" fmla="val 43750"/>
+            </a:avLst>
+          </a:prstGeom>
+        </p:spPr>
+        <p:style>
+          <a:lnRef idx="2">
+            <a:schemeClr val="accent1">
+              <a:shade val="50000"/>
+            </a:schemeClr>
+          </a:lnRef>
+          <a:fillRef idx="1">
+            <a:schemeClr val="accent1"/>
+          </a:fillRef>
+          <a:effectRef idx="0">
+            <a:schemeClr val="accent1"/>
+          </a:effectRef>
+          <a:fontRef idx="minor">
+            <a:schemeClr val="lt1"/>
+          </a:fontRef>
+        </p:style>
+        <p:txBody>
+          <a:bodyPr rtlCol="0" anchor="ctr"/>
+          <a:lstStyle/>
+          <a:p>
+            <a:pPr algn="ctr"/>
+            <a:endParaRPr lang="en-US">
+              <a:solidFill>
+                <a:schemeClr val="tx1"/>
+              </a:solidFill>
+            </a:endParaRPr>
+          </a:p>
+        </p:txBody>
+      </p:sp>
+      <p:pic>
+        <p:nvPicPr>
+          <p:cNvPr id="66" name="Graphic 65" descr="User">
+            <a:extLst>
+              <a:ext uri="{FF2B5EF4-FFF2-40B4-BE49-F238E27FC236}">
+                <a16:creationId xmlns:a16="http://schemas.microsoft.com/office/drawing/2014/main" id="{3E171E19-51CD-4463-AD05-AF8EFB8601B0}"/>
+              </a:ext>
+            </a:extLst>
+          </p:cNvPr>
+          <p:cNvPicPr>
+            <a:picLocks noChangeAspect="1"/>
+          </p:cNvPicPr>
+          <p:nvPr/>
+        </p:nvPicPr>
+        <p:blipFill>
+          <a:blip r:embed="rId2">
+            <a:extLst>
+              <a:ext uri="{28A0092B-C50C-407E-A947-70E740481C1C}">
+                <a14:useLocalDpi xmlns:a14="http://schemas.microsoft.com/office/drawing/2010/main" val="0"/>
+              </a:ext>
+              <a:ext uri="{96DAC541-7B7A-43D3-8B79-37D633B846F1}">
+                <asvg:svgBlip xmlns:asvg="http://schemas.microsoft.com/office/drawing/2016/SVG/main" r:embed="rId3"/>
+              </a:ext>
+            </a:extLst>
+          </a:blip>
+          <a:stretch>
+            <a:fillRect/>
+          </a:stretch>
+        </p:blipFill>
+        <p:spPr>
+          <a:xfrm>
+            <a:off x="5006611" y="227823"/>
+            <a:ext cx="622300" cy="622300"/>
+          </a:xfrm>
+          <a:prstGeom prst="rect">
+            <a:avLst/>
+          </a:prstGeom>
+        </p:spPr>
+      </p:pic>
+      <p:pic>
+        <p:nvPicPr>
+          <p:cNvPr id="67" name="Graphic 66" descr="User">
+            <a:extLst>
+              <a:ext uri="{FF2B5EF4-FFF2-40B4-BE49-F238E27FC236}">
+                <a16:creationId xmlns:a16="http://schemas.microsoft.com/office/drawing/2014/main" id="{B5B34FC8-835A-4144-B089-C21B970DF8E4}"/>
+              </a:ext>
+            </a:extLst>
+          </p:cNvPr>
+          <p:cNvPicPr>
+            <a:picLocks noChangeAspect="1"/>
+          </p:cNvPicPr>
+          <p:nvPr/>
+        </p:nvPicPr>
+        <p:blipFill>
+          <a:blip r:embed="rId2">
+            <a:extLst>
+              <a:ext uri="{28A0092B-C50C-407E-A947-70E740481C1C}">
+                <a14:useLocalDpi xmlns:a14="http://schemas.microsoft.com/office/drawing/2010/main" val="0"/>
+              </a:ext>
+              <a:ext uri="{96DAC541-7B7A-43D3-8B79-37D633B846F1}">
+                <asvg:svgBlip xmlns:asvg="http://schemas.microsoft.com/office/drawing/2016/SVG/main" r:embed="rId3"/>
+              </a:ext>
+            </a:extLst>
+          </a:blip>
+          <a:stretch>
+            <a:fillRect/>
+          </a:stretch>
+        </p:blipFill>
+        <p:spPr>
+          <a:xfrm>
+            <a:off x="4983611" y="1425574"/>
+            <a:ext cx="622300" cy="622300"/>
+          </a:xfrm>
+          <a:prstGeom prst="rect">
+            <a:avLst/>
+          </a:prstGeom>
+        </p:spPr>
+      </p:pic>
+      <p:pic>
+        <p:nvPicPr>
+          <p:cNvPr id="68" name="Graphic 67" descr="Database">
+            <a:extLst>
+              <a:ext uri="{FF2B5EF4-FFF2-40B4-BE49-F238E27FC236}">
+                <a16:creationId xmlns:a16="http://schemas.microsoft.com/office/drawing/2014/main" id="{4B05D6AB-6FE7-41EC-882C-CCEC7384BC03}"/>
+              </a:ext>
+            </a:extLst>
+          </p:cNvPr>
+          <p:cNvPicPr>
+            <a:picLocks noChangeAspect="1"/>
+          </p:cNvPicPr>
+          <p:nvPr/>
+        </p:nvPicPr>
+        <p:blipFill>
+          <a:blip r:embed="rId4">
+            <a:extLst>
+              <a:ext uri="{28A0092B-C50C-407E-A947-70E740481C1C}">
+                <a14:useLocalDpi xmlns:a14="http://schemas.microsoft.com/office/drawing/2010/main" val="0"/>
+              </a:ext>
+              <a:ext uri="{96DAC541-7B7A-43D3-8B79-37D633B846F1}">
+                <asvg:svgBlip xmlns:asvg="http://schemas.microsoft.com/office/drawing/2016/SVG/main" r:embed="rId5"/>
+              </a:ext>
+            </a:extLst>
+          </a:blip>
+          <a:stretch>
+            <a:fillRect/>
+          </a:stretch>
+        </p:blipFill>
+        <p:spPr>
+          <a:xfrm>
+            <a:off x="6144603" y="753956"/>
+            <a:ext cx="704850" cy="704850"/>
+          </a:xfrm>
+          <a:prstGeom prst="rect">
+            <a:avLst/>
+          </a:prstGeom>
+        </p:spPr>
+      </p:pic>
+      <p:graphicFrame>
+        <p:nvGraphicFramePr>
+          <p:cNvPr id="69" name="Table 30">
+            <a:extLst>
+              <a:ext uri="{FF2B5EF4-FFF2-40B4-BE49-F238E27FC236}">
+                <a16:creationId xmlns:a16="http://schemas.microsoft.com/office/drawing/2014/main" id="{DBA1A451-6DEE-4549-B27C-1A834B433B2C}"/>
+              </a:ext>
+            </a:extLst>
+          </p:cNvPr>
+          <p:cNvGraphicFramePr>
+            <a:graphicFrameLocks noGrp="1"/>
+          </p:cNvGraphicFramePr>
+          <p:nvPr>
+            <p:extLst>
+              <p:ext uri="{D42A27DB-BD31-4B8C-83A1-F6EECF244321}">
+                <p14:modId xmlns:p14="http://schemas.microsoft.com/office/powerpoint/2010/main" val="3865949643"/>
+              </p:ext>
+            </p:extLst>
+          </p:nvPr>
+        </p:nvGraphicFramePr>
+        <p:xfrm>
+          <a:off x="6793645" y="893021"/>
+          <a:ext cx="1293131" cy="426720"/>
+        </p:xfrm>
+        <a:graphic>
+          <a:graphicData uri="http://schemas.openxmlformats.org/drawingml/2006/table">
+            <a:tbl>
+              <a:tblPr firstRow="1" bandRow="1">
+                <a:tableStyleId>{5C22544A-7EE6-4342-B048-85BDC9FD1C3A}</a:tableStyleId>
+              </a:tblPr>
+              <a:tblGrid>
+                <a:gridCol w="531131">
+                  <a:extLst>
+                    <a:ext uri="{9D8B030D-6E8A-4147-A177-3AD203B41FA5}">
+                      <a16:colId xmlns:a16="http://schemas.microsoft.com/office/drawing/2014/main" val="2779707369"/>
+                    </a:ext>
+                  </a:extLst>
+                </a:gridCol>
+                <a:gridCol w="762000">
+                  <a:extLst>
+                    <a:ext uri="{9D8B030D-6E8A-4147-A177-3AD203B41FA5}">
+                      <a16:colId xmlns:a16="http://schemas.microsoft.com/office/drawing/2014/main" val="2463701266"/>
+                    </a:ext>
+                  </a:extLst>
+                </a:gridCol>
+              </a:tblGrid>
+              <a:tr h="171590">
+                <a:tc>
+                  <a:txBody>
+                    <a:bodyPr/>
+                    <a:lstStyle/>
+                    <a:p>
+                      <a:pPr algn="ctr"/>
+                      <a:r>
+                        <a:rPr lang="pl-PL" sz="800" dirty="0"/>
+                        <a:t>Balance</a:t>
+                      </a:r>
+                      <a:endParaRPr lang="en-US" sz="800" dirty="0"/>
+                    </a:p>
+                  </a:txBody>
+                  <a:tcPr/>
+                </a:tc>
+                <a:tc>
+                  <a:txBody>
+                    <a:bodyPr/>
+                    <a:lstStyle/>
+                    <a:p>
+                      <a:pPr algn="ctr"/>
+                      <a:r>
+                        <a:rPr lang="pl-PL" sz="800" dirty="0"/>
+                        <a:t>Rowversion</a:t>
+                      </a:r>
+                      <a:endParaRPr lang="en-US" sz="800" dirty="0"/>
+                    </a:p>
+                  </a:txBody>
+                  <a:tcPr/>
+                </a:tc>
+                <a:extLst>
+                  <a:ext uri="{0D108BD9-81ED-4DB2-BD59-A6C34878D82A}">
+                    <a16:rowId xmlns:a16="http://schemas.microsoft.com/office/drawing/2014/main" val="1376702336"/>
+                  </a:ext>
+                </a:extLst>
+              </a:tr>
+              <a:tr h="171590">
+                <a:tc>
+                  <a:txBody>
+                    <a:bodyPr/>
+                    <a:lstStyle/>
+                    <a:p>
+                      <a:pPr algn="ctr"/>
+                      <a:r>
+                        <a:rPr lang="pl-PL" sz="800" dirty="0"/>
+                        <a:t>120</a:t>
+                      </a:r>
+                      <a:endParaRPr lang="en-US" sz="800" dirty="0"/>
+                    </a:p>
+                  </a:txBody>
+                  <a:tcPr/>
+                </a:tc>
+                <a:tc>
+                  <a:txBody>
+                    <a:bodyPr/>
+                    <a:lstStyle/>
+                    <a:p>
+                      <a:pPr algn="ctr"/>
+                      <a:r>
+                        <a:rPr lang="pl-PL" sz="800" dirty="0"/>
+                        <a:t>2</a:t>
+                      </a:r>
+                      <a:endParaRPr lang="en-US" sz="800" dirty="0"/>
+                    </a:p>
+                  </a:txBody>
+                  <a:tcPr/>
+                </a:tc>
+                <a:extLst>
+                  <a:ext uri="{0D108BD9-81ED-4DB2-BD59-A6C34878D82A}">
+                    <a16:rowId xmlns:a16="http://schemas.microsoft.com/office/drawing/2014/main" val="222607145"/>
+                  </a:ext>
+                </a:extLst>
+              </a:tr>
+            </a:tbl>
+          </a:graphicData>
+        </a:graphic>
+      </p:graphicFrame>
+      <p:graphicFrame>
+        <p:nvGraphicFramePr>
+          <p:cNvPr id="70" name="Table 30">
+            <a:extLst>
+              <a:ext uri="{FF2B5EF4-FFF2-40B4-BE49-F238E27FC236}">
+                <a16:creationId xmlns:a16="http://schemas.microsoft.com/office/drawing/2014/main" id="{3EB5D91D-EBF3-46DB-A5CB-6460270EBA1E}"/>
+              </a:ext>
+            </a:extLst>
+          </p:cNvPr>
+          <p:cNvGraphicFramePr>
+            <a:graphicFrameLocks noGrp="1"/>
+          </p:cNvGraphicFramePr>
+          <p:nvPr>
+            <p:extLst>
+              <p:ext uri="{D42A27DB-BD31-4B8C-83A1-F6EECF244321}">
+                <p14:modId xmlns:p14="http://schemas.microsoft.com/office/powerpoint/2010/main" val="3022852311"/>
+              </p:ext>
+            </p:extLst>
+          </p:nvPr>
+        </p:nvGraphicFramePr>
+        <p:xfrm>
+          <a:off x="4671194" y="835758"/>
+          <a:ext cx="1293131" cy="426720"/>
+        </p:xfrm>
+        <a:graphic>
+          <a:graphicData uri="http://schemas.openxmlformats.org/drawingml/2006/table">
+            <a:tbl>
+              <a:tblPr firstRow="1" bandRow="1">
+                <a:tableStyleId>{5C22544A-7EE6-4342-B048-85BDC9FD1C3A}</a:tableStyleId>
+              </a:tblPr>
+              <a:tblGrid>
+                <a:gridCol w="531131">
+                  <a:extLst>
+                    <a:ext uri="{9D8B030D-6E8A-4147-A177-3AD203B41FA5}">
+                      <a16:colId xmlns:a16="http://schemas.microsoft.com/office/drawing/2014/main" val="2779707369"/>
+                    </a:ext>
+                  </a:extLst>
+                </a:gridCol>
+                <a:gridCol w="762000">
+                  <a:extLst>
+                    <a:ext uri="{9D8B030D-6E8A-4147-A177-3AD203B41FA5}">
+                      <a16:colId xmlns:a16="http://schemas.microsoft.com/office/drawing/2014/main" val="2463701266"/>
+                    </a:ext>
+                  </a:extLst>
+                </a:gridCol>
+              </a:tblGrid>
+              <a:tr h="171590">
+                <a:tc>
+                  <a:txBody>
+                    <a:bodyPr/>
+                    <a:lstStyle/>
+                    <a:p>
+                      <a:pPr algn="ctr"/>
+                      <a:r>
+                        <a:rPr lang="pl-PL" sz="800" dirty="0"/>
+                        <a:t>Balance</a:t>
+                      </a:r>
+                      <a:endParaRPr lang="en-US" sz="800" dirty="0"/>
+                    </a:p>
+                  </a:txBody>
+                  <a:tcPr/>
+                </a:tc>
+                <a:tc>
+                  <a:txBody>
+                    <a:bodyPr/>
+                    <a:lstStyle/>
+                    <a:p>
+                      <a:pPr algn="ctr"/>
+                      <a:r>
+                        <a:rPr lang="pl-PL" sz="800" dirty="0"/>
+                        <a:t>Rowversion</a:t>
+                      </a:r>
+                      <a:endParaRPr lang="en-US" sz="800" dirty="0"/>
+                    </a:p>
+                  </a:txBody>
+                  <a:tcPr/>
+                </a:tc>
+                <a:extLst>
+                  <a:ext uri="{0D108BD9-81ED-4DB2-BD59-A6C34878D82A}">
+                    <a16:rowId xmlns:a16="http://schemas.microsoft.com/office/drawing/2014/main" val="1376702336"/>
+                  </a:ext>
+                </a:extLst>
+              </a:tr>
+              <a:tr h="171590">
+                <a:tc>
+                  <a:txBody>
+                    <a:bodyPr/>
+                    <a:lstStyle/>
+                    <a:p>
+                      <a:pPr algn="ctr"/>
+                      <a:r>
+                        <a:rPr lang="pl-PL" sz="800" dirty="0"/>
+                        <a:t>120</a:t>
+                      </a:r>
+                      <a:endParaRPr lang="en-US" sz="800" dirty="0"/>
+                    </a:p>
+                  </a:txBody>
+                  <a:tcPr/>
+                </a:tc>
+                <a:tc>
+                  <a:txBody>
+                    <a:bodyPr/>
+                    <a:lstStyle/>
+                    <a:p>
+                      <a:pPr algn="ctr"/>
+                      <a:r>
+                        <a:rPr lang="pl-PL" sz="800" dirty="0"/>
+                        <a:t>1</a:t>
+                      </a:r>
+                      <a:endParaRPr lang="en-US" sz="800" dirty="0"/>
+                    </a:p>
+                  </a:txBody>
+                  <a:tcPr/>
+                </a:tc>
+                <a:extLst>
+                  <a:ext uri="{0D108BD9-81ED-4DB2-BD59-A6C34878D82A}">
+                    <a16:rowId xmlns:a16="http://schemas.microsoft.com/office/drawing/2014/main" val="222607145"/>
+                  </a:ext>
+                </a:extLst>
+              </a:tr>
+            </a:tbl>
+          </a:graphicData>
+        </a:graphic>
+      </p:graphicFrame>
+      <p:graphicFrame>
+        <p:nvGraphicFramePr>
+          <p:cNvPr id="71" name="Table 30">
+            <a:extLst>
+              <a:ext uri="{FF2B5EF4-FFF2-40B4-BE49-F238E27FC236}">
+                <a16:creationId xmlns:a16="http://schemas.microsoft.com/office/drawing/2014/main" id="{9E92DE00-CD74-4EAD-8224-FB5A1F688BDA}"/>
+              </a:ext>
+            </a:extLst>
+          </p:cNvPr>
+          <p:cNvGraphicFramePr>
+            <a:graphicFrameLocks noGrp="1"/>
+          </p:cNvGraphicFramePr>
+          <p:nvPr>
+            <p:extLst>
+              <p:ext uri="{D42A27DB-BD31-4B8C-83A1-F6EECF244321}">
+                <p14:modId xmlns:p14="http://schemas.microsoft.com/office/powerpoint/2010/main" val="194397037"/>
+              </p:ext>
+            </p:extLst>
+          </p:nvPr>
+        </p:nvGraphicFramePr>
+        <p:xfrm>
+          <a:off x="4648195" y="2047874"/>
+          <a:ext cx="1293131" cy="426720"/>
+        </p:xfrm>
+        <a:graphic>
+          <a:graphicData uri="http://schemas.openxmlformats.org/drawingml/2006/table">
+            <a:tbl>
+              <a:tblPr firstRow="1" bandRow="1">
+                <a:tableStyleId>{5C22544A-7EE6-4342-B048-85BDC9FD1C3A}</a:tableStyleId>
+              </a:tblPr>
+              <a:tblGrid>
+                <a:gridCol w="531131">
+                  <a:extLst>
+                    <a:ext uri="{9D8B030D-6E8A-4147-A177-3AD203B41FA5}">
+                      <a16:colId xmlns:a16="http://schemas.microsoft.com/office/drawing/2014/main" val="2779707369"/>
+                    </a:ext>
+                  </a:extLst>
+                </a:gridCol>
+                <a:gridCol w="762000">
+                  <a:extLst>
+                    <a:ext uri="{9D8B030D-6E8A-4147-A177-3AD203B41FA5}">
+                      <a16:colId xmlns:a16="http://schemas.microsoft.com/office/drawing/2014/main" val="2463701266"/>
+                    </a:ext>
+                  </a:extLst>
+                </a:gridCol>
+              </a:tblGrid>
+              <a:tr h="171590">
+                <a:tc>
+                  <a:txBody>
+                    <a:bodyPr/>
+                    <a:lstStyle/>
+                    <a:p>
+                      <a:pPr algn="ctr"/>
+                      <a:r>
+                        <a:rPr lang="pl-PL" sz="800" dirty="0"/>
+                        <a:t>Balance</a:t>
+                      </a:r>
+                      <a:endParaRPr lang="en-US" sz="800" dirty="0"/>
+                    </a:p>
+                  </a:txBody>
+                  <a:tcPr/>
+                </a:tc>
+                <a:tc>
+                  <a:txBody>
+                    <a:bodyPr/>
+                    <a:lstStyle/>
+                    <a:p>
+                      <a:pPr algn="ctr"/>
+                      <a:r>
+                        <a:rPr lang="pl-PL" sz="800" dirty="0"/>
+                        <a:t>Rowversion</a:t>
+                      </a:r>
+                      <a:endParaRPr lang="en-US" sz="800" dirty="0"/>
+                    </a:p>
+                  </a:txBody>
+                  <a:tcPr/>
+                </a:tc>
+                <a:extLst>
+                  <a:ext uri="{0D108BD9-81ED-4DB2-BD59-A6C34878D82A}">
+                    <a16:rowId xmlns:a16="http://schemas.microsoft.com/office/drawing/2014/main" val="1376702336"/>
+                  </a:ext>
+                </a:extLst>
+              </a:tr>
+              <a:tr h="171590">
+                <a:tc>
+                  <a:txBody>
+                    <a:bodyPr/>
+                    <a:lstStyle/>
+                    <a:p>
+                      <a:pPr algn="ctr"/>
+                      <a:r>
+                        <a:rPr lang="pl-PL" sz="800" dirty="0"/>
+                        <a:t>80</a:t>
+                      </a:r>
+                      <a:endParaRPr lang="en-US" sz="800" dirty="0"/>
+                    </a:p>
+                  </a:txBody>
+                  <a:tcPr/>
+                </a:tc>
+                <a:tc>
+                  <a:txBody>
+                    <a:bodyPr/>
+                    <a:lstStyle/>
+                    <a:p>
+                      <a:pPr algn="ctr"/>
+                      <a:r>
+                        <a:rPr lang="pl-PL" sz="800" dirty="0"/>
+                        <a:t>1</a:t>
+                      </a:r>
+                      <a:endParaRPr lang="en-US" sz="800" dirty="0"/>
+                    </a:p>
+                  </a:txBody>
+                  <a:tcPr/>
+                </a:tc>
+                <a:extLst>
+                  <a:ext uri="{0D108BD9-81ED-4DB2-BD59-A6C34878D82A}">
+                    <a16:rowId xmlns:a16="http://schemas.microsoft.com/office/drawing/2014/main" val="222607145"/>
+                  </a:ext>
+                </a:extLst>
+              </a:tr>
+            </a:tbl>
+          </a:graphicData>
+        </a:graphic>
+      </p:graphicFrame>
+      <p:sp>
+        <p:nvSpPr>
+          <p:cNvPr id="72" name="TextBox 71">
+            <a:extLst>
+              <a:ext uri="{FF2B5EF4-FFF2-40B4-BE49-F238E27FC236}">
+                <a16:creationId xmlns:a16="http://schemas.microsoft.com/office/drawing/2014/main" id="{3EE85425-3292-42F7-9582-88BAF4C1F03B}"/>
+              </a:ext>
+            </a:extLst>
+          </p:cNvPr>
+          <p:cNvSpPr txBox="1"/>
+          <p:nvPr/>
+        </p:nvSpPr>
+        <p:spPr>
+          <a:xfrm>
+            <a:off x="5170925" y="491905"/>
+            <a:ext cx="293670" cy="307777"/>
+          </a:xfrm>
+          <a:prstGeom prst="rect">
+            <a:avLst/>
+          </a:prstGeom>
+          <a:noFill/>
+        </p:spPr>
+        <p:txBody>
+          <a:bodyPr wrap="none" rtlCol="0">
+            <a:spAutoFit/>
+          </a:bodyPr>
+          <a:lstStyle/>
+          <a:p>
+            <a:pPr algn="ctr"/>
+            <a:r>
+              <a:rPr lang="pl-PL" sz="1400" b="1" dirty="0">
+                <a:solidFill>
+                  <a:schemeClr val="bg1"/>
+                </a:solidFill>
+              </a:rPr>
+              <a:t>A</a:t>
+            </a:r>
+            <a:endParaRPr lang="en-US" sz="1400" b="1" dirty="0">
+              <a:solidFill>
+                <a:schemeClr val="bg1"/>
+              </a:solidFill>
+            </a:endParaRPr>
+          </a:p>
+        </p:txBody>
+      </p:sp>
+      <p:sp>
+        <p:nvSpPr>
+          <p:cNvPr id="73" name="TextBox 72">
+            <a:extLst>
+              <a:ext uri="{FF2B5EF4-FFF2-40B4-BE49-F238E27FC236}">
+                <a16:creationId xmlns:a16="http://schemas.microsoft.com/office/drawing/2014/main" id="{AAA7B19F-A936-4B76-89ED-63CCA8118D95}"/>
+              </a:ext>
+            </a:extLst>
+          </p:cNvPr>
+          <p:cNvSpPr txBox="1"/>
+          <p:nvPr/>
+        </p:nvSpPr>
+        <p:spPr>
+          <a:xfrm>
+            <a:off x="5153026" y="1695192"/>
+            <a:ext cx="285656" cy="307777"/>
+          </a:xfrm>
+          <a:prstGeom prst="rect">
+            <a:avLst/>
+          </a:prstGeom>
+          <a:noFill/>
+        </p:spPr>
+        <p:txBody>
+          <a:bodyPr wrap="none" rtlCol="0">
+            <a:spAutoFit/>
+          </a:bodyPr>
+          <a:lstStyle/>
+          <a:p>
+            <a:pPr algn="ctr"/>
+            <a:r>
+              <a:rPr lang="pl-PL" sz="1400" b="1" dirty="0">
+                <a:solidFill>
+                  <a:schemeClr val="bg1"/>
+                </a:solidFill>
+              </a:rPr>
+              <a:t>B</a:t>
+            </a:r>
+            <a:endParaRPr lang="en-US" sz="1400" b="1" dirty="0">
+              <a:solidFill>
+                <a:schemeClr val="bg1"/>
+              </a:solidFill>
+            </a:endParaRPr>
+          </a:p>
+        </p:txBody>
+      </p:sp>
+      <p:graphicFrame>
+        <p:nvGraphicFramePr>
+          <p:cNvPr id="75" name="Table 30">
+            <a:extLst>
+              <a:ext uri="{FF2B5EF4-FFF2-40B4-BE49-F238E27FC236}">
+                <a16:creationId xmlns:a16="http://schemas.microsoft.com/office/drawing/2014/main" id="{999DA154-A73B-43B9-B7D4-64105FAC612A}"/>
+              </a:ext>
+            </a:extLst>
+          </p:cNvPr>
+          <p:cNvGraphicFramePr>
+            <a:graphicFrameLocks noGrp="1"/>
+          </p:cNvGraphicFramePr>
+          <p:nvPr>
+            <p:extLst>
+              <p:ext uri="{D42A27DB-BD31-4B8C-83A1-F6EECF244321}">
+                <p14:modId xmlns:p14="http://schemas.microsoft.com/office/powerpoint/2010/main" val="828715201"/>
+              </p:ext>
+            </p:extLst>
+          </p:nvPr>
+        </p:nvGraphicFramePr>
+        <p:xfrm>
+          <a:off x="2581471" y="2922552"/>
+          <a:ext cx="829821" cy="304800"/>
+        </p:xfrm>
+        <a:graphic>
+          <a:graphicData uri="http://schemas.openxmlformats.org/drawingml/2006/table">
+            <a:tbl>
+              <a:tblPr firstRow="1" bandRow="1">
+                <a:tableStyleId>{5C22544A-7EE6-4342-B048-85BDC9FD1C3A}</a:tableStyleId>
+              </a:tblPr>
+              <a:tblGrid>
+                <a:gridCol w="829821">
+                  <a:extLst>
+                    <a:ext uri="{9D8B030D-6E8A-4147-A177-3AD203B41FA5}">
+                      <a16:colId xmlns:a16="http://schemas.microsoft.com/office/drawing/2014/main" val="2779707369"/>
+                    </a:ext>
+                  </a:extLst>
+                </a:gridCol>
+              </a:tblGrid>
+              <a:tr h="171590">
+                <a:tc>
+                  <a:txBody>
+                    <a:bodyPr/>
+                    <a:lstStyle/>
+                    <a:p>
+                      <a:pPr algn="ctr"/>
+                      <a:r>
+                        <a:rPr lang="pl-PL" sz="1400" dirty="0"/>
+                        <a:t>1 = 1</a:t>
+                      </a:r>
+                      <a:endParaRPr lang="en-US" sz="1400" dirty="0"/>
+                    </a:p>
+                  </a:txBody>
+                  <a:tcPr/>
+                </a:tc>
+                <a:extLst>
+                  <a:ext uri="{0D108BD9-81ED-4DB2-BD59-A6C34878D82A}">
+                    <a16:rowId xmlns:a16="http://schemas.microsoft.com/office/drawing/2014/main" val="1376702336"/>
+                  </a:ext>
+                </a:extLst>
+              </a:tr>
+            </a:tbl>
+          </a:graphicData>
+        </a:graphic>
+      </p:graphicFrame>
+      <p:graphicFrame>
+        <p:nvGraphicFramePr>
+          <p:cNvPr id="77" name="Table 30">
+            <a:extLst>
+              <a:ext uri="{FF2B5EF4-FFF2-40B4-BE49-F238E27FC236}">
+                <a16:creationId xmlns:a16="http://schemas.microsoft.com/office/drawing/2014/main" id="{A4D108AF-F5F3-4D4C-8E0F-F01C2273C559}"/>
+              </a:ext>
+            </a:extLst>
+          </p:cNvPr>
+          <p:cNvGraphicFramePr>
+            <a:graphicFrameLocks noGrp="1"/>
+          </p:cNvGraphicFramePr>
+          <p:nvPr>
+            <p:extLst>
+              <p:ext uri="{D42A27DB-BD31-4B8C-83A1-F6EECF244321}">
+                <p14:modId xmlns:p14="http://schemas.microsoft.com/office/powerpoint/2010/main" val="1323708784"/>
+              </p:ext>
+            </p:extLst>
+          </p:nvPr>
+        </p:nvGraphicFramePr>
+        <p:xfrm>
+          <a:off x="6747077" y="1725749"/>
+          <a:ext cx="829821" cy="304800"/>
+        </p:xfrm>
+        <a:graphic>
+          <a:graphicData uri="http://schemas.openxmlformats.org/drawingml/2006/table">
+            <a:tbl>
+              <a:tblPr firstRow="1" bandRow="1">
+                <a:tableStyleId>{5C22544A-7EE6-4342-B048-85BDC9FD1C3A}</a:tableStyleId>
+              </a:tblPr>
+              <a:tblGrid>
+                <a:gridCol w="829821">
+                  <a:extLst>
+                    <a:ext uri="{9D8B030D-6E8A-4147-A177-3AD203B41FA5}">
+                      <a16:colId xmlns:a16="http://schemas.microsoft.com/office/drawing/2014/main" val="2779707369"/>
+                    </a:ext>
+                  </a:extLst>
+                </a:gridCol>
+              </a:tblGrid>
+              <a:tr h="171590">
+                <a:tc>
+                  <a:txBody>
+                    <a:bodyPr/>
+                    <a:lstStyle/>
+                    <a:p>
+                      <a:pPr algn="ctr"/>
+                      <a:r>
+                        <a:rPr lang="pl-PL" sz="1400" dirty="0"/>
+                        <a:t>1 = 2</a:t>
+                      </a:r>
+                      <a:endParaRPr lang="en-US" sz="1400" dirty="0"/>
+                    </a:p>
+                  </a:txBody>
+                  <a:tcPr/>
+                </a:tc>
+                <a:extLst>
+                  <a:ext uri="{0D108BD9-81ED-4DB2-BD59-A6C34878D82A}">
+                    <a16:rowId xmlns:a16="http://schemas.microsoft.com/office/drawing/2014/main" val="1376702336"/>
+                  </a:ext>
+                </a:extLst>
+              </a:tr>
+            </a:tbl>
+          </a:graphicData>
+        </a:graphic>
+      </p:graphicFrame>
     </p:spTree>
     <p:extLst>
       <p:ext uri="{BB962C8B-B14F-4D97-AF65-F5344CB8AC3E}">
-        <p14:creationId xmlns:p14="http://schemas.microsoft.com/office/powerpoint/2010/main" val="2188302669"/>
+        <p14:creationId xmlns:p14="http://schemas.microsoft.com/office/powerpoint/2010/main" val="2771227454"/>
       </p:ext>
     </p:extLst>
   </p:cSld>

--- a/_devops/Presentations/FunkyCode Articles.pptx
+++ b/_devops/Presentations/FunkyCode Articles.pptx
@@ -9,6 +9,11 @@
     <p:sldId id="258" r:id="rId3"/>
     <p:sldId id="257" r:id="rId4"/>
     <p:sldId id="259" r:id="rId5"/>
+    <p:sldId id="262" r:id="rId6"/>
+    <p:sldId id="261" r:id="rId7"/>
+    <p:sldId id="260" r:id="rId8"/>
+    <p:sldId id="264" r:id="rId9"/>
+    <p:sldId id="263" r:id="rId10"/>
   </p:sldIdLst>
   <p:sldSz cx="12192000" cy="6858000"/>
   <p:notesSz cx="6858000" cy="9144000"/>
@@ -274,7 +279,7 @@
           <a:p>
             <a:fld id="{BBDD0A7E-F4FE-45A5-BBB4-0E5516FE760F}" type="datetimeFigureOut">
               <a:rPr lang="en-US" smtClean="0"/>
-              <a:t>7/29/2020</a:t>
+              <a:t>7/30/2020</a:t>
             </a:fld>
             <a:endParaRPr lang="en-US"/>
           </a:p>
@@ -472,7 +477,7 @@
           <a:p>
             <a:fld id="{BBDD0A7E-F4FE-45A5-BBB4-0E5516FE760F}" type="datetimeFigureOut">
               <a:rPr lang="en-US" smtClean="0"/>
-              <a:t>7/29/2020</a:t>
+              <a:t>7/30/2020</a:t>
             </a:fld>
             <a:endParaRPr lang="en-US"/>
           </a:p>
@@ -680,7 +685,7 @@
           <a:p>
             <a:fld id="{BBDD0A7E-F4FE-45A5-BBB4-0E5516FE760F}" type="datetimeFigureOut">
               <a:rPr lang="en-US" smtClean="0"/>
-              <a:t>7/29/2020</a:t>
+              <a:t>7/30/2020</a:t>
             </a:fld>
             <a:endParaRPr lang="en-US"/>
           </a:p>
@@ -878,7 +883,7 @@
           <a:p>
             <a:fld id="{BBDD0A7E-F4FE-45A5-BBB4-0E5516FE760F}" type="datetimeFigureOut">
               <a:rPr lang="en-US" smtClean="0"/>
-              <a:t>7/29/2020</a:t>
+              <a:t>7/30/2020</a:t>
             </a:fld>
             <a:endParaRPr lang="en-US"/>
           </a:p>
@@ -1153,7 +1158,7 @@
           <a:p>
             <a:fld id="{BBDD0A7E-F4FE-45A5-BBB4-0E5516FE760F}" type="datetimeFigureOut">
               <a:rPr lang="en-US" smtClean="0"/>
-              <a:t>7/29/2020</a:t>
+              <a:t>7/30/2020</a:t>
             </a:fld>
             <a:endParaRPr lang="en-US"/>
           </a:p>
@@ -1418,7 +1423,7 @@
           <a:p>
             <a:fld id="{BBDD0A7E-F4FE-45A5-BBB4-0E5516FE760F}" type="datetimeFigureOut">
               <a:rPr lang="en-US" smtClean="0"/>
-              <a:t>7/29/2020</a:t>
+              <a:t>7/30/2020</a:t>
             </a:fld>
             <a:endParaRPr lang="en-US"/>
           </a:p>
@@ -1830,7 +1835,7 @@
           <a:p>
             <a:fld id="{BBDD0A7E-F4FE-45A5-BBB4-0E5516FE760F}" type="datetimeFigureOut">
               <a:rPr lang="en-US" smtClean="0"/>
-              <a:t>7/29/2020</a:t>
+              <a:t>7/30/2020</a:t>
             </a:fld>
             <a:endParaRPr lang="en-US"/>
           </a:p>
@@ -1971,7 +1976,7 @@
           <a:p>
             <a:fld id="{BBDD0A7E-F4FE-45A5-BBB4-0E5516FE760F}" type="datetimeFigureOut">
               <a:rPr lang="en-US" smtClean="0"/>
-              <a:t>7/29/2020</a:t>
+              <a:t>7/30/2020</a:t>
             </a:fld>
             <a:endParaRPr lang="en-US"/>
           </a:p>
@@ -2084,7 +2089,7 @@
           <a:p>
             <a:fld id="{BBDD0A7E-F4FE-45A5-BBB4-0E5516FE760F}" type="datetimeFigureOut">
               <a:rPr lang="en-US" smtClean="0"/>
-              <a:t>7/29/2020</a:t>
+              <a:t>7/30/2020</a:t>
             </a:fld>
             <a:endParaRPr lang="en-US"/>
           </a:p>
@@ -2395,7 +2400,7 @@
           <a:p>
             <a:fld id="{BBDD0A7E-F4FE-45A5-BBB4-0E5516FE760F}" type="datetimeFigureOut">
               <a:rPr lang="en-US" smtClean="0"/>
-              <a:t>7/29/2020</a:t>
+              <a:t>7/30/2020</a:t>
             </a:fld>
             <a:endParaRPr lang="en-US"/>
           </a:p>
@@ -2683,7 +2688,7 @@
           <a:p>
             <a:fld id="{BBDD0A7E-F4FE-45A5-BBB4-0E5516FE760F}" type="datetimeFigureOut">
               <a:rPr lang="en-US" smtClean="0"/>
-              <a:t>7/29/2020</a:t>
+              <a:t>7/30/2020</a:t>
             </a:fld>
             <a:endParaRPr lang="en-US"/>
           </a:p>
@@ -2924,7 +2929,7 @@
           <a:p>
             <a:fld id="{BBDD0A7E-F4FE-45A5-BBB4-0E5516FE760F}" type="datetimeFigureOut">
               <a:rPr lang="en-US" smtClean="0"/>
-              <a:t>7/29/2020</a:t>
+              <a:t>7/30/2020</a:t>
             </a:fld>
             <a:endParaRPr lang="en-US"/>
           </a:p>
@@ -6808,10 +6813,2199 @@
           </a:graphicData>
         </a:graphic>
       </p:graphicFrame>
+      <p:sp>
+        <p:nvSpPr>
+          <p:cNvPr id="34" name="TextBox 33">
+            <a:extLst>
+              <a:ext uri="{FF2B5EF4-FFF2-40B4-BE49-F238E27FC236}">
+                <a16:creationId xmlns:a16="http://schemas.microsoft.com/office/drawing/2014/main" id="{D6619FE0-7FE2-462F-AACF-1DF2F1563093}"/>
+              </a:ext>
+            </a:extLst>
+          </p:cNvPr>
+          <p:cNvSpPr txBox="1"/>
+          <p:nvPr/>
+        </p:nvSpPr>
+        <p:spPr>
+          <a:xfrm>
+            <a:off x="7262193" y="4598150"/>
+            <a:ext cx="1488361" cy="1355483"/>
+          </a:xfrm>
+          <a:prstGeom prst="rect">
+            <a:avLst/>
+          </a:prstGeom>
+          <a:solidFill>
+            <a:srgbClr val="92D050"/>
+          </a:solidFill>
+        </p:spPr>
+        <p:txBody>
+          <a:bodyPr wrap="square" rtlCol="0" anchor="b">
+            <a:noAutofit/>
+          </a:bodyPr>
+          <a:lstStyle/>
+          <a:p>
+            <a:pPr algn="ctr"/>
+            <a:r>
+              <a:rPr lang="pl-PL" dirty="0">
+                <a:solidFill>
+                  <a:schemeClr val="bg1"/>
+                </a:solidFill>
+              </a:rPr>
+              <a:t>Optimistic</a:t>
+            </a:r>
+            <a:endParaRPr lang="en-US" dirty="0">
+              <a:solidFill>
+                <a:schemeClr val="bg1"/>
+              </a:solidFill>
+            </a:endParaRPr>
+          </a:p>
+        </p:txBody>
+      </p:sp>
+      <p:sp>
+        <p:nvSpPr>
+          <p:cNvPr id="35" name="TextBox 34">
+            <a:extLst>
+              <a:ext uri="{FF2B5EF4-FFF2-40B4-BE49-F238E27FC236}">
+                <a16:creationId xmlns:a16="http://schemas.microsoft.com/office/drawing/2014/main" id="{5C374812-9618-4547-AC1A-28A978241372}"/>
+              </a:ext>
+            </a:extLst>
+          </p:cNvPr>
+          <p:cNvSpPr txBox="1"/>
+          <p:nvPr/>
+        </p:nvSpPr>
+        <p:spPr>
+          <a:xfrm>
+            <a:off x="9478560" y="4598150"/>
+            <a:ext cx="1488361" cy="1355483"/>
+          </a:xfrm>
+          <a:prstGeom prst="rect">
+            <a:avLst/>
+          </a:prstGeom>
+          <a:solidFill>
+            <a:srgbClr val="FF0000"/>
+          </a:solidFill>
+        </p:spPr>
+        <p:txBody>
+          <a:bodyPr wrap="square" rtlCol="0" anchor="b">
+            <a:noAutofit/>
+          </a:bodyPr>
+          <a:lstStyle/>
+          <a:p>
+            <a:pPr algn="ctr"/>
+            <a:r>
+              <a:rPr lang="pl-PL" dirty="0">
+                <a:solidFill>
+                  <a:schemeClr val="bg1"/>
+                </a:solidFill>
+              </a:rPr>
+              <a:t>Pesimistic</a:t>
+            </a:r>
+            <a:endParaRPr lang="en-US" dirty="0">
+              <a:solidFill>
+                <a:schemeClr val="bg1"/>
+              </a:solidFill>
+            </a:endParaRPr>
+          </a:p>
+        </p:txBody>
+      </p:sp>
+      <p:pic>
+        <p:nvPicPr>
+          <p:cNvPr id="38" name="Graphic 37" descr="Smiling face with no fill">
+            <a:extLst>
+              <a:ext uri="{FF2B5EF4-FFF2-40B4-BE49-F238E27FC236}">
+                <a16:creationId xmlns:a16="http://schemas.microsoft.com/office/drawing/2014/main" id="{5ACC9655-EF39-461B-8E64-4AFBC9172B19}"/>
+              </a:ext>
+            </a:extLst>
+          </p:cNvPr>
+          <p:cNvPicPr>
+            <a:picLocks noChangeAspect="1"/>
+          </p:cNvPicPr>
+          <p:nvPr/>
+        </p:nvPicPr>
+        <p:blipFill>
+          <a:blip r:embed="rId10">
+            <a:extLst>
+              <a:ext uri="{28A0092B-C50C-407E-A947-70E740481C1C}">
+                <a14:useLocalDpi xmlns:a14="http://schemas.microsoft.com/office/drawing/2010/main" val="0"/>
+              </a:ext>
+              <a:ext uri="{96DAC541-7B7A-43D3-8B79-37D633B846F1}">
+                <asvg:svgBlip xmlns:asvg="http://schemas.microsoft.com/office/drawing/2016/SVG/main" r:embed="rId11"/>
+              </a:ext>
+            </a:extLst>
+          </a:blip>
+          <a:stretch>
+            <a:fillRect/>
+          </a:stretch>
+        </p:blipFill>
+        <p:spPr>
+          <a:xfrm>
+            <a:off x="7744751" y="4718176"/>
+            <a:ext cx="518855" cy="518855"/>
+          </a:xfrm>
+          <a:prstGeom prst="rect">
+            <a:avLst/>
+          </a:prstGeom>
+        </p:spPr>
+      </p:pic>
+      <p:pic>
+        <p:nvPicPr>
+          <p:cNvPr id="40" name="Graphic 39" descr="Transfer">
+            <a:extLst>
+              <a:ext uri="{FF2B5EF4-FFF2-40B4-BE49-F238E27FC236}">
+                <a16:creationId xmlns:a16="http://schemas.microsoft.com/office/drawing/2014/main" id="{FB3796BA-4BCA-477A-A28A-7254E7E178AF}"/>
+              </a:ext>
+            </a:extLst>
+          </p:cNvPr>
+          <p:cNvPicPr>
+            <a:picLocks noChangeAspect="1"/>
+          </p:cNvPicPr>
+          <p:nvPr/>
+        </p:nvPicPr>
+        <p:blipFill>
+          <a:blip r:embed="rId12">
+            <a:extLst>
+              <a:ext uri="{28A0092B-C50C-407E-A947-70E740481C1C}">
+                <a14:useLocalDpi xmlns:a14="http://schemas.microsoft.com/office/drawing/2010/main" val="0"/>
+              </a:ext>
+              <a:ext uri="{96DAC541-7B7A-43D3-8B79-37D633B846F1}">
+                <asvg:svgBlip xmlns:asvg="http://schemas.microsoft.com/office/drawing/2016/SVG/main" r:embed="rId13"/>
+              </a:ext>
+            </a:extLst>
+          </a:blip>
+          <a:stretch>
+            <a:fillRect/>
+          </a:stretch>
+        </p:blipFill>
+        <p:spPr>
+          <a:xfrm>
+            <a:off x="7552667" y="5160822"/>
+            <a:ext cx="907412" cy="518855"/>
+          </a:xfrm>
+          <a:prstGeom prst="rect">
+            <a:avLst/>
+          </a:prstGeom>
+        </p:spPr>
+      </p:pic>
+      <p:pic>
+        <p:nvPicPr>
+          <p:cNvPr id="49" name="Graphic 48" descr="Transfer">
+            <a:extLst>
+              <a:ext uri="{FF2B5EF4-FFF2-40B4-BE49-F238E27FC236}">
+                <a16:creationId xmlns:a16="http://schemas.microsoft.com/office/drawing/2014/main" id="{83EF86CD-556C-4C4C-B97C-06C68EF15862}"/>
+              </a:ext>
+            </a:extLst>
+          </p:cNvPr>
+          <p:cNvPicPr>
+            <a:picLocks noChangeAspect="1"/>
+          </p:cNvPicPr>
+          <p:nvPr/>
+        </p:nvPicPr>
+        <p:blipFill>
+          <a:blip r:embed="rId12">
+            <a:extLst>
+              <a:ext uri="{28A0092B-C50C-407E-A947-70E740481C1C}">
+                <a14:useLocalDpi xmlns:a14="http://schemas.microsoft.com/office/drawing/2010/main" val="0"/>
+              </a:ext>
+              <a:ext uri="{96DAC541-7B7A-43D3-8B79-37D633B846F1}">
+                <asvg:svgBlip xmlns:asvg="http://schemas.microsoft.com/office/drawing/2016/SVG/main" r:embed="rId13"/>
+              </a:ext>
+            </a:extLst>
+          </a:blip>
+          <a:stretch>
+            <a:fillRect/>
+          </a:stretch>
+        </p:blipFill>
+        <p:spPr>
+          <a:xfrm>
+            <a:off x="9769034" y="5160823"/>
+            <a:ext cx="907412" cy="518855"/>
+          </a:xfrm>
+          <a:prstGeom prst="rect">
+            <a:avLst/>
+          </a:prstGeom>
+        </p:spPr>
+      </p:pic>
+      <p:pic>
+        <p:nvPicPr>
+          <p:cNvPr id="50" name="Graphic 49" descr="Sad face with no fill">
+            <a:extLst>
+              <a:ext uri="{FF2B5EF4-FFF2-40B4-BE49-F238E27FC236}">
+                <a16:creationId xmlns:a16="http://schemas.microsoft.com/office/drawing/2014/main" id="{A2E78731-2B17-48C8-8332-73E9B95CA8D9}"/>
+              </a:ext>
+            </a:extLst>
+          </p:cNvPr>
+          <p:cNvPicPr>
+            <a:picLocks noChangeAspect="1"/>
+          </p:cNvPicPr>
+          <p:nvPr/>
+        </p:nvPicPr>
+        <p:blipFill>
+          <a:blip r:embed="rId14">
+            <a:extLst>
+              <a:ext uri="{28A0092B-C50C-407E-A947-70E740481C1C}">
+                <a14:useLocalDpi xmlns:a14="http://schemas.microsoft.com/office/drawing/2010/main" val="0"/>
+              </a:ext>
+              <a:ext uri="{96DAC541-7B7A-43D3-8B79-37D633B846F1}">
+                <asvg:svgBlip xmlns:asvg="http://schemas.microsoft.com/office/drawing/2016/SVG/main" r:embed="rId15"/>
+              </a:ext>
+            </a:extLst>
+          </a:blip>
+          <a:stretch>
+            <a:fillRect/>
+          </a:stretch>
+        </p:blipFill>
+        <p:spPr>
+          <a:xfrm>
+            <a:off x="9963312" y="4718177"/>
+            <a:ext cx="518855" cy="518855"/>
+          </a:xfrm>
+          <a:prstGeom prst="rect">
+            <a:avLst/>
+          </a:prstGeom>
+        </p:spPr>
+      </p:pic>
     </p:spTree>
     <p:extLst>
       <p:ext uri="{BB962C8B-B14F-4D97-AF65-F5344CB8AC3E}">
         <p14:creationId xmlns:p14="http://schemas.microsoft.com/office/powerpoint/2010/main" val="2771227454"/>
+      </p:ext>
+    </p:extLst>
+  </p:cSld>
+  <p:clrMapOvr>
+    <a:masterClrMapping/>
+  </p:clrMapOvr>
+</p:sld>
+</file>
+
+<file path=ppt/slides/slide5.xml><?xml version="1.0" encoding="utf-8"?>
+<p:sld xmlns:a="http://schemas.openxmlformats.org/drawingml/2006/main" xmlns:r="http://schemas.openxmlformats.org/officeDocument/2006/relationships" xmlns:p="http://schemas.openxmlformats.org/presentationml/2006/main">
+  <p:cSld>
+    <p:spTree>
+      <p:nvGrpSpPr>
+        <p:cNvPr id="1" name=""/>
+        <p:cNvGrpSpPr/>
+        <p:nvPr/>
+      </p:nvGrpSpPr>
+      <p:grpSpPr>
+        <a:xfrm>
+          <a:off x="0" y="0"/>
+          <a:ext cx="0" cy="0"/>
+          <a:chOff x="0" y="0"/>
+          <a:chExt cx="0" cy="0"/>
+        </a:xfrm>
+      </p:grpSpPr>
+      <p:pic>
+        <p:nvPicPr>
+          <p:cNvPr id="4" name="Obraz 7">
+            <a:extLst>
+              <a:ext uri="{FF2B5EF4-FFF2-40B4-BE49-F238E27FC236}">
+                <a16:creationId xmlns:a16="http://schemas.microsoft.com/office/drawing/2014/main" id="{9DA3B23B-21F8-4654-91BA-9730F94EC192}"/>
+              </a:ext>
+            </a:extLst>
+          </p:cNvPr>
+          <p:cNvPicPr/>
+          <p:nvPr/>
+        </p:nvPicPr>
+        <p:blipFill>
+          <a:blip r:embed="rId2"/>
+          <a:stretch>
+            <a:fillRect/>
+          </a:stretch>
+        </p:blipFill>
+        <p:spPr>
+          <a:xfrm>
+            <a:off x="2436576" y="1030292"/>
+            <a:ext cx="7318847" cy="3818155"/>
+          </a:xfrm>
+          <a:prstGeom prst="rect">
+            <a:avLst/>
+          </a:prstGeom>
+        </p:spPr>
+      </p:pic>
+    </p:spTree>
+    <p:extLst>
+      <p:ext uri="{BB962C8B-B14F-4D97-AF65-F5344CB8AC3E}">
+        <p14:creationId xmlns:p14="http://schemas.microsoft.com/office/powerpoint/2010/main" val="2125306112"/>
+      </p:ext>
+    </p:extLst>
+  </p:cSld>
+  <p:clrMapOvr>
+    <a:masterClrMapping/>
+  </p:clrMapOvr>
+</p:sld>
+</file>
+
+<file path=ppt/slides/slide6.xml><?xml version="1.0" encoding="utf-8"?>
+<p:sld xmlns:a="http://schemas.openxmlformats.org/drawingml/2006/main" xmlns:r="http://schemas.openxmlformats.org/officeDocument/2006/relationships" xmlns:p="http://schemas.openxmlformats.org/presentationml/2006/main">
+  <p:cSld>
+    <p:spTree>
+      <p:nvGrpSpPr>
+        <p:cNvPr id="1" name=""/>
+        <p:cNvGrpSpPr/>
+        <p:nvPr/>
+      </p:nvGrpSpPr>
+      <p:grpSpPr>
+        <a:xfrm>
+          <a:off x="0" y="0"/>
+          <a:ext cx="0" cy="0"/>
+          <a:chOff x="0" y="0"/>
+          <a:chExt cx="0" cy="0"/>
+        </a:xfrm>
+      </p:grpSpPr>
+      <p:sp>
+        <p:nvSpPr>
+          <p:cNvPr id="4" name="Rectangle 3">
+            <a:extLst>
+              <a:ext uri="{FF2B5EF4-FFF2-40B4-BE49-F238E27FC236}">
+                <a16:creationId xmlns:a16="http://schemas.microsoft.com/office/drawing/2014/main" id="{CDB4E41A-ABA1-4841-A058-4DC147957199}"/>
+              </a:ext>
+            </a:extLst>
+          </p:cNvPr>
+          <p:cNvSpPr/>
+          <p:nvPr/>
+        </p:nvSpPr>
+        <p:spPr>
+          <a:xfrm>
+            <a:off x="4377669" y="4295481"/>
+            <a:ext cx="3875822" cy="768707"/>
+          </a:xfrm>
+          <a:prstGeom prst="rect">
+            <a:avLst/>
+          </a:prstGeom>
+          <a:solidFill>
+            <a:schemeClr val="bg1">
+              <a:lumMod val="85000"/>
+            </a:schemeClr>
+          </a:solidFill>
+          <a:ln>
+            <a:noFill/>
+          </a:ln>
+        </p:spPr>
+        <p:style>
+          <a:lnRef idx="2">
+            <a:schemeClr val="accent1">
+              <a:shade val="50000"/>
+            </a:schemeClr>
+          </a:lnRef>
+          <a:fillRef idx="1">
+            <a:schemeClr val="accent1"/>
+          </a:fillRef>
+          <a:effectRef idx="0">
+            <a:schemeClr val="accent1"/>
+          </a:effectRef>
+          <a:fontRef idx="minor">
+            <a:schemeClr val="lt1"/>
+          </a:fontRef>
+        </p:style>
+        <p:txBody>
+          <a:bodyPr rtlCol="0" anchor="ctr"/>
+          <a:lstStyle/>
+          <a:p>
+            <a:pPr algn="ctr"/>
+            <a:endParaRPr lang="en-US"/>
+          </a:p>
+        </p:txBody>
+      </p:sp>
+      <p:pic>
+        <p:nvPicPr>
+          <p:cNvPr id="6" name="Picture 2">
+            <a:extLst>
+              <a:ext uri="{FF2B5EF4-FFF2-40B4-BE49-F238E27FC236}">
+                <a16:creationId xmlns:a16="http://schemas.microsoft.com/office/drawing/2014/main" id="{FB137BFC-CC5B-42AE-8B5C-E260345EEEEE}"/>
+              </a:ext>
+            </a:extLst>
+          </p:cNvPr>
+          <p:cNvPicPr>
+            <a:picLocks noChangeAspect="1" noChangeArrowheads="1"/>
+          </p:cNvPicPr>
+          <p:nvPr/>
+        </p:nvPicPr>
+        <p:blipFill>
+          <a:blip r:embed="rId2">
+            <a:extLst>
+              <a:ext uri="{28A0092B-C50C-407E-A947-70E740481C1C}">
+                <a14:useLocalDpi xmlns:a14="http://schemas.microsoft.com/office/drawing/2010/main" val="0"/>
+              </a:ext>
+            </a:extLst>
+          </a:blip>
+          <a:srcRect/>
+          <a:stretch>
+            <a:fillRect/>
+          </a:stretch>
+        </p:blipFill>
+        <p:spPr bwMode="auto">
+          <a:xfrm>
+            <a:off x="4501227" y="4388617"/>
+            <a:ext cx="578658" cy="582433"/>
+          </a:xfrm>
+          <a:prstGeom prst="rect">
+            <a:avLst/>
+          </a:prstGeom>
+          <a:noFill/>
+          <a:extLst>
+            <a:ext uri="{909E8E84-426E-40DD-AFC4-6F175D3DCCD1}">
+              <a14:hiddenFill xmlns:a14="http://schemas.microsoft.com/office/drawing/2010/main">
+                <a:solidFill>
+                  <a:srgbClr val="FFFFFF"/>
+                </a:solidFill>
+              </a14:hiddenFill>
+            </a:ext>
+          </a:extLst>
+        </p:spPr>
+      </p:pic>
+      <p:sp>
+        <p:nvSpPr>
+          <p:cNvPr id="8" name="Rectangle 7">
+            <a:extLst>
+              <a:ext uri="{FF2B5EF4-FFF2-40B4-BE49-F238E27FC236}">
+                <a16:creationId xmlns:a16="http://schemas.microsoft.com/office/drawing/2014/main" id="{CDA469CA-45B6-4E5C-8721-6BDC8FADBBBD}"/>
+              </a:ext>
+            </a:extLst>
+          </p:cNvPr>
+          <p:cNvSpPr/>
+          <p:nvPr/>
+        </p:nvSpPr>
+        <p:spPr>
+          <a:xfrm>
+            <a:off x="4864145" y="3433636"/>
+            <a:ext cx="2883159" cy="768707"/>
+          </a:xfrm>
+          <a:prstGeom prst="rect">
+            <a:avLst/>
+          </a:prstGeom>
+          <a:solidFill>
+            <a:schemeClr val="accent5">
+              <a:lumMod val="40000"/>
+              <a:lumOff val="60000"/>
+            </a:schemeClr>
+          </a:solidFill>
+          <a:ln>
+            <a:noFill/>
+          </a:ln>
+        </p:spPr>
+        <p:style>
+          <a:lnRef idx="2">
+            <a:schemeClr val="accent1">
+              <a:shade val="50000"/>
+            </a:schemeClr>
+          </a:lnRef>
+          <a:fillRef idx="1">
+            <a:schemeClr val="accent1"/>
+          </a:fillRef>
+          <a:effectRef idx="0">
+            <a:schemeClr val="accent1"/>
+          </a:effectRef>
+          <a:fontRef idx="minor">
+            <a:schemeClr val="lt1"/>
+          </a:fontRef>
+        </p:style>
+        <p:txBody>
+          <a:bodyPr rtlCol="0" anchor="ctr"/>
+          <a:lstStyle/>
+          <a:p>
+            <a:pPr algn="ctr"/>
+            <a:endParaRPr lang="en-US"/>
+          </a:p>
+        </p:txBody>
+      </p:sp>
+      <p:pic>
+        <p:nvPicPr>
+          <p:cNvPr id="9" name="Picture 8">
+            <a:extLst>
+              <a:ext uri="{FF2B5EF4-FFF2-40B4-BE49-F238E27FC236}">
+                <a16:creationId xmlns:a16="http://schemas.microsoft.com/office/drawing/2014/main" id="{6235A44F-5B36-42F5-BE18-277130EEAEEA}"/>
+              </a:ext>
+            </a:extLst>
+          </p:cNvPr>
+          <p:cNvPicPr>
+            <a:picLocks noChangeAspect="1"/>
+          </p:cNvPicPr>
+          <p:nvPr/>
+        </p:nvPicPr>
+        <p:blipFill>
+          <a:blip r:embed="rId3"/>
+          <a:stretch>
+            <a:fillRect/>
+          </a:stretch>
+        </p:blipFill>
+        <p:spPr>
+          <a:xfrm>
+            <a:off x="5319956" y="3498857"/>
+            <a:ext cx="1800476" cy="638264"/>
+          </a:xfrm>
+          <a:prstGeom prst="rect">
+            <a:avLst/>
+          </a:prstGeom>
+        </p:spPr>
+      </p:pic>
+      <p:sp>
+        <p:nvSpPr>
+          <p:cNvPr id="10" name="Rectangle 9">
+            <a:extLst>
+              <a:ext uri="{FF2B5EF4-FFF2-40B4-BE49-F238E27FC236}">
+                <a16:creationId xmlns:a16="http://schemas.microsoft.com/office/drawing/2014/main" id="{D9E58E01-C0A2-4B46-9831-1479CAFD3A85}"/>
+              </a:ext>
+            </a:extLst>
+          </p:cNvPr>
+          <p:cNvSpPr/>
+          <p:nvPr/>
+        </p:nvSpPr>
+        <p:spPr>
+          <a:xfrm>
+            <a:off x="5483076" y="2041805"/>
+            <a:ext cx="1751046" cy="1292268"/>
+          </a:xfrm>
+          <a:prstGeom prst="rect">
+            <a:avLst/>
+          </a:prstGeom>
+          <a:solidFill>
+            <a:schemeClr val="accent2">
+              <a:lumMod val="20000"/>
+              <a:lumOff val="80000"/>
+            </a:schemeClr>
+          </a:solidFill>
+          <a:ln>
+            <a:noFill/>
+          </a:ln>
+        </p:spPr>
+        <p:style>
+          <a:lnRef idx="2">
+            <a:schemeClr val="accent1">
+              <a:shade val="50000"/>
+            </a:schemeClr>
+          </a:lnRef>
+          <a:fillRef idx="1">
+            <a:schemeClr val="accent1"/>
+          </a:fillRef>
+          <a:effectRef idx="0">
+            <a:schemeClr val="accent1"/>
+          </a:effectRef>
+          <a:fontRef idx="minor">
+            <a:schemeClr val="lt1"/>
+          </a:fontRef>
+        </p:style>
+        <p:txBody>
+          <a:bodyPr rtlCol="0" anchor="ctr"/>
+          <a:lstStyle/>
+          <a:p>
+            <a:pPr algn="ctr"/>
+            <a:endParaRPr lang="en-US"/>
+          </a:p>
+        </p:txBody>
+      </p:sp>
+      <p:pic>
+        <p:nvPicPr>
+          <p:cNvPr id="12" name="Picture 6" descr="Razor Views">
+            <a:extLst>
+              <a:ext uri="{FF2B5EF4-FFF2-40B4-BE49-F238E27FC236}">
+                <a16:creationId xmlns:a16="http://schemas.microsoft.com/office/drawing/2014/main" id="{45FFABA2-B4E2-4B1B-BDB0-4FE19FEFC102}"/>
+              </a:ext>
+            </a:extLst>
+          </p:cNvPr>
+          <p:cNvPicPr>
+            <a:picLocks noChangeAspect="1" noChangeArrowheads="1"/>
+          </p:cNvPicPr>
+          <p:nvPr/>
+        </p:nvPicPr>
+        <p:blipFill rotWithShape="1">
+          <a:blip r:embed="rId4">
+            <a:extLst>
+              <a:ext uri="{28A0092B-C50C-407E-A947-70E740481C1C}">
+                <a14:useLocalDpi xmlns:a14="http://schemas.microsoft.com/office/drawing/2010/main" val="0"/>
+              </a:ext>
+            </a:extLst>
+          </a:blip>
+          <a:srcRect l="15159" t="17359" r="15180" b="16980"/>
+          <a:stretch/>
+        </p:blipFill>
+        <p:spPr bwMode="auto">
+          <a:xfrm>
+            <a:off x="5716341" y="2123314"/>
+            <a:ext cx="1284515" cy="1210759"/>
+          </a:xfrm>
+          <a:prstGeom prst="rect">
+            <a:avLst/>
+          </a:prstGeom>
+          <a:noFill/>
+          <a:extLst>
+            <a:ext uri="{909E8E84-426E-40DD-AFC4-6F175D3DCCD1}">
+              <a14:hiddenFill xmlns:a14="http://schemas.microsoft.com/office/drawing/2010/main">
+                <a:solidFill>
+                  <a:srgbClr val="FFFFFF"/>
+                </a:solidFill>
+              </a14:hiddenFill>
+            </a:ext>
+          </a:extLst>
+        </p:spPr>
+      </p:pic>
+      <p:pic>
+        <p:nvPicPr>
+          <p:cNvPr id="14" name="Graphic 13" descr="User">
+            <a:extLst>
+              <a:ext uri="{FF2B5EF4-FFF2-40B4-BE49-F238E27FC236}">
+                <a16:creationId xmlns:a16="http://schemas.microsoft.com/office/drawing/2014/main" id="{398EE74B-7FD8-4D5E-9EFA-BE5D1E49A039}"/>
+              </a:ext>
+            </a:extLst>
+          </p:cNvPr>
+          <p:cNvPicPr>
+            <a:picLocks noChangeAspect="1"/>
+          </p:cNvPicPr>
+          <p:nvPr/>
+        </p:nvPicPr>
+        <p:blipFill>
+          <a:blip r:embed="rId5">
+            <a:extLst>
+              <a:ext uri="{28A0092B-C50C-407E-A947-70E740481C1C}">
+                <a14:useLocalDpi xmlns:a14="http://schemas.microsoft.com/office/drawing/2010/main" val="0"/>
+              </a:ext>
+              <a:ext uri="{96DAC541-7B7A-43D3-8B79-37D633B846F1}">
+                <asvg:svgBlip xmlns:asvg="http://schemas.microsoft.com/office/drawing/2016/SVG/main" r:embed="rId6"/>
+              </a:ext>
+            </a:extLst>
+          </a:blip>
+          <a:stretch>
+            <a:fillRect/>
+          </a:stretch>
+        </p:blipFill>
+        <p:spPr>
+          <a:xfrm>
+            <a:off x="1587264" y="2435698"/>
+            <a:ext cx="622300" cy="622300"/>
+          </a:xfrm>
+          <a:prstGeom prst="rect">
+            <a:avLst/>
+          </a:prstGeom>
+        </p:spPr>
+      </p:pic>
+      <p:pic>
+        <p:nvPicPr>
+          <p:cNvPr id="15" name="Graphic 14" descr="Internet">
+            <a:extLst>
+              <a:ext uri="{FF2B5EF4-FFF2-40B4-BE49-F238E27FC236}">
+                <a16:creationId xmlns:a16="http://schemas.microsoft.com/office/drawing/2014/main" id="{649757C5-7DDE-4ADE-B1E9-67148FFB1C93}"/>
+              </a:ext>
+            </a:extLst>
+          </p:cNvPr>
+          <p:cNvPicPr>
+            <a:picLocks noChangeAspect="1"/>
+          </p:cNvPicPr>
+          <p:nvPr/>
+        </p:nvPicPr>
+        <p:blipFill>
+          <a:blip r:embed="rId7">
+            <a:extLst>
+              <a:ext uri="{28A0092B-C50C-407E-A947-70E740481C1C}">
+                <a14:useLocalDpi xmlns:a14="http://schemas.microsoft.com/office/drawing/2010/main" val="0"/>
+              </a:ext>
+              <a:ext uri="{96DAC541-7B7A-43D3-8B79-37D633B846F1}">
+                <asvg:svgBlip xmlns:asvg="http://schemas.microsoft.com/office/drawing/2016/SVG/main" r:embed="rId8"/>
+              </a:ext>
+            </a:extLst>
+          </a:blip>
+          <a:stretch>
+            <a:fillRect/>
+          </a:stretch>
+        </p:blipFill>
+        <p:spPr>
+          <a:xfrm>
+            <a:off x="2087853" y="1915798"/>
+            <a:ext cx="1718333" cy="1718333"/>
+          </a:xfrm>
+          <a:prstGeom prst="rect">
+            <a:avLst/>
+          </a:prstGeom>
+        </p:spPr>
+      </p:pic>
+      <p:pic>
+        <p:nvPicPr>
+          <p:cNvPr id="18" name="Picture 8" descr="React (web framework) - Wikipedia">
+            <a:extLst>
+              <a:ext uri="{FF2B5EF4-FFF2-40B4-BE49-F238E27FC236}">
+                <a16:creationId xmlns:a16="http://schemas.microsoft.com/office/drawing/2014/main" id="{41991C9F-6AF2-414F-8C16-C2027D855830}"/>
+              </a:ext>
+            </a:extLst>
+          </p:cNvPr>
+          <p:cNvPicPr>
+            <a:picLocks noChangeAspect="1" noChangeArrowheads="1"/>
+          </p:cNvPicPr>
+          <p:nvPr/>
+        </p:nvPicPr>
+        <p:blipFill rotWithShape="1">
+          <a:blip r:embed="rId9">
+            <a:extLst>
+              <a:ext uri="{28A0092B-C50C-407E-A947-70E740481C1C}">
+                <a14:useLocalDpi xmlns:a14="http://schemas.microsoft.com/office/drawing/2010/main" val="0"/>
+              </a:ext>
+            </a:extLst>
+          </a:blip>
+          <a:srcRect l="17949" t="10603" r="13508" b="9908"/>
+          <a:stretch/>
+        </p:blipFill>
+        <p:spPr bwMode="auto">
+          <a:xfrm>
+            <a:off x="4303685" y="1842626"/>
+            <a:ext cx="684983" cy="561376"/>
+          </a:xfrm>
+          <a:prstGeom prst="rect">
+            <a:avLst/>
+          </a:prstGeom>
+          <a:noFill/>
+          <a:extLst>
+            <a:ext uri="{909E8E84-426E-40DD-AFC4-6F175D3DCCD1}">
+              <a14:hiddenFill xmlns:a14="http://schemas.microsoft.com/office/drawing/2010/main">
+                <a:solidFill>
+                  <a:srgbClr val="FFFFFF"/>
+                </a:solidFill>
+              </a14:hiddenFill>
+            </a:ext>
+          </a:extLst>
+        </p:spPr>
+      </p:pic>
+      <p:cxnSp>
+        <p:nvCxnSpPr>
+          <p:cNvPr id="19" name="Straight Arrow Connector 18">
+            <a:extLst>
+              <a:ext uri="{FF2B5EF4-FFF2-40B4-BE49-F238E27FC236}">
+                <a16:creationId xmlns:a16="http://schemas.microsoft.com/office/drawing/2014/main" id="{E811B26B-A5FB-49FB-9191-565B7D21B661}"/>
+              </a:ext>
+            </a:extLst>
+          </p:cNvPr>
+          <p:cNvCxnSpPr>
+            <a:cxnSpLocks/>
+          </p:cNvCxnSpPr>
+          <p:nvPr/>
+        </p:nvCxnSpPr>
+        <p:spPr>
+          <a:xfrm>
+            <a:off x="3816244" y="2907774"/>
+            <a:ext cx="1464352" cy="0"/>
+          </a:xfrm>
+          <a:prstGeom prst="straightConnector1">
+            <a:avLst/>
+          </a:prstGeom>
+          <a:ln w="127000">
+            <a:tailEnd type="triangle"/>
+          </a:ln>
+        </p:spPr>
+        <p:style>
+          <a:lnRef idx="1">
+            <a:schemeClr val="accent1"/>
+          </a:lnRef>
+          <a:fillRef idx="0">
+            <a:schemeClr val="accent1"/>
+          </a:fillRef>
+          <a:effectRef idx="0">
+            <a:schemeClr val="accent1"/>
+          </a:effectRef>
+          <a:fontRef idx="minor">
+            <a:schemeClr val="tx1"/>
+          </a:fontRef>
+        </p:style>
+      </p:cxnSp>
+      <p:cxnSp>
+        <p:nvCxnSpPr>
+          <p:cNvPr id="20" name="Straight Arrow Connector 19">
+            <a:extLst>
+              <a:ext uri="{FF2B5EF4-FFF2-40B4-BE49-F238E27FC236}">
+                <a16:creationId xmlns:a16="http://schemas.microsoft.com/office/drawing/2014/main" id="{2E93B88D-49FA-420C-84EE-6966F15596F9}"/>
+              </a:ext>
+            </a:extLst>
+          </p:cNvPr>
+          <p:cNvCxnSpPr>
+            <a:cxnSpLocks/>
+          </p:cNvCxnSpPr>
+          <p:nvPr/>
+        </p:nvCxnSpPr>
+        <p:spPr>
+          <a:xfrm flipH="1">
+            <a:off x="3816244" y="2525313"/>
+            <a:ext cx="1464352" cy="0"/>
+          </a:xfrm>
+          <a:prstGeom prst="straightConnector1">
+            <a:avLst/>
+          </a:prstGeom>
+          <a:ln w="127000">
+            <a:tailEnd type="triangle"/>
+          </a:ln>
+        </p:spPr>
+        <p:style>
+          <a:lnRef idx="1">
+            <a:schemeClr val="accent1"/>
+          </a:lnRef>
+          <a:fillRef idx="0">
+            <a:schemeClr val="accent1"/>
+          </a:fillRef>
+          <a:effectRef idx="0">
+            <a:schemeClr val="accent1"/>
+          </a:effectRef>
+          <a:fontRef idx="minor">
+            <a:schemeClr val="tx1"/>
+          </a:fontRef>
+        </p:style>
+      </p:cxnSp>
+      <p:sp>
+        <p:nvSpPr>
+          <p:cNvPr id="23" name="Rectangle 22">
+            <a:extLst>
+              <a:ext uri="{FF2B5EF4-FFF2-40B4-BE49-F238E27FC236}">
+                <a16:creationId xmlns:a16="http://schemas.microsoft.com/office/drawing/2014/main" id="{96A58F9B-C06C-41DB-8DF6-193E913E9B49}"/>
+              </a:ext>
+            </a:extLst>
+          </p:cNvPr>
+          <p:cNvSpPr/>
+          <p:nvPr/>
+        </p:nvSpPr>
+        <p:spPr>
+          <a:xfrm>
+            <a:off x="563452" y="668914"/>
+            <a:ext cx="4384149" cy="461665"/>
+          </a:xfrm>
+          <a:prstGeom prst="rect">
+            <a:avLst/>
+          </a:prstGeom>
+        </p:spPr>
+        <p:txBody>
+          <a:bodyPr wrap="none">
+            <a:spAutoFit/>
+          </a:bodyPr>
+          <a:lstStyle/>
+          <a:p>
+            <a:r>
+              <a:rPr lang="pl-PL" sz="2400" dirty="0"/>
+              <a:t>React + ASP.NET – Tightly coupled</a:t>
+            </a:r>
+            <a:endParaRPr lang="en-US" sz="2400" dirty="0"/>
+          </a:p>
+        </p:txBody>
+      </p:sp>
+    </p:spTree>
+    <p:extLst>
+      <p:ext uri="{BB962C8B-B14F-4D97-AF65-F5344CB8AC3E}">
+        <p14:creationId xmlns:p14="http://schemas.microsoft.com/office/powerpoint/2010/main" val="3564028019"/>
+      </p:ext>
+    </p:extLst>
+  </p:cSld>
+  <p:clrMapOvr>
+    <a:masterClrMapping/>
+  </p:clrMapOvr>
+</p:sld>
+</file>
+
+<file path=ppt/slides/slide7.xml><?xml version="1.0" encoding="utf-8"?>
+<p:sld xmlns:a="http://schemas.openxmlformats.org/drawingml/2006/main" xmlns:r="http://schemas.openxmlformats.org/officeDocument/2006/relationships" xmlns:p="http://schemas.openxmlformats.org/presentationml/2006/main">
+  <p:cSld>
+    <p:spTree>
+      <p:nvGrpSpPr>
+        <p:cNvPr id="1" name=""/>
+        <p:cNvGrpSpPr/>
+        <p:nvPr/>
+      </p:nvGrpSpPr>
+      <p:grpSpPr>
+        <a:xfrm>
+          <a:off x="0" y="0"/>
+          <a:ext cx="0" cy="0"/>
+          <a:chOff x="0" y="0"/>
+          <a:chExt cx="0" cy="0"/>
+        </a:xfrm>
+      </p:grpSpPr>
+      <p:sp>
+        <p:nvSpPr>
+          <p:cNvPr id="3" name="Rectangle 2">
+            <a:extLst>
+              <a:ext uri="{FF2B5EF4-FFF2-40B4-BE49-F238E27FC236}">
+                <a16:creationId xmlns:a16="http://schemas.microsoft.com/office/drawing/2014/main" id="{2C1DB3B5-B181-4074-8495-0E6B39C384D9}"/>
+              </a:ext>
+            </a:extLst>
+          </p:cNvPr>
+          <p:cNvSpPr/>
+          <p:nvPr/>
+        </p:nvSpPr>
+        <p:spPr>
+          <a:xfrm>
+            <a:off x="4167943" y="4329037"/>
+            <a:ext cx="6494613" cy="768707"/>
+          </a:xfrm>
+          <a:prstGeom prst="rect">
+            <a:avLst/>
+          </a:prstGeom>
+          <a:solidFill>
+            <a:schemeClr val="bg1">
+              <a:lumMod val="85000"/>
+            </a:schemeClr>
+          </a:solidFill>
+          <a:ln>
+            <a:noFill/>
+          </a:ln>
+        </p:spPr>
+        <p:style>
+          <a:lnRef idx="2">
+            <a:schemeClr val="accent1">
+              <a:shade val="50000"/>
+            </a:schemeClr>
+          </a:lnRef>
+          <a:fillRef idx="1">
+            <a:schemeClr val="accent1"/>
+          </a:fillRef>
+          <a:effectRef idx="0">
+            <a:schemeClr val="accent1"/>
+          </a:effectRef>
+          <a:fontRef idx="minor">
+            <a:schemeClr val="lt1"/>
+          </a:fontRef>
+        </p:style>
+        <p:txBody>
+          <a:bodyPr rtlCol="0" anchor="ctr"/>
+          <a:lstStyle/>
+          <a:p>
+            <a:pPr algn="ctr"/>
+            <a:endParaRPr lang="en-US"/>
+          </a:p>
+        </p:txBody>
+      </p:sp>
+      <p:sp>
+        <p:nvSpPr>
+          <p:cNvPr id="10" name="Rectangle 9">
+            <a:extLst>
+              <a:ext uri="{FF2B5EF4-FFF2-40B4-BE49-F238E27FC236}">
+                <a16:creationId xmlns:a16="http://schemas.microsoft.com/office/drawing/2014/main" id="{1D2E9C64-767C-4641-8A32-D8BBC2315D6C}"/>
+              </a:ext>
+            </a:extLst>
+          </p:cNvPr>
+          <p:cNvSpPr/>
+          <p:nvPr/>
+        </p:nvSpPr>
+        <p:spPr>
+          <a:xfrm>
+            <a:off x="4420917" y="3754730"/>
+            <a:ext cx="2528056" cy="527739"/>
+          </a:xfrm>
+          <a:prstGeom prst="rect">
+            <a:avLst/>
+          </a:prstGeom>
+          <a:solidFill>
+            <a:schemeClr val="accent6">
+              <a:lumMod val="20000"/>
+              <a:lumOff val="80000"/>
+            </a:schemeClr>
+          </a:solidFill>
+          <a:ln>
+            <a:noFill/>
+          </a:ln>
+        </p:spPr>
+        <p:style>
+          <a:lnRef idx="2">
+            <a:schemeClr val="accent1">
+              <a:shade val="50000"/>
+            </a:schemeClr>
+          </a:lnRef>
+          <a:fillRef idx="1">
+            <a:schemeClr val="accent1"/>
+          </a:fillRef>
+          <a:effectRef idx="0">
+            <a:schemeClr val="accent1"/>
+          </a:effectRef>
+          <a:fontRef idx="minor">
+            <a:schemeClr val="lt1"/>
+          </a:fontRef>
+        </p:style>
+        <p:txBody>
+          <a:bodyPr rtlCol="0" anchor="ctr"/>
+          <a:lstStyle/>
+          <a:p>
+            <a:pPr algn="ctr"/>
+            <a:endParaRPr lang="en-US"/>
+          </a:p>
+        </p:txBody>
+      </p:sp>
+      <p:pic>
+        <p:nvPicPr>
+          <p:cNvPr id="1026" name="Picture 2">
+            <a:extLst>
+              <a:ext uri="{FF2B5EF4-FFF2-40B4-BE49-F238E27FC236}">
+                <a16:creationId xmlns:a16="http://schemas.microsoft.com/office/drawing/2014/main" id="{320797F9-D578-43F0-BC59-ACC1E81028B3}"/>
+              </a:ext>
+            </a:extLst>
+          </p:cNvPr>
+          <p:cNvPicPr>
+            <a:picLocks noChangeAspect="1" noChangeArrowheads="1"/>
+          </p:cNvPicPr>
+          <p:nvPr/>
+        </p:nvPicPr>
+        <p:blipFill>
+          <a:blip r:embed="rId2">
+            <a:extLst>
+              <a:ext uri="{28A0092B-C50C-407E-A947-70E740481C1C}">
+                <a14:useLocalDpi xmlns:a14="http://schemas.microsoft.com/office/drawing/2010/main" val="0"/>
+              </a:ext>
+            </a:extLst>
+          </a:blip>
+          <a:srcRect/>
+          <a:stretch>
+            <a:fillRect/>
+          </a:stretch>
+        </p:blipFill>
+        <p:spPr bwMode="auto">
+          <a:xfrm>
+            <a:off x="4291502" y="4422173"/>
+            <a:ext cx="578658" cy="582433"/>
+          </a:xfrm>
+          <a:prstGeom prst="rect">
+            <a:avLst/>
+          </a:prstGeom>
+          <a:noFill/>
+          <a:extLst>
+            <a:ext uri="{909E8E84-426E-40DD-AFC4-6F175D3DCCD1}">
+              <a14:hiddenFill xmlns:a14="http://schemas.microsoft.com/office/drawing/2010/main">
+                <a:solidFill>
+                  <a:srgbClr val="FFFFFF"/>
+                </a:solidFill>
+              </a14:hiddenFill>
+            </a:ext>
+          </a:extLst>
+        </p:spPr>
+      </p:pic>
+      <p:pic>
+        <p:nvPicPr>
+          <p:cNvPr id="5" name="Picture 4" descr="A picture containing clock&#10;&#10;Description automatically generated">
+            <a:extLst>
+              <a:ext uri="{FF2B5EF4-FFF2-40B4-BE49-F238E27FC236}">
+                <a16:creationId xmlns:a16="http://schemas.microsoft.com/office/drawing/2014/main" id="{3236B455-5850-457A-81FF-DB273F507B6A}"/>
+              </a:ext>
+            </a:extLst>
+          </p:cNvPr>
+          <p:cNvPicPr>
+            <a:picLocks noChangeAspect="1"/>
+          </p:cNvPicPr>
+          <p:nvPr/>
+        </p:nvPicPr>
+        <p:blipFill>
+          <a:blip r:embed="rId3">
+            <a:extLst>
+              <a:ext uri="{28A0092B-C50C-407E-A947-70E740481C1C}">
+                <a14:useLocalDpi xmlns:a14="http://schemas.microsoft.com/office/drawing/2010/main" val="0"/>
+              </a:ext>
+            </a:extLst>
+          </a:blip>
+          <a:stretch>
+            <a:fillRect/>
+          </a:stretch>
+        </p:blipFill>
+        <p:spPr>
+          <a:xfrm>
+            <a:off x="4856426" y="3584451"/>
+            <a:ext cx="1864209" cy="922446"/>
+          </a:xfrm>
+          <a:prstGeom prst="rect">
+            <a:avLst/>
+          </a:prstGeom>
+        </p:spPr>
+      </p:pic>
+      <p:sp>
+        <p:nvSpPr>
+          <p:cNvPr id="14" name="Rectangle 13">
+            <a:extLst>
+              <a:ext uri="{FF2B5EF4-FFF2-40B4-BE49-F238E27FC236}">
+                <a16:creationId xmlns:a16="http://schemas.microsoft.com/office/drawing/2014/main" id="{0FB05399-987D-4753-99BA-8B9ED4CE0544}"/>
+              </a:ext>
+            </a:extLst>
+          </p:cNvPr>
+          <p:cNvSpPr/>
+          <p:nvPr/>
+        </p:nvSpPr>
+        <p:spPr>
+          <a:xfrm>
+            <a:off x="7424834" y="3513762"/>
+            <a:ext cx="2883159" cy="768707"/>
+          </a:xfrm>
+          <a:prstGeom prst="rect">
+            <a:avLst/>
+          </a:prstGeom>
+          <a:solidFill>
+            <a:schemeClr val="accent5">
+              <a:lumMod val="40000"/>
+              <a:lumOff val="60000"/>
+            </a:schemeClr>
+          </a:solidFill>
+          <a:ln>
+            <a:noFill/>
+          </a:ln>
+        </p:spPr>
+        <p:style>
+          <a:lnRef idx="2">
+            <a:schemeClr val="accent1">
+              <a:shade val="50000"/>
+            </a:schemeClr>
+          </a:lnRef>
+          <a:fillRef idx="1">
+            <a:schemeClr val="accent1"/>
+          </a:fillRef>
+          <a:effectRef idx="0">
+            <a:schemeClr val="accent1"/>
+          </a:effectRef>
+          <a:fontRef idx="minor">
+            <a:schemeClr val="lt1"/>
+          </a:fontRef>
+        </p:style>
+        <p:txBody>
+          <a:bodyPr rtlCol="0" anchor="ctr"/>
+          <a:lstStyle/>
+          <a:p>
+            <a:pPr algn="ctr"/>
+            <a:endParaRPr lang="en-US"/>
+          </a:p>
+        </p:txBody>
+      </p:sp>
+      <p:pic>
+        <p:nvPicPr>
+          <p:cNvPr id="6" name="Picture 5">
+            <a:extLst>
+              <a:ext uri="{FF2B5EF4-FFF2-40B4-BE49-F238E27FC236}">
+                <a16:creationId xmlns:a16="http://schemas.microsoft.com/office/drawing/2014/main" id="{467DA870-AEEF-4FC5-B0D2-1391535C56C3}"/>
+              </a:ext>
+            </a:extLst>
+          </p:cNvPr>
+          <p:cNvPicPr>
+            <a:picLocks noChangeAspect="1"/>
+          </p:cNvPicPr>
+          <p:nvPr/>
+        </p:nvPicPr>
+        <p:blipFill>
+          <a:blip r:embed="rId4"/>
+          <a:stretch>
+            <a:fillRect/>
+          </a:stretch>
+        </p:blipFill>
+        <p:spPr>
+          <a:xfrm>
+            <a:off x="7880645" y="3578983"/>
+            <a:ext cx="1800476" cy="638264"/>
+          </a:xfrm>
+          <a:prstGeom prst="rect">
+            <a:avLst/>
+          </a:prstGeom>
+        </p:spPr>
+      </p:pic>
+      <p:sp>
+        <p:nvSpPr>
+          <p:cNvPr id="19" name="Rectangle 18">
+            <a:extLst>
+              <a:ext uri="{FF2B5EF4-FFF2-40B4-BE49-F238E27FC236}">
+                <a16:creationId xmlns:a16="http://schemas.microsoft.com/office/drawing/2014/main" id="{D6A50367-878D-4C08-A1CB-C8FE2ACCEF64}"/>
+              </a:ext>
+            </a:extLst>
+          </p:cNvPr>
+          <p:cNvSpPr/>
+          <p:nvPr/>
+        </p:nvSpPr>
+        <p:spPr>
+          <a:xfrm>
+            <a:off x="8043765" y="2121931"/>
+            <a:ext cx="1751046" cy="1292268"/>
+          </a:xfrm>
+          <a:prstGeom prst="rect">
+            <a:avLst/>
+          </a:prstGeom>
+          <a:solidFill>
+            <a:schemeClr val="accent2">
+              <a:lumMod val="20000"/>
+              <a:lumOff val="80000"/>
+            </a:schemeClr>
+          </a:solidFill>
+          <a:ln>
+            <a:noFill/>
+          </a:ln>
+        </p:spPr>
+        <p:style>
+          <a:lnRef idx="2">
+            <a:schemeClr val="accent1">
+              <a:shade val="50000"/>
+            </a:schemeClr>
+          </a:lnRef>
+          <a:fillRef idx="1">
+            <a:schemeClr val="accent1"/>
+          </a:fillRef>
+          <a:effectRef idx="0">
+            <a:schemeClr val="accent1"/>
+          </a:effectRef>
+          <a:fontRef idx="minor">
+            <a:schemeClr val="lt1"/>
+          </a:fontRef>
+        </p:style>
+        <p:txBody>
+          <a:bodyPr rtlCol="0" anchor="ctr"/>
+          <a:lstStyle/>
+          <a:p>
+            <a:pPr algn="ctr"/>
+            <a:endParaRPr lang="en-US"/>
+          </a:p>
+        </p:txBody>
+      </p:sp>
+      <p:sp>
+        <p:nvSpPr>
+          <p:cNvPr id="20" name="Rectangle 19">
+            <a:extLst>
+              <a:ext uri="{FF2B5EF4-FFF2-40B4-BE49-F238E27FC236}">
+                <a16:creationId xmlns:a16="http://schemas.microsoft.com/office/drawing/2014/main" id="{6E9C700A-066D-4ACD-86FB-7C9A7B31A394}"/>
+              </a:ext>
+            </a:extLst>
+          </p:cNvPr>
+          <p:cNvSpPr/>
+          <p:nvPr/>
+        </p:nvSpPr>
+        <p:spPr>
+          <a:xfrm>
+            <a:off x="4706531" y="1889292"/>
+            <a:ext cx="1751046" cy="1292268"/>
+          </a:xfrm>
+          <a:prstGeom prst="rect">
+            <a:avLst/>
+          </a:prstGeom>
+          <a:solidFill>
+            <a:schemeClr val="accent4">
+              <a:lumMod val="20000"/>
+              <a:lumOff val="80000"/>
+            </a:schemeClr>
+          </a:solidFill>
+          <a:ln>
+            <a:noFill/>
+          </a:ln>
+        </p:spPr>
+        <p:style>
+          <a:lnRef idx="2">
+            <a:schemeClr val="accent1">
+              <a:shade val="50000"/>
+            </a:schemeClr>
+          </a:lnRef>
+          <a:fillRef idx="1">
+            <a:schemeClr val="accent1"/>
+          </a:fillRef>
+          <a:effectRef idx="0">
+            <a:schemeClr val="accent1"/>
+          </a:effectRef>
+          <a:fontRef idx="minor">
+            <a:schemeClr val="lt1"/>
+          </a:fontRef>
+        </p:style>
+        <p:txBody>
+          <a:bodyPr rtlCol="0" anchor="ctr"/>
+          <a:lstStyle/>
+          <a:p>
+            <a:pPr algn="ctr"/>
+            <a:endParaRPr lang="en-US"/>
+          </a:p>
+        </p:txBody>
+      </p:sp>
+      <p:pic>
+        <p:nvPicPr>
+          <p:cNvPr id="1030" name="Picture 6" descr="Razor Views">
+            <a:extLst>
+              <a:ext uri="{FF2B5EF4-FFF2-40B4-BE49-F238E27FC236}">
+                <a16:creationId xmlns:a16="http://schemas.microsoft.com/office/drawing/2014/main" id="{A7A045DF-306E-4B7B-B3AA-C8FB3C844E71}"/>
+              </a:ext>
+            </a:extLst>
+          </p:cNvPr>
+          <p:cNvPicPr>
+            <a:picLocks noChangeAspect="1" noChangeArrowheads="1"/>
+          </p:cNvPicPr>
+          <p:nvPr/>
+        </p:nvPicPr>
+        <p:blipFill rotWithShape="1">
+          <a:blip r:embed="rId5">
+            <a:extLst>
+              <a:ext uri="{28A0092B-C50C-407E-A947-70E740481C1C}">
+                <a14:useLocalDpi xmlns:a14="http://schemas.microsoft.com/office/drawing/2010/main" val="0"/>
+              </a:ext>
+            </a:extLst>
+          </a:blip>
+          <a:srcRect l="15159" t="17359" r="15180" b="16980"/>
+          <a:stretch/>
+        </p:blipFill>
+        <p:spPr bwMode="auto">
+          <a:xfrm>
+            <a:off x="8277030" y="2203440"/>
+            <a:ext cx="1284515" cy="1210759"/>
+          </a:xfrm>
+          <a:prstGeom prst="rect">
+            <a:avLst/>
+          </a:prstGeom>
+          <a:noFill/>
+          <a:extLst>
+            <a:ext uri="{909E8E84-426E-40DD-AFC4-6F175D3DCCD1}">
+              <a14:hiddenFill xmlns:a14="http://schemas.microsoft.com/office/drawing/2010/main">
+                <a:solidFill>
+                  <a:srgbClr val="FFFFFF"/>
+                </a:solidFill>
+              </a14:hiddenFill>
+            </a:ext>
+          </a:extLst>
+        </p:spPr>
+      </p:pic>
+      <p:pic>
+        <p:nvPicPr>
+          <p:cNvPr id="1032" name="Picture 8" descr="React (web framework) - Wikipedia">
+            <a:extLst>
+              <a:ext uri="{FF2B5EF4-FFF2-40B4-BE49-F238E27FC236}">
+                <a16:creationId xmlns:a16="http://schemas.microsoft.com/office/drawing/2014/main" id="{4A707FD4-33CE-4288-B6E6-B50629B1924E}"/>
+              </a:ext>
+            </a:extLst>
+          </p:cNvPr>
+          <p:cNvPicPr>
+            <a:picLocks noChangeAspect="1" noChangeArrowheads="1"/>
+          </p:cNvPicPr>
+          <p:nvPr/>
+        </p:nvPicPr>
+        <p:blipFill rotWithShape="1">
+          <a:blip r:embed="rId6">
+            <a:extLst>
+              <a:ext uri="{28A0092B-C50C-407E-A947-70E740481C1C}">
+                <a14:useLocalDpi xmlns:a14="http://schemas.microsoft.com/office/drawing/2010/main" val="0"/>
+              </a:ext>
+            </a:extLst>
+          </a:blip>
+          <a:srcRect l="17949" t="10603" r="13508" b="9908"/>
+          <a:stretch/>
+        </p:blipFill>
+        <p:spPr bwMode="auto">
+          <a:xfrm>
+            <a:off x="4856752" y="1953285"/>
+            <a:ext cx="1477352" cy="1210759"/>
+          </a:xfrm>
+          <a:prstGeom prst="rect">
+            <a:avLst/>
+          </a:prstGeom>
+          <a:noFill/>
+          <a:extLst>
+            <a:ext uri="{909E8E84-426E-40DD-AFC4-6F175D3DCCD1}">
+              <a14:hiddenFill xmlns:a14="http://schemas.microsoft.com/office/drawing/2010/main">
+                <a:solidFill>
+                  <a:srgbClr val="FFFFFF"/>
+                </a:solidFill>
+              </a14:hiddenFill>
+            </a:ext>
+          </a:extLst>
+        </p:spPr>
+      </p:pic>
+      <p:pic>
+        <p:nvPicPr>
+          <p:cNvPr id="22" name="Graphic 21" descr="User">
+            <a:extLst>
+              <a:ext uri="{FF2B5EF4-FFF2-40B4-BE49-F238E27FC236}">
+                <a16:creationId xmlns:a16="http://schemas.microsoft.com/office/drawing/2014/main" id="{A57E2FB8-D5D4-4467-9854-C46808830EF7}"/>
+              </a:ext>
+            </a:extLst>
+          </p:cNvPr>
+          <p:cNvPicPr>
+            <a:picLocks noChangeAspect="1"/>
+          </p:cNvPicPr>
+          <p:nvPr/>
+        </p:nvPicPr>
+        <p:blipFill>
+          <a:blip r:embed="rId7">
+            <a:extLst>
+              <a:ext uri="{28A0092B-C50C-407E-A947-70E740481C1C}">
+                <a14:useLocalDpi xmlns:a14="http://schemas.microsoft.com/office/drawing/2010/main" val="0"/>
+              </a:ext>
+              <a:ext uri="{96DAC541-7B7A-43D3-8B79-37D633B846F1}">
+                <asvg:svgBlip xmlns:asvg="http://schemas.microsoft.com/office/drawing/2016/SVG/main" r:embed="rId8"/>
+              </a:ext>
+            </a:extLst>
+          </a:blip>
+          <a:stretch>
+            <a:fillRect/>
+          </a:stretch>
+        </p:blipFill>
+        <p:spPr>
+          <a:xfrm>
+            <a:off x="824204" y="2425292"/>
+            <a:ext cx="622300" cy="622300"/>
+          </a:xfrm>
+          <a:prstGeom prst="rect">
+            <a:avLst/>
+          </a:prstGeom>
+        </p:spPr>
+      </p:pic>
+      <p:pic>
+        <p:nvPicPr>
+          <p:cNvPr id="8" name="Graphic 7" descr="Internet">
+            <a:extLst>
+              <a:ext uri="{FF2B5EF4-FFF2-40B4-BE49-F238E27FC236}">
+                <a16:creationId xmlns:a16="http://schemas.microsoft.com/office/drawing/2014/main" id="{B0C1491C-22E0-499A-8A61-1075F68A8F19}"/>
+              </a:ext>
+            </a:extLst>
+          </p:cNvPr>
+          <p:cNvPicPr>
+            <a:picLocks noChangeAspect="1"/>
+          </p:cNvPicPr>
+          <p:nvPr/>
+        </p:nvPicPr>
+        <p:blipFill>
+          <a:blip r:embed="rId9">
+            <a:extLst>
+              <a:ext uri="{28A0092B-C50C-407E-A947-70E740481C1C}">
+                <a14:useLocalDpi xmlns:a14="http://schemas.microsoft.com/office/drawing/2010/main" val="0"/>
+              </a:ext>
+              <a:ext uri="{96DAC541-7B7A-43D3-8B79-37D633B846F1}">
+                <asvg:svgBlip xmlns:asvg="http://schemas.microsoft.com/office/drawing/2016/SVG/main" r:embed="rId10"/>
+              </a:ext>
+            </a:extLst>
+          </a:blip>
+          <a:stretch>
+            <a:fillRect/>
+          </a:stretch>
+        </p:blipFill>
+        <p:spPr>
+          <a:xfrm>
+            <a:off x="1324793" y="1905392"/>
+            <a:ext cx="1718333" cy="1718333"/>
+          </a:xfrm>
+          <a:prstGeom prst="rect">
+            <a:avLst/>
+          </a:prstGeom>
+        </p:spPr>
+      </p:pic>
+      <p:cxnSp>
+        <p:nvCxnSpPr>
+          <p:cNvPr id="21" name="Straight Arrow Connector 20">
+            <a:extLst>
+              <a:ext uri="{FF2B5EF4-FFF2-40B4-BE49-F238E27FC236}">
+                <a16:creationId xmlns:a16="http://schemas.microsoft.com/office/drawing/2014/main" id="{FD6A485B-7F72-4393-8702-F3B77BC3257D}"/>
+              </a:ext>
+            </a:extLst>
+          </p:cNvPr>
+          <p:cNvCxnSpPr>
+            <a:cxnSpLocks/>
+          </p:cNvCxnSpPr>
+          <p:nvPr/>
+        </p:nvCxnSpPr>
+        <p:spPr>
+          <a:xfrm>
+            <a:off x="3120534" y="2922586"/>
+            <a:ext cx="1343609" cy="0"/>
+          </a:xfrm>
+          <a:prstGeom prst="straightConnector1">
+            <a:avLst/>
+          </a:prstGeom>
+          <a:ln w="127000">
+            <a:tailEnd type="triangle"/>
+          </a:ln>
+        </p:spPr>
+        <p:style>
+          <a:lnRef idx="1">
+            <a:schemeClr val="accent1"/>
+          </a:lnRef>
+          <a:fillRef idx="0">
+            <a:schemeClr val="accent1"/>
+          </a:fillRef>
+          <a:effectRef idx="0">
+            <a:schemeClr val="accent1"/>
+          </a:effectRef>
+          <a:fontRef idx="minor">
+            <a:schemeClr val="tx1"/>
+          </a:fontRef>
+        </p:style>
+      </p:cxnSp>
+      <p:cxnSp>
+        <p:nvCxnSpPr>
+          <p:cNvPr id="27" name="Straight Arrow Connector 26">
+            <a:extLst>
+              <a:ext uri="{FF2B5EF4-FFF2-40B4-BE49-F238E27FC236}">
+                <a16:creationId xmlns:a16="http://schemas.microsoft.com/office/drawing/2014/main" id="{7D7CB97C-936E-41E9-A414-56A0095D3B42}"/>
+              </a:ext>
+            </a:extLst>
+          </p:cNvPr>
+          <p:cNvCxnSpPr>
+            <a:cxnSpLocks/>
+          </p:cNvCxnSpPr>
+          <p:nvPr/>
+        </p:nvCxnSpPr>
+        <p:spPr>
+          <a:xfrm flipH="1">
+            <a:off x="3149601" y="2540125"/>
+            <a:ext cx="1231780" cy="0"/>
+          </a:xfrm>
+          <a:prstGeom prst="straightConnector1">
+            <a:avLst/>
+          </a:prstGeom>
+          <a:ln w="127000">
+            <a:tailEnd type="triangle"/>
+          </a:ln>
+        </p:spPr>
+        <p:style>
+          <a:lnRef idx="1">
+            <a:schemeClr val="accent1"/>
+          </a:lnRef>
+          <a:fillRef idx="0">
+            <a:schemeClr val="accent1"/>
+          </a:fillRef>
+          <a:effectRef idx="0">
+            <a:schemeClr val="accent1"/>
+          </a:effectRef>
+          <a:fontRef idx="minor">
+            <a:schemeClr val="tx1"/>
+          </a:fontRef>
+        </p:style>
+      </p:cxnSp>
+      <p:pic>
+        <p:nvPicPr>
+          <p:cNvPr id="32" name="Picture 8" descr="React (web framework) - Wikipedia">
+            <a:extLst>
+              <a:ext uri="{FF2B5EF4-FFF2-40B4-BE49-F238E27FC236}">
+                <a16:creationId xmlns:a16="http://schemas.microsoft.com/office/drawing/2014/main" id="{7CA8F604-6744-43CA-8DC0-74DA08E50564}"/>
+              </a:ext>
+            </a:extLst>
+          </p:cNvPr>
+          <p:cNvPicPr>
+            <a:picLocks noChangeAspect="1" noChangeArrowheads="1"/>
+          </p:cNvPicPr>
+          <p:nvPr/>
+        </p:nvPicPr>
+        <p:blipFill rotWithShape="1">
+          <a:blip r:embed="rId6">
+            <a:extLst>
+              <a:ext uri="{28A0092B-C50C-407E-A947-70E740481C1C}">
+                <a14:useLocalDpi xmlns:a14="http://schemas.microsoft.com/office/drawing/2010/main" val="0"/>
+              </a:ext>
+            </a:extLst>
+          </a:blip>
+          <a:srcRect l="17949" t="10603" r="13508" b="9908"/>
+          <a:stretch/>
+        </p:blipFill>
+        <p:spPr bwMode="auto">
+          <a:xfrm>
+            <a:off x="3606519" y="1889292"/>
+            <a:ext cx="684983" cy="561376"/>
+          </a:xfrm>
+          <a:prstGeom prst="rect">
+            <a:avLst/>
+          </a:prstGeom>
+          <a:noFill/>
+          <a:extLst>
+            <a:ext uri="{909E8E84-426E-40DD-AFC4-6F175D3DCCD1}">
+              <a14:hiddenFill xmlns:a14="http://schemas.microsoft.com/office/drawing/2010/main">
+                <a:solidFill>
+                  <a:srgbClr val="FFFFFF"/>
+                </a:solidFill>
+              </a14:hiddenFill>
+            </a:ext>
+          </a:extLst>
+        </p:spPr>
+      </p:pic>
+      <p:cxnSp>
+        <p:nvCxnSpPr>
+          <p:cNvPr id="33" name="Straight Arrow Connector 32">
+            <a:extLst>
+              <a:ext uri="{FF2B5EF4-FFF2-40B4-BE49-F238E27FC236}">
+                <a16:creationId xmlns:a16="http://schemas.microsoft.com/office/drawing/2014/main" id="{EBB7B5A6-59F3-440D-9F85-90EC11C3FFDC}"/>
+              </a:ext>
+            </a:extLst>
+          </p:cNvPr>
+          <p:cNvCxnSpPr>
+            <a:cxnSpLocks/>
+          </p:cNvCxnSpPr>
+          <p:nvPr/>
+        </p:nvCxnSpPr>
+        <p:spPr>
+          <a:xfrm>
+            <a:off x="6823993" y="2987900"/>
+            <a:ext cx="1017292" cy="0"/>
+          </a:xfrm>
+          <a:prstGeom prst="straightConnector1">
+            <a:avLst/>
+          </a:prstGeom>
+          <a:ln w="127000">
+            <a:tailEnd type="triangle"/>
+          </a:ln>
+        </p:spPr>
+        <p:style>
+          <a:lnRef idx="1">
+            <a:schemeClr val="accent1"/>
+          </a:lnRef>
+          <a:fillRef idx="0">
+            <a:schemeClr val="accent1"/>
+          </a:fillRef>
+          <a:effectRef idx="0">
+            <a:schemeClr val="accent1"/>
+          </a:effectRef>
+          <a:fontRef idx="minor">
+            <a:schemeClr val="tx1"/>
+          </a:fontRef>
+        </p:style>
+      </p:cxnSp>
+      <p:cxnSp>
+        <p:nvCxnSpPr>
+          <p:cNvPr id="34" name="Straight Arrow Connector 33">
+            <a:extLst>
+              <a:ext uri="{FF2B5EF4-FFF2-40B4-BE49-F238E27FC236}">
+                <a16:creationId xmlns:a16="http://schemas.microsoft.com/office/drawing/2014/main" id="{5FABB67E-97B2-4856-8F28-3BB10C5303CB}"/>
+              </a:ext>
+            </a:extLst>
+          </p:cNvPr>
+          <p:cNvCxnSpPr>
+            <a:cxnSpLocks/>
+          </p:cNvCxnSpPr>
+          <p:nvPr/>
+        </p:nvCxnSpPr>
+        <p:spPr>
+          <a:xfrm flipH="1">
+            <a:off x="6820375" y="2605439"/>
+            <a:ext cx="1020910" cy="0"/>
+          </a:xfrm>
+          <a:prstGeom prst="straightConnector1">
+            <a:avLst/>
+          </a:prstGeom>
+          <a:ln w="127000">
+            <a:tailEnd type="triangle"/>
+          </a:ln>
+        </p:spPr>
+        <p:style>
+          <a:lnRef idx="1">
+            <a:schemeClr val="accent1"/>
+          </a:lnRef>
+          <a:fillRef idx="0">
+            <a:schemeClr val="accent1"/>
+          </a:fillRef>
+          <a:effectRef idx="0">
+            <a:schemeClr val="accent1"/>
+          </a:effectRef>
+          <a:fontRef idx="minor">
+            <a:schemeClr val="tx1"/>
+          </a:fontRef>
+        </p:style>
+      </p:cxnSp>
+      <p:sp>
+        <p:nvSpPr>
+          <p:cNvPr id="41" name="TextBox 40">
+            <a:extLst>
+              <a:ext uri="{FF2B5EF4-FFF2-40B4-BE49-F238E27FC236}">
+                <a16:creationId xmlns:a16="http://schemas.microsoft.com/office/drawing/2014/main" id="{C36F13EB-ED59-49A8-8B67-43DA9991131A}"/>
+              </a:ext>
+            </a:extLst>
+          </p:cNvPr>
+          <p:cNvSpPr txBox="1"/>
+          <p:nvPr/>
+        </p:nvSpPr>
+        <p:spPr>
+          <a:xfrm>
+            <a:off x="505375" y="498942"/>
+            <a:ext cx="4364785" cy="523220"/>
+          </a:xfrm>
+          <a:prstGeom prst="rect">
+            <a:avLst/>
+          </a:prstGeom>
+          <a:noFill/>
+        </p:spPr>
+        <p:txBody>
+          <a:bodyPr wrap="none" rtlCol="0">
+            <a:spAutoFit/>
+          </a:bodyPr>
+          <a:lstStyle/>
+          <a:p>
+            <a:r>
+              <a:rPr lang="pl-PL" sz="2800" dirty="0"/>
+              <a:t>React + ASP.NET - Decoupled</a:t>
+            </a:r>
+            <a:endParaRPr lang="en-US" sz="2800" dirty="0"/>
+          </a:p>
+        </p:txBody>
+      </p:sp>
+      <p:sp>
+        <p:nvSpPr>
+          <p:cNvPr id="46" name="Rectangle 45">
+            <a:extLst>
+              <a:ext uri="{FF2B5EF4-FFF2-40B4-BE49-F238E27FC236}">
+                <a16:creationId xmlns:a16="http://schemas.microsoft.com/office/drawing/2014/main" id="{AFCA671C-FD84-42AB-B12B-0B449340718E}"/>
+              </a:ext>
+            </a:extLst>
+          </p:cNvPr>
+          <p:cNvSpPr/>
+          <p:nvPr/>
+        </p:nvSpPr>
+        <p:spPr>
+          <a:xfrm>
+            <a:off x="4402070" y="3305047"/>
+            <a:ext cx="2528056" cy="378076"/>
+          </a:xfrm>
+          <a:prstGeom prst="rect">
+            <a:avLst/>
+          </a:prstGeom>
+          <a:solidFill>
+            <a:schemeClr val="accent1"/>
+          </a:solidFill>
+          <a:ln>
+            <a:noFill/>
+          </a:ln>
+        </p:spPr>
+        <p:style>
+          <a:lnRef idx="2">
+            <a:schemeClr val="accent1">
+              <a:shade val="50000"/>
+            </a:schemeClr>
+          </a:lnRef>
+          <a:fillRef idx="1">
+            <a:schemeClr val="accent1"/>
+          </a:fillRef>
+          <a:effectRef idx="0">
+            <a:schemeClr val="accent1"/>
+          </a:effectRef>
+          <a:fontRef idx="minor">
+            <a:schemeClr val="lt1"/>
+          </a:fontRef>
+        </p:style>
+        <p:txBody>
+          <a:bodyPr rtlCol="0" anchor="ctr"/>
+          <a:lstStyle/>
+          <a:p>
+            <a:pPr algn="ctr"/>
+            <a:r>
+              <a:rPr lang="pl-PL" dirty="0"/>
+              <a:t>express.js</a:t>
+            </a:r>
+            <a:endParaRPr lang="en-US" dirty="0"/>
+          </a:p>
+        </p:txBody>
+      </p:sp>
+    </p:spTree>
+    <p:extLst>
+      <p:ext uri="{BB962C8B-B14F-4D97-AF65-F5344CB8AC3E}">
+        <p14:creationId xmlns:p14="http://schemas.microsoft.com/office/powerpoint/2010/main" val="4047133026"/>
+      </p:ext>
+    </p:extLst>
+  </p:cSld>
+  <p:clrMapOvr>
+    <a:masterClrMapping/>
+  </p:clrMapOvr>
+</p:sld>
+</file>
+
+<file path=ppt/slides/slide8.xml><?xml version="1.0" encoding="utf-8"?>
+<p:sld xmlns:a="http://schemas.openxmlformats.org/drawingml/2006/main" xmlns:r="http://schemas.openxmlformats.org/officeDocument/2006/relationships" xmlns:p="http://schemas.openxmlformats.org/presentationml/2006/main">
+  <p:cSld>
+    <p:spTree>
+      <p:nvGrpSpPr>
+        <p:cNvPr id="1" name=""/>
+        <p:cNvGrpSpPr/>
+        <p:nvPr/>
+      </p:nvGrpSpPr>
+      <p:grpSpPr>
+        <a:xfrm>
+          <a:off x="0" y="0"/>
+          <a:ext cx="0" cy="0"/>
+          <a:chOff x="0" y="0"/>
+          <a:chExt cx="0" cy="0"/>
+        </a:xfrm>
+      </p:grpSpPr>
+      <p:sp>
+        <p:nvSpPr>
+          <p:cNvPr id="9" name="Rectangle 8">
+            <a:extLst>
+              <a:ext uri="{FF2B5EF4-FFF2-40B4-BE49-F238E27FC236}">
+                <a16:creationId xmlns:a16="http://schemas.microsoft.com/office/drawing/2014/main" id="{0EED2C73-4CA3-4831-8229-078BEB786E56}"/>
+              </a:ext>
+            </a:extLst>
+          </p:cNvPr>
+          <p:cNvSpPr/>
+          <p:nvPr/>
+        </p:nvSpPr>
+        <p:spPr>
+          <a:xfrm>
+            <a:off x="3152775" y="1866900"/>
+            <a:ext cx="3378199" cy="1920269"/>
+          </a:xfrm>
+          <a:prstGeom prst="rect">
+            <a:avLst/>
+          </a:prstGeom>
+          <a:solidFill>
+            <a:schemeClr val="accent5">
+              <a:lumMod val="40000"/>
+              <a:lumOff val="60000"/>
+            </a:schemeClr>
+          </a:solidFill>
+          <a:ln>
+            <a:noFill/>
+          </a:ln>
+        </p:spPr>
+        <p:style>
+          <a:lnRef idx="2">
+            <a:schemeClr val="accent1">
+              <a:shade val="50000"/>
+            </a:schemeClr>
+          </a:lnRef>
+          <a:fillRef idx="1">
+            <a:schemeClr val="accent1"/>
+          </a:fillRef>
+          <a:effectRef idx="0">
+            <a:schemeClr val="accent1"/>
+          </a:effectRef>
+          <a:fontRef idx="minor">
+            <a:schemeClr val="lt1"/>
+          </a:fontRef>
+        </p:style>
+        <p:txBody>
+          <a:bodyPr rtlCol="0" anchor="ctr"/>
+          <a:lstStyle/>
+          <a:p>
+            <a:pPr algn="ctr"/>
+            <a:endParaRPr lang="en-US"/>
+          </a:p>
+        </p:txBody>
+      </p:sp>
+      <p:sp>
+        <p:nvSpPr>
+          <p:cNvPr id="4" name="TextBox 3">
+            <a:extLst>
+              <a:ext uri="{FF2B5EF4-FFF2-40B4-BE49-F238E27FC236}">
+                <a16:creationId xmlns:a16="http://schemas.microsoft.com/office/drawing/2014/main" id="{AC4D6F09-6F80-4A9D-8835-5A6E6CC91FB5}"/>
+              </a:ext>
+            </a:extLst>
+          </p:cNvPr>
+          <p:cNvSpPr txBox="1"/>
+          <p:nvPr/>
+        </p:nvSpPr>
+        <p:spPr>
+          <a:xfrm>
+            <a:off x="6683062" y="2933700"/>
+            <a:ext cx="1019547" cy="853469"/>
+          </a:xfrm>
+          <a:prstGeom prst="rect">
+            <a:avLst/>
+          </a:prstGeom>
+          <a:solidFill>
+            <a:schemeClr val="accent1"/>
+          </a:solidFill>
+        </p:spPr>
+        <p:txBody>
+          <a:bodyPr wrap="square" rtlCol="0" anchor="ctr">
+            <a:noAutofit/>
+          </a:bodyPr>
+          <a:lstStyle/>
+          <a:p>
+            <a:pPr algn="ctr"/>
+            <a:r>
+              <a:rPr lang="pl-PL" dirty="0">
+                <a:solidFill>
+                  <a:schemeClr val="bg1"/>
+                </a:solidFill>
+              </a:rPr>
+              <a:t>Node</a:t>
+            </a:r>
+          </a:p>
+          <a:p>
+            <a:pPr algn="ctr"/>
+            <a:r>
+              <a:rPr lang="pl-PL" dirty="0">
+                <a:solidFill>
+                  <a:schemeClr val="bg1"/>
+                </a:solidFill>
+              </a:rPr>
+              <a:t>6.9.5</a:t>
+            </a:r>
+            <a:endParaRPr lang="en-US" dirty="0">
+              <a:solidFill>
+                <a:schemeClr val="bg1"/>
+              </a:solidFill>
+            </a:endParaRPr>
+          </a:p>
+        </p:txBody>
+      </p:sp>
+      <p:sp>
+        <p:nvSpPr>
+          <p:cNvPr id="5" name="TextBox 4">
+            <a:extLst>
+              <a:ext uri="{FF2B5EF4-FFF2-40B4-BE49-F238E27FC236}">
+                <a16:creationId xmlns:a16="http://schemas.microsoft.com/office/drawing/2014/main" id="{BA509A9B-AA01-4EDB-B7B6-48DC44DF8837}"/>
+              </a:ext>
+            </a:extLst>
+          </p:cNvPr>
+          <p:cNvSpPr txBox="1"/>
+          <p:nvPr/>
+        </p:nvSpPr>
+        <p:spPr>
+          <a:xfrm>
+            <a:off x="3814637" y="2094351"/>
+            <a:ext cx="1025815" cy="839349"/>
+          </a:xfrm>
+          <a:prstGeom prst="rect">
+            <a:avLst/>
+          </a:prstGeom>
+          <a:solidFill>
+            <a:schemeClr val="accent1"/>
+          </a:solidFill>
+        </p:spPr>
+        <p:txBody>
+          <a:bodyPr wrap="square" rtlCol="0" anchor="ctr">
+            <a:noAutofit/>
+          </a:bodyPr>
+          <a:lstStyle/>
+          <a:p>
+            <a:pPr algn="ctr"/>
+            <a:r>
+              <a:rPr lang="pl-PL" dirty="0">
+                <a:solidFill>
+                  <a:schemeClr val="bg1"/>
+                </a:solidFill>
+              </a:rPr>
+              <a:t>IISNode</a:t>
+            </a:r>
+          </a:p>
+          <a:p>
+            <a:pPr algn="ctr"/>
+            <a:r>
+              <a:rPr lang="pl-PL" dirty="0">
+                <a:solidFill>
+                  <a:schemeClr val="bg1"/>
+                </a:solidFill>
+              </a:rPr>
+              <a:t>0.2.21</a:t>
+            </a:r>
+            <a:endParaRPr lang="en-US" dirty="0">
+              <a:solidFill>
+                <a:schemeClr val="bg1"/>
+              </a:solidFill>
+            </a:endParaRPr>
+          </a:p>
+        </p:txBody>
+      </p:sp>
+      <p:sp>
+        <p:nvSpPr>
+          <p:cNvPr id="6" name="TextBox 5">
+            <a:extLst>
+              <a:ext uri="{FF2B5EF4-FFF2-40B4-BE49-F238E27FC236}">
+                <a16:creationId xmlns:a16="http://schemas.microsoft.com/office/drawing/2014/main" id="{869D57D0-C4B6-47F7-83BB-950E1E824AC4}"/>
+              </a:ext>
+            </a:extLst>
+          </p:cNvPr>
+          <p:cNvSpPr txBox="1"/>
+          <p:nvPr/>
+        </p:nvSpPr>
+        <p:spPr>
+          <a:xfrm>
+            <a:off x="4943666" y="2094351"/>
+            <a:ext cx="1125511" cy="839349"/>
+          </a:xfrm>
+          <a:prstGeom prst="rect">
+            <a:avLst/>
+          </a:prstGeom>
+          <a:solidFill>
+            <a:schemeClr val="accent1"/>
+          </a:solidFill>
+        </p:spPr>
+        <p:txBody>
+          <a:bodyPr wrap="square" rtlCol="0" anchor="ctr">
+            <a:noAutofit/>
+          </a:bodyPr>
+          <a:lstStyle/>
+          <a:p>
+            <a:pPr algn="ctr"/>
+            <a:r>
+              <a:rPr lang="pl-PL" dirty="0">
+                <a:solidFill>
+                  <a:schemeClr val="bg1"/>
+                </a:solidFill>
+              </a:rPr>
+              <a:t>URL Rewrite</a:t>
+            </a:r>
+            <a:endParaRPr lang="en-US" dirty="0">
+              <a:solidFill>
+                <a:schemeClr val="bg1"/>
+              </a:solidFill>
+            </a:endParaRPr>
+          </a:p>
+        </p:txBody>
+      </p:sp>
+      <p:sp>
+        <p:nvSpPr>
+          <p:cNvPr id="7" name="Rectangle 6">
+            <a:extLst>
+              <a:ext uri="{FF2B5EF4-FFF2-40B4-BE49-F238E27FC236}">
+                <a16:creationId xmlns:a16="http://schemas.microsoft.com/office/drawing/2014/main" id="{D7AF232D-F35D-4662-8EAF-921813360A52}"/>
+              </a:ext>
+            </a:extLst>
+          </p:cNvPr>
+          <p:cNvSpPr/>
+          <p:nvPr/>
+        </p:nvSpPr>
+        <p:spPr>
+          <a:xfrm>
+            <a:off x="2786819" y="3833737"/>
+            <a:ext cx="5309432" cy="768707"/>
+          </a:xfrm>
+          <a:prstGeom prst="rect">
+            <a:avLst/>
+          </a:prstGeom>
+          <a:solidFill>
+            <a:schemeClr val="bg1">
+              <a:lumMod val="85000"/>
+            </a:schemeClr>
+          </a:solidFill>
+          <a:ln>
+            <a:noFill/>
+          </a:ln>
+        </p:spPr>
+        <p:style>
+          <a:lnRef idx="2">
+            <a:schemeClr val="accent1">
+              <a:shade val="50000"/>
+            </a:schemeClr>
+          </a:lnRef>
+          <a:fillRef idx="1">
+            <a:schemeClr val="accent1"/>
+          </a:fillRef>
+          <a:effectRef idx="0">
+            <a:schemeClr val="accent1"/>
+          </a:effectRef>
+          <a:fontRef idx="minor">
+            <a:schemeClr val="lt1"/>
+          </a:fontRef>
+        </p:style>
+        <p:txBody>
+          <a:bodyPr rtlCol="0" anchor="ctr"/>
+          <a:lstStyle/>
+          <a:p>
+            <a:pPr algn="ctr"/>
+            <a:endParaRPr lang="en-US"/>
+          </a:p>
+        </p:txBody>
+      </p:sp>
+      <p:pic>
+        <p:nvPicPr>
+          <p:cNvPr id="8" name="Picture 2">
+            <a:extLst>
+              <a:ext uri="{FF2B5EF4-FFF2-40B4-BE49-F238E27FC236}">
+                <a16:creationId xmlns:a16="http://schemas.microsoft.com/office/drawing/2014/main" id="{B1F418AF-AF3D-4D49-81D5-5A8CA3975552}"/>
+              </a:ext>
+            </a:extLst>
+          </p:cNvPr>
+          <p:cNvPicPr>
+            <a:picLocks noChangeAspect="1" noChangeArrowheads="1"/>
+          </p:cNvPicPr>
+          <p:nvPr/>
+        </p:nvPicPr>
+        <p:blipFill>
+          <a:blip r:embed="rId2">
+            <a:extLst>
+              <a:ext uri="{28A0092B-C50C-407E-A947-70E740481C1C}">
+                <a14:useLocalDpi xmlns:a14="http://schemas.microsoft.com/office/drawing/2010/main" val="0"/>
+              </a:ext>
+            </a:extLst>
+          </a:blip>
+          <a:srcRect/>
+          <a:stretch>
+            <a:fillRect/>
+          </a:stretch>
+        </p:blipFill>
+        <p:spPr bwMode="auto">
+          <a:xfrm>
+            <a:off x="2910377" y="3926873"/>
+            <a:ext cx="578658" cy="582433"/>
+          </a:xfrm>
+          <a:prstGeom prst="rect">
+            <a:avLst/>
+          </a:prstGeom>
+          <a:noFill/>
+          <a:extLst>
+            <a:ext uri="{909E8E84-426E-40DD-AFC4-6F175D3DCCD1}">
+              <a14:hiddenFill xmlns:a14="http://schemas.microsoft.com/office/drawing/2010/main">
+                <a:solidFill>
+                  <a:srgbClr val="FFFFFF"/>
+                </a:solidFill>
+              </a14:hiddenFill>
+            </a:ext>
+          </a:extLst>
+        </p:spPr>
+      </p:pic>
+      <p:pic>
+        <p:nvPicPr>
+          <p:cNvPr id="10" name="Picture 9">
+            <a:extLst>
+              <a:ext uri="{FF2B5EF4-FFF2-40B4-BE49-F238E27FC236}">
+                <a16:creationId xmlns:a16="http://schemas.microsoft.com/office/drawing/2014/main" id="{7AECD319-5B8A-4602-AFFD-1CA8BF6D045B}"/>
+              </a:ext>
+            </a:extLst>
+          </p:cNvPr>
+          <p:cNvPicPr>
+            <a:picLocks noChangeAspect="1"/>
+          </p:cNvPicPr>
+          <p:nvPr/>
+        </p:nvPicPr>
+        <p:blipFill>
+          <a:blip r:embed="rId3"/>
+          <a:stretch>
+            <a:fillRect/>
+          </a:stretch>
+        </p:blipFill>
+        <p:spPr>
+          <a:xfrm>
+            <a:off x="3814637" y="3083683"/>
+            <a:ext cx="1800476" cy="638264"/>
+          </a:xfrm>
+          <a:prstGeom prst="rect">
+            <a:avLst/>
+          </a:prstGeom>
+        </p:spPr>
+      </p:pic>
+    </p:spTree>
+    <p:extLst>
+      <p:ext uri="{BB962C8B-B14F-4D97-AF65-F5344CB8AC3E}">
+        <p14:creationId xmlns:p14="http://schemas.microsoft.com/office/powerpoint/2010/main" val="1525205512"/>
+      </p:ext>
+    </p:extLst>
+  </p:cSld>
+  <p:clrMapOvr>
+    <a:masterClrMapping/>
+  </p:clrMapOvr>
+</p:sld>
+</file>
+
+<file path=ppt/slides/slide9.xml><?xml version="1.0" encoding="utf-8"?>
+<p:sld xmlns:a="http://schemas.openxmlformats.org/drawingml/2006/main" xmlns:r="http://schemas.openxmlformats.org/officeDocument/2006/relationships" xmlns:p="http://schemas.openxmlformats.org/presentationml/2006/main">
+  <p:cSld>
+    <p:spTree>
+      <p:nvGrpSpPr>
+        <p:cNvPr id="1" name=""/>
+        <p:cNvGrpSpPr/>
+        <p:nvPr/>
+      </p:nvGrpSpPr>
+      <p:grpSpPr>
+        <a:xfrm>
+          <a:off x="0" y="0"/>
+          <a:ext cx="0" cy="0"/>
+          <a:chOff x="0" y="0"/>
+          <a:chExt cx="0" cy="0"/>
+        </a:xfrm>
+      </p:grpSpPr>
+      <p:pic>
+        <p:nvPicPr>
+          <p:cNvPr id="4" name="Picture 3">
+            <a:extLst>
+              <a:ext uri="{FF2B5EF4-FFF2-40B4-BE49-F238E27FC236}">
+                <a16:creationId xmlns:a16="http://schemas.microsoft.com/office/drawing/2014/main" id="{1CFB27FE-513A-4544-B924-0E913B0EE8EE}"/>
+              </a:ext>
+            </a:extLst>
+          </p:cNvPr>
+          <p:cNvPicPr>
+            <a:picLocks noChangeAspect="1"/>
+          </p:cNvPicPr>
+          <p:nvPr/>
+        </p:nvPicPr>
+        <p:blipFill>
+          <a:blip r:embed="rId2"/>
+          <a:stretch>
+            <a:fillRect/>
+          </a:stretch>
+        </p:blipFill>
+        <p:spPr>
+          <a:xfrm>
+            <a:off x="2901820" y="973895"/>
+            <a:ext cx="7186296" cy="4910209"/>
+          </a:xfrm>
+          <a:prstGeom prst="rect">
+            <a:avLst/>
+          </a:prstGeom>
+        </p:spPr>
+      </p:pic>
+    </p:spTree>
+    <p:extLst>
+      <p:ext uri="{BB962C8B-B14F-4D97-AF65-F5344CB8AC3E}">
+        <p14:creationId xmlns:p14="http://schemas.microsoft.com/office/powerpoint/2010/main" val="93792149"/>
       </p:ext>
     </p:extLst>
   </p:cSld>
